--- a/week03/Lecture03.pptx
+++ b/week03/Lecture03.pptx
@@ -4,6 +4,9 @@
   <p:sldMasterIdLst>
     <p:sldMasterId id="2147483648" r:id="rId1"/>
   </p:sldMasterIdLst>
+  <p:notesMasterIdLst>
+    <p:notesMasterId r:id="rId30"/>
+  </p:notesMasterIdLst>
   <p:sldIdLst>
     <p:sldId id="256" r:id="rId2"/>
     <p:sldId id="257" r:id="rId3"/>
@@ -31,8 +34,8 @@
     <p:sldId id="277" r:id="rId25"/>
     <p:sldId id="266" r:id="rId26"/>
     <p:sldId id="282" r:id="rId27"/>
-    <p:sldId id="283" r:id="rId28"/>
-    <p:sldId id="284" r:id="rId29"/>
+    <p:sldId id="286" r:id="rId28"/>
+    <p:sldId id="283" r:id="rId29"/>
   </p:sldIdLst>
   <p:sldSz cx="12192000" cy="6858000"/>
   <p:notesSz cx="6858000" cy="9144000"/>
@@ -139,6 +142,439 @@
 </p:presentation>
 </file>
 
+<file path=ppt/notesMasters/notesMaster1.xml><?xml version="1.0" encoding="utf-8"?>
+<p:notesMaster xmlns:a="http://schemas.openxmlformats.org/drawingml/2006/main" xmlns:r="http://schemas.openxmlformats.org/officeDocument/2006/relationships" xmlns:p="http://schemas.openxmlformats.org/presentationml/2006/main">
+  <p:cSld>
+    <p:bg>
+      <p:bgRef idx="1001">
+        <a:schemeClr val="bg1"/>
+      </p:bgRef>
+    </p:bg>
+    <p:spTree>
+      <p:nvGrpSpPr>
+        <p:cNvPr id="1" name=""/>
+        <p:cNvGrpSpPr/>
+        <p:nvPr/>
+      </p:nvGrpSpPr>
+      <p:grpSpPr>
+        <a:xfrm>
+          <a:off x="0" y="0"/>
+          <a:ext cx="0" cy="0"/>
+          <a:chOff x="0" y="0"/>
+          <a:chExt cx="0" cy="0"/>
+        </a:xfrm>
+      </p:grpSpPr>
+      <p:sp>
+        <p:nvSpPr>
+          <p:cNvPr id="2" name="页眉占位符 1"/>
+          <p:cNvSpPr>
+            <a:spLocks noGrp="1"/>
+          </p:cNvSpPr>
+          <p:nvPr>
+            <p:ph type="hdr" sz="quarter"/>
+          </p:nvPr>
+        </p:nvSpPr>
+        <p:spPr>
+          <a:xfrm>
+            <a:off x="0" y="0"/>
+            <a:ext cx="2971800" cy="458788"/>
+          </a:xfrm>
+          <a:prstGeom prst="rect">
+            <a:avLst/>
+          </a:prstGeom>
+        </p:spPr>
+        <p:txBody>
+          <a:bodyPr vert="horz" lIns="91440" tIns="45720" rIns="91440" bIns="45720" rtlCol="0"/>
+          <a:lstStyle>
+            <a:lvl1pPr algn="l">
+              <a:defRPr sz="1200"/>
+            </a:lvl1pPr>
+          </a:lstStyle>
+          <a:p>
+            <a:endParaRPr kumimoji="1" lang="zh-CN" altLang="en-US"/>
+          </a:p>
+        </p:txBody>
+      </p:sp>
+      <p:sp>
+        <p:nvSpPr>
+          <p:cNvPr id="3" name="日期占位符 2"/>
+          <p:cNvSpPr>
+            <a:spLocks noGrp="1"/>
+          </p:cNvSpPr>
+          <p:nvPr>
+            <p:ph type="dt" idx="1"/>
+          </p:nvPr>
+        </p:nvSpPr>
+        <p:spPr>
+          <a:xfrm>
+            <a:off x="3884613" y="0"/>
+            <a:ext cx="2971800" cy="458788"/>
+          </a:xfrm>
+          <a:prstGeom prst="rect">
+            <a:avLst/>
+          </a:prstGeom>
+        </p:spPr>
+        <p:txBody>
+          <a:bodyPr vert="horz" lIns="91440" tIns="45720" rIns="91440" bIns="45720" rtlCol="0"/>
+          <a:lstStyle>
+            <a:lvl1pPr algn="r">
+              <a:defRPr sz="1200"/>
+            </a:lvl1pPr>
+          </a:lstStyle>
+          <a:p>
+            <a:fld id="{634F3F22-B4BB-3F48-9180-464A9F2D66D1}" type="datetimeFigureOut">
+              <a:rPr kumimoji="1" lang="zh-CN" altLang="en-US" smtClean="0"/>
+              <a:t>2021/9/16</a:t>
+            </a:fld>
+            <a:endParaRPr kumimoji="1" lang="zh-CN" altLang="en-US"/>
+          </a:p>
+        </p:txBody>
+      </p:sp>
+      <p:sp>
+        <p:nvSpPr>
+          <p:cNvPr id="4" name="幻灯片图像占位符 3"/>
+          <p:cNvSpPr>
+            <a:spLocks noGrp="1" noRot="1" noChangeAspect="1"/>
+          </p:cNvSpPr>
+          <p:nvPr>
+            <p:ph type="sldImg" idx="2"/>
+          </p:nvPr>
+        </p:nvSpPr>
+        <p:spPr>
+          <a:xfrm>
+            <a:off x="685800" y="1143000"/>
+            <a:ext cx="5486400" cy="3086100"/>
+          </a:xfrm>
+          <a:prstGeom prst="rect">
+            <a:avLst/>
+          </a:prstGeom>
+          <a:noFill/>
+          <a:ln w="12700">
+            <a:solidFill>
+              <a:prstClr val="black"/>
+            </a:solidFill>
+          </a:ln>
+        </p:spPr>
+        <p:txBody>
+          <a:bodyPr vert="horz" lIns="91440" tIns="45720" rIns="91440" bIns="45720" rtlCol="0" anchor="ctr"/>
+          <a:lstStyle/>
+          <a:p>
+            <a:endParaRPr lang="zh-CN" altLang="en-US"/>
+          </a:p>
+        </p:txBody>
+      </p:sp>
+      <p:sp>
+        <p:nvSpPr>
+          <p:cNvPr id="5" name="备注占位符 4"/>
+          <p:cNvSpPr>
+            <a:spLocks noGrp="1"/>
+          </p:cNvSpPr>
+          <p:nvPr>
+            <p:ph type="body" sz="quarter" idx="3"/>
+          </p:nvPr>
+        </p:nvSpPr>
+        <p:spPr>
+          <a:xfrm>
+            <a:off x="685800" y="4400550"/>
+            <a:ext cx="5486400" cy="3600450"/>
+          </a:xfrm>
+          <a:prstGeom prst="rect">
+            <a:avLst/>
+          </a:prstGeom>
+        </p:spPr>
+        <p:txBody>
+          <a:bodyPr vert="horz" lIns="91440" tIns="45720" rIns="91440" bIns="45720" rtlCol="0"/>
+          <a:lstStyle/>
+          <a:p>
+            <a:pPr lvl="0"/>
+            <a:r>
+              <a:rPr kumimoji="1" lang="zh-CN" altLang="en-US"/>
+              <a:t>单击此处编辑母版文本样式</a:t>
+            </a:r>
+          </a:p>
+          <a:p>
+            <a:pPr lvl="1"/>
+            <a:r>
+              <a:rPr kumimoji="1" lang="zh-CN" altLang="en-US"/>
+              <a:t>二级</a:t>
+            </a:r>
+          </a:p>
+          <a:p>
+            <a:pPr lvl="2"/>
+            <a:r>
+              <a:rPr kumimoji="1" lang="zh-CN" altLang="en-US"/>
+              <a:t>三级</a:t>
+            </a:r>
+          </a:p>
+          <a:p>
+            <a:pPr lvl="3"/>
+            <a:r>
+              <a:rPr kumimoji="1" lang="zh-CN" altLang="en-US"/>
+              <a:t>四级</a:t>
+            </a:r>
+          </a:p>
+          <a:p>
+            <a:pPr lvl="4"/>
+            <a:r>
+              <a:rPr kumimoji="1" lang="zh-CN" altLang="en-US"/>
+              <a:t>五级</a:t>
+            </a:r>
+          </a:p>
+        </p:txBody>
+      </p:sp>
+      <p:sp>
+        <p:nvSpPr>
+          <p:cNvPr id="6" name="页脚占位符 5"/>
+          <p:cNvSpPr>
+            <a:spLocks noGrp="1"/>
+          </p:cNvSpPr>
+          <p:nvPr>
+            <p:ph type="ftr" sz="quarter" idx="4"/>
+          </p:nvPr>
+        </p:nvSpPr>
+        <p:spPr>
+          <a:xfrm>
+            <a:off x="0" y="8685213"/>
+            <a:ext cx="2971800" cy="458787"/>
+          </a:xfrm>
+          <a:prstGeom prst="rect">
+            <a:avLst/>
+          </a:prstGeom>
+        </p:spPr>
+        <p:txBody>
+          <a:bodyPr vert="horz" lIns="91440" tIns="45720" rIns="91440" bIns="45720" rtlCol="0" anchor="b"/>
+          <a:lstStyle>
+            <a:lvl1pPr algn="l">
+              <a:defRPr sz="1200"/>
+            </a:lvl1pPr>
+          </a:lstStyle>
+          <a:p>
+            <a:endParaRPr kumimoji="1" lang="zh-CN" altLang="en-US"/>
+          </a:p>
+        </p:txBody>
+      </p:sp>
+      <p:sp>
+        <p:nvSpPr>
+          <p:cNvPr id="7" name="灯片编号占位符 6"/>
+          <p:cNvSpPr>
+            <a:spLocks noGrp="1"/>
+          </p:cNvSpPr>
+          <p:nvPr>
+            <p:ph type="sldNum" sz="quarter" idx="5"/>
+          </p:nvPr>
+        </p:nvSpPr>
+        <p:spPr>
+          <a:xfrm>
+            <a:off x="3884613" y="8685213"/>
+            <a:ext cx="2971800" cy="458787"/>
+          </a:xfrm>
+          <a:prstGeom prst="rect">
+            <a:avLst/>
+          </a:prstGeom>
+        </p:spPr>
+        <p:txBody>
+          <a:bodyPr vert="horz" lIns="91440" tIns="45720" rIns="91440" bIns="45720" rtlCol="0" anchor="b"/>
+          <a:lstStyle>
+            <a:lvl1pPr algn="r">
+              <a:defRPr sz="1200"/>
+            </a:lvl1pPr>
+          </a:lstStyle>
+          <a:p>
+            <a:fld id="{F39692CB-2397-CF44-9044-134362C69983}" type="slidenum">
+              <a:rPr kumimoji="1" lang="zh-CN" altLang="en-US" smtClean="0"/>
+              <a:t>‹#›</a:t>
+            </a:fld>
+            <a:endParaRPr kumimoji="1" lang="zh-CN" altLang="en-US"/>
+          </a:p>
+        </p:txBody>
+      </p:sp>
+    </p:spTree>
+    <p:extLst>
+      <p:ext uri="{BB962C8B-B14F-4D97-AF65-F5344CB8AC3E}">
+        <p14:creationId xmlns:p14="http://schemas.microsoft.com/office/powerpoint/2010/main" val="3016337465"/>
+      </p:ext>
+    </p:extLst>
+  </p:cSld>
+  <p:clrMap bg1="lt1" tx1="dk1" bg2="lt2" tx2="dk2" accent1="accent1" accent2="accent2" accent3="accent3" accent4="accent4" accent5="accent5" accent6="accent6" hlink="hlink" folHlink="folHlink"/>
+  <p:notesStyle>
+    <a:lvl1pPr marL="0" algn="l" defTabSz="914400" rtl="0" eaLnBrk="1" latinLnBrk="0" hangingPunct="1">
+      <a:defRPr sz="1200" kern="1200">
+        <a:solidFill>
+          <a:schemeClr val="tx1"/>
+        </a:solidFill>
+        <a:latin typeface="+mn-lt"/>
+        <a:ea typeface="+mn-ea"/>
+        <a:cs typeface="+mn-cs"/>
+      </a:defRPr>
+    </a:lvl1pPr>
+    <a:lvl2pPr marL="457200" algn="l" defTabSz="914400" rtl="0" eaLnBrk="1" latinLnBrk="0" hangingPunct="1">
+      <a:defRPr sz="1200" kern="1200">
+        <a:solidFill>
+          <a:schemeClr val="tx1"/>
+        </a:solidFill>
+        <a:latin typeface="+mn-lt"/>
+        <a:ea typeface="+mn-ea"/>
+        <a:cs typeface="+mn-cs"/>
+      </a:defRPr>
+    </a:lvl2pPr>
+    <a:lvl3pPr marL="914400" algn="l" defTabSz="914400" rtl="0" eaLnBrk="1" latinLnBrk="0" hangingPunct="1">
+      <a:defRPr sz="1200" kern="1200">
+        <a:solidFill>
+          <a:schemeClr val="tx1"/>
+        </a:solidFill>
+        <a:latin typeface="+mn-lt"/>
+        <a:ea typeface="+mn-ea"/>
+        <a:cs typeface="+mn-cs"/>
+      </a:defRPr>
+    </a:lvl3pPr>
+    <a:lvl4pPr marL="1371600" algn="l" defTabSz="914400" rtl="0" eaLnBrk="1" latinLnBrk="0" hangingPunct="1">
+      <a:defRPr sz="1200" kern="1200">
+        <a:solidFill>
+          <a:schemeClr val="tx1"/>
+        </a:solidFill>
+        <a:latin typeface="+mn-lt"/>
+        <a:ea typeface="+mn-ea"/>
+        <a:cs typeface="+mn-cs"/>
+      </a:defRPr>
+    </a:lvl4pPr>
+    <a:lvl5pPr marL="1828800" algn="l" defTabSz="914400" rtl="0" eaLnBrk="1" latinLnBrk="0" hangingPunct="1">
+      <a:defRPr sz="1200" kern="1200">
+        <a:solidFill>
+          <a:schemeClr val="tx1"/>
+        </a:solidFill>
+        <a:latin typeface="+mn-lt"/>
+        <a:ea typeface="+mn-ea"/>
+        <a:cs typeface="+mn-cs"/>
+      </a:defRPr>
+    </a:lvl5pPr>
+    <a:lvl6pPr marL="2286000" algn="l" defTabSz="914400" rtl="0" eaLnBrk="1" latinLnBrk="0" hangingPunct="1">
+      <a:defRPr sz="1200" kern="1200">
+        <a:solidFill>
+          <a:schemeClr val="tx1"/>
+        </a:solidFill>
+        <a:latin typeface="+mn-lt"/>
+        <a:ea typeface="+mn-ea"/>
+        <a:cs typeface="+mn-cs"/>
+      </a:defRPr>
+    </a:lvl6pPr>
+    <a:lvl7pPr marL="2743200" algn="l" defTabSz="914400" rtl="0" eaLnBrk="1" latinLnBrk="0" hangingPunct="1">
+      <a:defRPr sz="1200" kern="1200">
+        <a:solidFill>
+          <a:schemeClr val="tx1"/>
+        </a:solidFill>
+        <a:latin typeface="+mn-lt"/>
+        <a:ea typeface="+mn-ea"/>
+        <a:cs typeface="+mn-cs"/>
+      </a:defRPr>
+    </a:lvl7pPr>
+    <a:lvl8pPr marL="3200400" algn="l" defTabSz="914400" rtl="0" eaLnBrk="1" latinLnBrk="0" hangingPunct="1">
+      <a:defRPr sz="1200" kern="1200">
+        <a:solidFill>
+          <a:schemeClr val="tx1"/>
+        </a:solidFill>
+        <a:latin typeface="+mn-lt"/>
+        <a:ea typeface="+mn-ea"/>
+        <a:cs typeface="+mn-cs"/>
+      </a:defRPr>
+    </a:lvl8pPr>
+    <a:lvl9pPr marL="3657600" algn="l" defTabSz="914400" rtl="0" eaLnBrk="1" latinLnBrk="0" hangingPunct="1">
+      <a:defRPr sz="1200" kern="1200">
+        <a:solidFill>
+          <a:schemeClr val="tx1"/>
+        </a:solidFill>
+        <a:latin typeface="+mn-lt"/>
+        <a:ea typeface="+mn-ea"/>
+        <a:cs typeface="+mn-cs"/>
+      </a:defRPr>
+    </a:lvl9pPr>
+  </p:notesStyle>
+</p:notesMaster>
+</file>
+
+<file path=ppt/notesSlides/notesSlide1.xml><?xml version="1.0" encoding="utf-8"?>
+<p:notes xmlns:a="http://schemas.openxmlformats.org/drawingml/2006/main" xmlns:r="http://schemas.openxmlformats.org/officeDocument/2006/relationships" xmlns:p="http://schemas.openxmlformats.org/presentationml/2006/main">
+  <p:cSld>
+    <p:spTree>
+      <p:nvGrpSpPr>
+        <p:cNvPr id="1" name=""/>
+        <p:cNvGrpSpPr/>
+        <p:nvPr/>
+      </p:nvGrpSpPr>
+      <p:grpSpPr>
+        <a:xfrm>
+          <a:off x="0" y="0"/>
+          <a:ext cx="0" cy="0"/>
+          <a:chOff x="0" y="0"/>
+          <a:chExt cx="0" cy="0"/>
+        </a:xfrm>
+      </p:grpSpPr>
+      <p:sp>
+        <p:nvSpPr>
+          <p:cNvPr id="2" name="幻灯片图像占位符 1"/>
+          <p:cNvSpPr>
+            <a:spLocks noGrp="1" noRot="1" noChangeAspect="1"/>
+          </p:cNvSpPr>
+          <p:nvPr>
+            <p:ph type="sldImg"/>
+          </p:nvPr>
+        </p:nvSpPr>
+        <p:spPr/>
+      </p:sp>
+      <p:sp>
+        <p:nvSpPr>
+          <p:cNvPr id="3" name="备注占位符 2"/>
+          <p:cNvSpPr>
+            <a:spLocks noGrp="1"/>
+          </p:cNvSpPr>
+          <p:nvPr>
+            <p:ph type="body" idx="1"/>
+          </p:nvPr>
+        </p:nvSpPr>
+        <p:spPr/>
+        <p:txBody>
+          <a:bodyPr/>
+          <a:lstStyle/>
+          <a:p>
+            <a:endParaRPr kumimoji="1" lang="zh-CN" altLang="en-US" dirty="0"/>
+          </a:p>
+        </p:txBody>
+      </p:sp>
+      <p:sp>
+        <p:nvSpPr>
+          <p:cNvPr id="4" name="灯片编号占位符 3"/>
+          <p:cNvSpPr>
+            <a:spLocks noGrp="1"/>
+          </p:cNvSpPr>
+          <p:nvPr>
+            <p:ph type="sldNum" sz="quarter" idx="5"/>
+          </p:nvPr>
+        </p:nvSpPr>
+        <p:spPr/>
+        <p:txBody>
+          <a:bodyPr/>
+          <a:lstStyle/>
+          <a:p>
+            <a:fld id="{F39692CB-2397-CF44-9044-134362C69983}" type="slidenum">
+              <a:rPr kumimoji="1" lang="zh-CN" altLang="en-US" smtClean="0"/>
+              <a:t>15</a:t>
+            </a:fld>
+            <a:endParaRPr kumimoji="1" lang="zh-CN" altLang="en-US"/>
+          </a:p>
+        </p:txBody>
+      </p:sp>
+    </p:spTree>
+    <p:extLst>
+      <p:ext uri="{BB962C8B-B14F-4D97-AF65-F5344CB8AC3E}">
+        <p14:creationId xmlns:p14="http://schemas.microsoft.com/office/powerpoint/2010/main" val="1173151874"/>
+      </p:ext>
+    </p:extLst>
+  </p:cSld>
+  <p:clrMapOvr>
+    <a:masterClrMapping/>
+  </p:clrMapOvr>
+</p:notes>
+</file>
+
 <file path=ppt/slideLayouts/slideLayout1.xml><?xml version="1.0" encoding="utf-8"?>
 <p:sldLayout xmlns:a="http://schemas.openxmlformats.org/drawingml/2006/main" xmlns:r="http://schemas.openxmlformats.org/officeDocument/2006/relationships" xmlns:p="http://schemas.openxmlformats.org/presentationml/2006/main" type="title" preserve="1">
   <p:cSld name="标题幻灯片">
@@ -268,7 +704,7 @@
           <a:p>
             <a:fld id="{FC19A4FA-3D9A-4114-B0D5-759CBD56F1AB}" type="datetimeFigureOut">
               <a:rPr lang="zh-CN" altLang="en-US" smtClean="0"/>
-              <a:t>2021/9/12</a:t>
+              <a:t>2021/9/16</a:t>
             </a:fld>
             <a:endParaRPr lang="zh-CN" altLang="en-US"/>
           </a:p>
@@ -471,7 +907,7 @@
           <a:p>
             <a:fld id="{FC19A4FA-3D9A-4114-B0D5-759CBD56F1AB}" type="datetimeFigureOut">
               <a:rPr lang="zh-CN" altLang="en-US" smtClean="0"/>
-              <a:t>2021/9/12</a:t>
+              <a:t>2021/9/16</a:t>
             </a:fld>
             <a:endParaRPr lang="zh-CN" altLang="en-US"/>
           </a:p>
@@ -649,7 +1085,7 @@
           <a:p>
             <a:fld id="{FC19A4FA-3D9A-4114-B0D5-759CBD56F1AB}" type="datetimeFigureOut">
               <a:rPr lang="zh-CN" altLang="en-US" smtClean="0"/>
-              <a:t>2021/9/12</a:t>
+              <a:t>2021/9/16</a:t>
             </a:fld>
             <a:endParaRPr lang="zh-CN" altLang="en-US"/>
           </a:p>
@@ -873,7 +1309,7 @@
           <a:p>
             <a:fld id="{FC19A4FA-3D9A-4114-B0D5-759CBD56F1AB}" type="datetimeFigureOut">
               <a:rPr lang="zh-CN" altLang="en-US" smtClean="0"/>
-              <a:t>2021/9/12</a:t>
+              <a:t>2021/9/16</a:t>
             </a:fld>
             <a:endParaRPr lang="zh-CN" altLang="en-US"/>
           </a:p>
@@ -1107,7 +1543,7 @@
           <a:p>
             <a:fld id="{FC19A4FA-3D9A-4114-B0D5-759CBD56F1AB}" type="datetimeFigureOut">
               <a:rPr lang="zh-CN" altLang="en-US" smtClean="0"/>
-              <a:t>2021/9/12</a:t>
+              <a:t>2021/9/16</a:t>
             </a:fld>
             <a:endParaRPr lang="zh-CN" altLang="en-US"/>
           </a:p>
@@ -1506,7 +1942,7 @@
           <a:p>
             <a:fld id="{FC19A4FA-3D9A-4114-B0D5-759CBD56F1AB}" type="datetimeFigureOut">
               <a:rPr lang="zh-CN" altLang="en-US" smtClean="0"/>
-              <a:t>2021/9/12</a:t>
+              <a:t>2021/9/16</a:t>
             </a:fld>
             <a:endParaRPr lang="zh-CN" altLang="en-US"/>
           </a:p>
@@ -1786,7 +2222,7 @@
           <a:p>
             <a:fld id="{FC19A4FA-3D9A-4114-B0D5-759CBD56F1AB}" type="datetimeFigureOut">
               <a:rPr lang="zh-CN" altLang="en-US" smtClean="0"/>
-              <a:t>2021/9/12</a:t>
+              <a:t>2021/9/16</a:t>
             </a:fld>
             <a:endParaRPr lang="zh-CN" altLang="en-US"/>
           </a:p>
@@ -1938,7 +2374,7 @@
           <a:p>
             <a:fld id="{FC19A4FA-3D9A-4114-B0D5-759CBD56F1AB}" type="datetimeFigureOut">
               <a:rPr lang="zh-CN" altLang="en-US" smtClean="0"/>
-              <a:t>2021/9/12</a:t>
+              <a:t>2021/9/16</a:t>
             </a:fld>
             <a:endParaRPr lang="zh-CN" altLang="en-US"/>
           </a:p>
@@ -2068,7 +2504,7 @@
           <a:p>
             <a:fld id="{FC19A4FA-3D9A-4114-B0D5-759CBD56F1AB}" type="datetimeFigureOut">
               <a:rPr lang="zh-CN" altLang="en-US" smtClean="0"/>
-              <a:t>2021/9/12</a:t>
+              <a:t>2021/9/16</a:t>
             </a:fld>
             <a:endParaRPr lang="zh-CN" altLang="en-US"/>
           </a:p>
@@ -2378,7 +2814,7 @@
           <a:p>
             <a:fld id="{FC19A4FA-3D9A-4114-B0D5-759CBD56F1AB}" type="datetimeFigureOut">
               <a:rPr lang="zh-CN" altLang="en-US" smtClean="0"/>
-              <a:t>2021/9/12</a:t>
+              <a:t>2021/9/16</a:t>
             </a:fld>
             <a:endParaRPr lang="zh-CN" altLang="en-US"/>
           </a:p>
@@ -2665,7 +3101,7 @@
           <a:p>
             <a:fld id="{FC19A4FA-3D9A-4114-B0D5-759CBD56F1AB}" type="datetimeFigureOut">
               <a:rPr lang="zh-CN" altLang="en-US" smtClean="0"/>
-              <a:t>2021/9/12</a:t>
+              <a:t>2021/9/16</a:t>
             </a:fld>
             <a:endParaRPr lang="zh-CN" altLang="en-US"/>
           </a:p>
@@ -2958,7 +3394,7 @@
           <a:p>
             <a:fld id="{FC19A4FA-3D9A-4114-B0D5-759CBD56F1AB}" type="datetimeFigureOut">
               <a:rPr lang="zh-CN" altLang="en-US" smtClean="0"/>
-              <a:t>2021/9/12</a:t>
+              <a:t>2021/9/16</a:t>
             </a:fld>
             <a:endParaRPr lang="zh-CN" altLang="en-US"/>
           </a:p>
@@ -5092,6 +5528,258 @@
   <p:clrMapOvr>
     <a:masterClrMapping/>
   </p:clrMapOvr>
+  <p:timing>
+    <p:tnLst>
+      <p:par>
+        <p:cTn id="1" dur="indefinite" restart="never" nodeType="tmRoot">
+          <p:childTnLst>
+            <p:seq concurrent="1" nextAc="seek">
+              <p:cTn id="2" dur="indefinite" nodeType="mainSeq">
+                <p:childTnLst>
+                  <p:par>
+                    <p:cTn id="3" fill="hold">
+                      <p:stCondLst>
+                        <p:cond delay="indefinite"/>
+                      </p:stCondLst>
+                      <p:childTnLst>
+                        <p:par>
+                          <p:cTn id="4" fill="hold">
+                            <p:stCondLst>
+                              <p:cond delay="0"/>
+                            </p:stCondLst>
+                            <p:childTnLst>
+                              <p:par>
+                                <p:cTn id="5" presetID="1" presetClass="entr" presetSubtype="0" fill="hold" nodeType="clickEffect">
+                                  <p:stCondLst>
+                                    <p:cond delay="0"/>
+                                  </p:stCondLst>
+                                  <p:childTnLst>
+                                    <p:set>
+                                      <p:cBhvr>
+                                        <p:cTn id="6" dur="1" fill="hold">
+                                          <p:stCondLst>
+                                            <p:cond delay="0"/>
+                                          </p:stCondLst>
+                                        </p:cTn>
+                                        <p:tgtEl>
+                                          <p:spTgt spid="3">
+                                            <p:txEl>
+                                              <p:pRg st="5" end="5"/>
+                                            </p:txEl>
+                                          </p:spTgt>
+                                        </p:tgtEl>
+                                        <p:attrNameLst>
+                                          <p:attrName>style.visibility</p:attrName>
+                                        </p:attrNameLst>
+                                      </p:cBhvr>
+                                      <p:to>
+                                        <p:strVal val="visible"/>
+                                      </p:to>
+                                    </p:set>
+                                  </p:childTnLst>
+                                </p:cTn>
+                              </p:par>
+                            </p:childTnLst>
+                          </p:cTn>
+                        </p:par>
+                      </p:childTnLst>
+                    </p:cTn>
+                  </p:par>
+                  <p:par>
+                    <p:cTn id="7" fill="hold">
+                      <p:stCondLst>
+                        <p:cond delay="indefinite"/>
+                      </p:stCondLst>
+                      <p:childTnLst>
+                        <p:par>
+                          <p:cTn id="8" fill="hold">
+                            <p:stCondLst>
+                              <p:cond delay="0"/>
+                            </p:stCondLst>
+                            <p:childTnLst>
+                              <p:par>
+                                <p:cTn id="9" presetID="1" presetClass="entr" presetSubtype="0" fill="hold" nodeType="clickEffect">
+                                  <p:stCondLst>
+                                    <p:cond delay="0"/>
+                                  </p:stCondLst>
+                                  <p:childTnLst>
+                                    <p:set>
+                                      <p:cBhvr>
+                                        <p:cTn id="10" dur="1" fill="hold">
+                                          <p:stCondLst>
+                                            <p:cond delay="0"/>
+                                          </p:stCondLst>
+                                        </p:cTn>
+                                        <p:tgtEl>
+                                          <p:spTgt spid="3">
+                                            <p:txEl>
+                                              <p:pRg st="6" end="6"/>
+                                            </p:txEl>
+                                          </p:spTgt>
+                                        </p:tgtEl>
+                                        <p:attrNameLst>
+                                          <p:attrName>style.visibility</p:attrName>
+                                        </p:attrNameLst>
+                                      </p:cBhvr>
+                                      <p:to>
+                                        <p:strVal val="visible"/>
+                                      </p:to>
+                                    </p:set>
+                                  </p:childTnLst>
+                                </p:cTn>
+                              </p:par>
+                              <p:par>
+                                <p:cTn id="11" presetID="1" presetClass="entr" presetSubtype="0" fill="hold" nodeType="withEffect">
+                                  <p:stCondLst>
+                                    <p:cond delay="0"/>
+                                  </p:stCondLst>
+                                  <p:childTnLst>
+                                    <p:set>
+                                      <p:cBhvr>
+                                        <p:cTn id="12" dur="1" fill="hold">
+                                          <p:stCondLst>
+                                            <p:cond delay="0"/>
+                                          </p:stCondLst>
+                                        </p:cTn>
+                                        <p:tgtEl>
+                                          <p:spTgt spid="3">
+                                            <p:txEl>
+                                              <p:pRg st="7" end="7"/>
+                                            </p:txEl>
+                                          </p:spTgt>
+                                        </p:tgtEl>
+                                        <p:attrNameLst>
+                                          <p:attrName>style.visibility</p:attrName>
+                                        </p:attrNameLst>
+                                      </p:cBhvr>
+                                      <p:to>
+                                        <p:strVal val="visible"/>
+                                      </p:to>
+                                    </p:set>
+                                  </p:childTnLst>
+                                </p:cTn>
+                              </p:par>
+                              <p:par>
+                                <p:cTn id="13" presetID="1" presetClass="entr" presetSubtype="0" fill="hold" nodeType="withEffect">
+                                  <p:stCondLst>
+                                    <p:cond delay="0"/>
+                                  </p:stCondLst>
+                                  <p:childTnLst>
+                                    <p:set>
+                                      <p:cBhvr>
+                                        <p:cTn id="14" dur="1" fill="hold">
+                                          <p:stCondLst>
+                                            <p:cond delay="0"/>
+                                          </p:stCondLst>
+                                        </p:cTn>
+                                        <p:tgtEl>
+                                          <p:spTgt spid="3">
+                                            <p:txEl>
+                                              <p:pRg st="8" end="8"/>
+                                            </p:txEl>
+                                          </p:spTgt>
+                                        </p:tgtEl>
+                                        <p:attrNameLst>
+                                          <p:attrName>style.visibility</p:attrName>
+                                        </p:attrNameLst>
+                                      </p:cBhvr>
+                                      <p:to>
+                                        <p:strVal val="visible"/>
+                                      </p:to>
+                                    </p:set>
+                                  </p:childTnLst>
+                                </p:cTn>
+                              </p:par>
+                              <p:par>
+                                <p:cTn id="15" presetID="1" presetClass="entr" presetSubtype="0" fill="hold" nodeType="withEffect">
+                                  <p:stCondLst>
+                                    <p:cond delay="0"/>
+                                  </p:stCondLst>
+                                  <p:childTnLst>
+                                    <p:set>
+                                      <p:cBhvr>
+                                        <p:cTn id="16" dur="1" fill="hold">
+                                          <p:stCondLst>
+                                            <p:cond delay="0"/>
+                                          </p:stCondLst>
+                                        </p:cTn>
+                                        <p:tgtEl>
+                                          <p:spTgt spid="3">
+                                            <p:txEl>
+                                              <p:pRg st="10" end="10"/>
+                                            </p:txEl>
+                                          </p:spTgt>
+                                        </p:tgtEl>
+                                        <p:attrNameLst>
+                                          <p:attrName>style.visibility</p:attrName>
+                                        </p:attrNameLst>
+                                      </p:cBhvr>
+                                      <p:to>
+                                        <p:strVal val="visible"/>
+                                      </p:to>
+                                    </p:set>
+                                  </p:childTnLst>
+                                </p:cTn>
+                              </p:par>
+                              <p:par>
+                                <p:cTn id="17" presetID="1" presetClass="entr" presetSubtype="0" fill="hold" nodeType="withEffect">
+                                  <p:stCondLst>
+                                    <p:cond delay="0"/>
+                                  </p:stCondLst>
+                                  <p:childTnLst>
+                                    <p:set>
+                                      <p:cBhvr>
+                                        <p:cTn id="18" dur="1" fill="hold">
+                                          <p:stCondLst>
+                                            <p:cond delay="0"/>
+                                          </p:stCondLst>
+                                        </p:cTn>
+                                        <p:tgtEl>
+                                          <p:spTgt spid="3">
+                                            <p:txEl>
+                                              <p:pRg st="11" end="11"/>
+                                            </p:txEl>
+                                          </p:spTgt>
+                                        </p:tgtEl>
+                                        <p:attrNameLst>
+                                          <p:attrName>style.visibility</p:attrName>
+                                        </p:attrNameLst>
+                                      </p:cBhvr>
+                                      <p:to>
+                                        <p:strVal val="visible"/>
+                                      </p:to>
+                                    </p:set>
+                                  </p:childTnLst>
+                                </p:cTn>
+                              </p:par>
+                            </p:childTnLst>
+                          </p:cTn>
+                        </p:par>
+                      </p:childTnLst>
+                    </p:cTn>
+                  </p:par>
+                </p:childTnLst>
+              </p:cTn>
+              <p:prevCondLst>
+                <p:cond evt="onPrev" delay="0">
+                  <p:tgtEl>
+                    <p:sldTgt/>
+                  </p:tgtEl>
+                </p:cond>
+              </p:prevCondLst>
+              <p:nextCondLst>
+                <p:cond evt="onNext" delay="0">
+                  <p:tgtEl>
+                    <p:sldTgt/>
+                  </p:tgtEl>
+                </p:cond>
+              </p:nextCondLst>
+            </p:seq>
+          </p:childTnLst>
+        </p:cTn>
+      </p:par>
+    </p:tnLst>
+  </p:timing>
 </p:sld>
 </file>
 
@@ -6192,6 +6880,301 @@
   <p:clrMapOvr>
     <a:masterClrMapping/>
   </p:clrMapOvr>
+  <p:timing>
+    <p:tnLst>
+      <p:par>
+        <p:cTn id="1" dur="indefinite" restart="never" nodeType="tmRoot">
+          <p:childTnLst>
+            <p:seq concurrent="1" nextAc="seek">
+              <p:cTn id="2" dur="indefinite" nodeType="mainSeq">
+                <p:childTnLst>
+                  <p:par>
+                    <p:cTn id="3" fill="hold">
+                      <p:stCondLst>
+                        <p:cond delay="indefinite"/>
+                      </p:stCondLst>
+                      <p:childTnLst>
+                        <p:par>
+                          <p:cTn id="4" fill="hold">
+                            <p:stCondLst>
+                              <p:cond delay="0"/>
+                            </p:stCondLst>
+                            <p:childTnLst>
+                              <p:par>
+                                <p:cTn id="5" presetID="1" presetClass="entr" presetSubtype="0" fill="hold" nodeType="clickEffect">
+                                  <p:stCondLst>
+                                    <p:cond delay="0"/>
+                                  </p:stCondLst>
+                                  <p:childTnLst>
+                                    <p:set>
+                                      <p:cBhvr>
+                                        <p:cTn id="6" dur="1" fill="hold">
+                                          <p:stCondLst>
+                                            <p:cond delay="0"/>
+                                          </p:stCondLst>
+                                        </p:cTn>
+                                        <p:tgtEl>
+                                          <p:spTgt spid="3">
+                                            <p:txEl>
+                                              <p:pRg st="5" end="5"/>
+                                            </p:txEl>
+                                          </p:spTgt>
+                                        </p:tgtEl>
+                                        <p:attrNameLst>
+                                          <p:attrName>style.visibility</p:attrName>
+                                        </p:attrNameLst>
+                                      </p:cBhvr>
+                                      <p:to>
+                                        <p:strVal val="visible"/>
+                                      </p:to>
+                                    </p:set>
+                                  </p:childTnLst>
+                                </p:cTn>
+                              </p:par>
+                              <p:par>
+                                <p:cTn id="7" presetID="1" presetClass="entr" presetSubtype="0" fill="hold" nodeType="withEffect">
+                                  <p:stCondLst>
+                                    <p:cond delay="0"/>
+                                  </p:stCondLst>
+                                  <p:childTnLst>
+                                    <p:set>
+                                      <p:cBhvr>
+                                        <p:cTn id="8" dur="1" fill="hold">
+                                          <p:stCondLst>
+                                            <p:cond delay="0"/>
+                                          </p:stCondLst>
+                                        </p:cTn>
+                                        <p:tgtEl>
+                                          <p:spTgt spid="3">
+                                            <p:txEl>
+                                              <p:pRg st="7" end="7"/>
+                                            </p:txEl>
+                                          </p:spTgt>
+                                        </p:tgtEl>
+                                        <p:attrNameLst>
+                                          <p:attrName>style.visibility</p:attrName>
+                                        </p:attrNameLst>
+                                      </p:cBhvr>
+                                      <p:to>
+                                        <p:strVal val="visible"/>
+                                      </p:to>
+                                    </p:set>
+                                  </p:childTnLst>
+                                </p:cTn>
+                              </p:par>
+                              <p:par>
+                                <p:cTn id="9" presetID="1" presetClass="entr" presetSubtype="0" fill="hold" nodeType="withEffect">
+                                  <p:stCondLst>
+                                    <p:cond delay="0"/>
+                                  </p:stCondLst>
+                                  <p:childTnLst>
+                                    <p:set>
+                                      <p:cBhvr>
+                                        <p:cTn id="10" dur="1" fill="hold">
+                                          <p:stCondLst>
+                                            <p:cond delay="0"/>
+                                          </p:stCondLst>
+                                        </p:cTn>
+                                        <p:tgtEl>
+                                          <p:spTgt spid="3">
+                                            <p:txEl>
+                                              <p:pRg st="8" end="8"/>
+                                            </p:txEl>
+                                          </p:spTgt>
+                                        </p:tgtEl>
+                                        <p:attrNameLst>
+                                          <p:attrName>style.visibility</p:attrName>
+                                        </p:attrNameLst>
+                                      </p:cBhvr>
+                                      <p:to>
+                                        <p:strVal val="visible"/>
+                                      </p:to>
+                                    </p:set>
+                                  </p:childTnLst>
+                                </p:cTn>
+                              </p:par>
+                              <p:par>
+                                <p:cTn id="11" presetID="1" presetClass="entr" presetSubtype="0" fill="hold" nodeType="withEffect">
+                                  <p:stCondLst>
+                                    <p:cond delay="0"/>
+                                  </p:stCondLst>
+                                  <p:childTnLst>
+                                    <p:set>
+                                      <p:cBhvr>
+                                        <p:cTn id="12" dur="1" fill="hold">
+                                          <p:stCondLst>
+                                            <p:cond delay="0"/>
+                                          </p:stCondLst>
+                                        </p:cTn>
+                                        <p:tgtEl>
+                                          <p:spTgt spid="3">
+                                            <p:txEl>
+                                              <p:pRg st="9" end="9"/>
+                                            </p:txEl>
+                                          </p:spTgt>
+                                        </p:tgtEl>
+                                        <p:attrNameLst>
+                                          <p:attrName>style.visibility</p:attrName>
+                                        </p:attrNameLst>
+                                      </p:cBhvr>
+                                      <p:to>
+                                        <p:strVal val="visible"/>
+                                      </p:to>
+                                    </p:set>
+                                  </p:childTnLst>
+                                </p:cTn>
+                              </p:par>
+                              <p:par>
+                                <p:cTn id="13" presetID="1" presetClass="entr" presetSubtype="0" fill="hold" nodeType="withEffect">
+                                  <p:stCondLst>
+                                    <p:cond delay="0"/>
+                                  </p:stCondLst>
+                                  <p:childTnLst>
+                                    <p:set>
+                                      <p:cBhvr>
+                                        <p:cTn id="14" dur="1" fill="hold">
+                                          <p:stCondLst>
+                                            <p:cond delay="0"/>
+                                          </p:stCondLst>
+                                        </p:cTn>
+                                        <p:tgtEl>
+                                          <p:spTgt spid="3">
+                                            <p:txEl>
+                                              <p:pRg st="10" end="10"/>
+                                            </p:txEl>
+                                          </p:spTgt>
+                                        </p:tgtEl>
+                                        <p:attrNameLst>
+                                          <p:attrName>style.visibility</p:attrName>
+                                        </p:attrNameLst>
+                                      </p:cBhvr>
+                                      <p:to>
+                                        <p:strVal val="visible"/>
+                                      </p:to>
+                                    </p:set>
+                                  </p:childTnLst>
+                                </p:cTn>
+                              </p:par>
+                              <p:par>
+                                <p:cTn id="15" presetID="1" presetClass="entr" presetSubtype="0" fill="hold" nodeType="withEffect">
+                                  <p:stCondLst>
+                                    <p:cond delay="0"/>
+                                  </p:stCondLst>
+                                  <p:childTnLst>
+                                    <p:set>
+                                      <p:cBhvr>
+                                        <p:cTn id="16" dur="1" fill="hold">
+                                          <p:stCondLst>
+                                            <p:cond delay="0"/>
+                                          </p:stCondLst>
+                                        </p:cTn>
+                                        <p:tgtEl>
+                                          <p:spTgt spid="3">
+                                            <p:txEl>
+                                              <p:pRg st="11" end="11"/>
+                                            </p:txEl>
+                                          </p:spTgt>
+                                        </p:tgtEl>
+                                        <p:attrNameLst>
+                                          <p:attrName>style.visibility</p:attrName>
+                                        </p:attrNameLst>
+                                      </p:cBhvr>
+                                      <p:to>
+                                        <p:strVal val="visible"/>
+                                      </p:to>
+                                    </p:set>
+                                  </p:childTnLst>
+                                </p:cTn>
+                              </p:par>
+                              <p:par>
+                                <p:cTn id="17" presetID="1" presetClass="entr" presetSubtype="0" fill="hold" nodeType="withEffect">
+                                  <p:stCondLst>
+                                    <p:cond delay="0"/>
+                                  </p:stCondLst>
+                                  <p:childTnLst>
+                                    <p:set>
+                                      <p:cBhvr>
+                                        <p:cTn id="18" dur="1" fill="hold">
+                                          <p:stCondLst>
+                                            <p:cond delay="0"/>
+                                          </p:stCondLst>
+                                        </p:cTn>
+                                        <p:tgtEl>
+                                          <p:spTgt spid="3">
+                                            <p:txEl>
+                                              <p:pRg st="12" end="12"/>
+                                            </p:txEl>
+                                          </p:spTgt>
+                                        </p:tgtEl>
+                                        <p:attrNameLst>
+                                          <p:attrName>style.visibility</p:attrName>
+                                        </p:attrNameLst>
+                                      </p:cBhvr>
+                                      <p:to>
+                                        <p:strVal val="visible"/>
+                                      </p:to>
+                                    </p:set>
+                                  </p:childTnLst>
+                                </p:cTn>
+                              </p:par>
+                              <p:par>
+                                <p:cTn id="19" presetID="1" presetClass="entr" presetSubtype="0" fill="hold" grpId="0" nodeType="withEffect">
+                                  <p:stCondLst>
+                                    <p:cond delay="0"/>
+                                  </p:stCondLst>
+                                  <p:childTnLst>
+                                    <p:set>
+                                      <p:cBhvr>
+                                        <p:cTn id="20" dur="1" fill="hold">
+                                          <p:stCondLst>
+                                            <p:cond delay="0"/>
+                                          </p:stCondLst>
+                                        </p:cTn>
+                                        <p:tgtEl>
+                                          <p:spTgt spid="4"/>
+                                        </p:tgtEl>
+                                        <p:attrNameLst>
+                                          <p:attrName>style.visibility</p:attrName>
+                                        </p:attrNameLst>
+                                      </p:cBhvr>
+                                      <p:to>
+                                        <p:strVal val="visible"/>
+                                      </p:to>
+                                    </p:set>
+                                  </p:childTnLst>
+                                </p:cTn>
+                              </p:par>
+                            </p:childTnLst>
+                          </p:cTn>
+                        </p:par>
+                      </p:childTnLst>
+                    </p:cTn>
+                  </p:par>
+                </p:childTnLst>
+              </p:cTn>
+              <p:prevCondLst>
+                <p:cond evt="onPrev" delay="0">
+                  <p:tgtEl>
+                    <p:sldTgt/>
+                  </p:tgtEl>
+                </p:cond>
+              </p:prevCondLst>
+              <p:nextCondLst>
+                <p:cond evt="onNext" delay="0">
+                  <p:tgtEl>
+                    <p:sldTgt/>
+                  </p:tgtEl>
+                </p:cond>
+              </p:nextCondLst>
+            </p:seq>
+          </p:childTnLst>
+        </p:cTn>
+      </p:par>
+    </p:tnLst>
+    <p:bldLst>
+      <p:bldP spid="4" grpId="0" animBg="1"/>
+    </p:bldLst>
+  </p:timing>
 </p:sld>
 </file>
 
@@ -7534,7 +8517,7 @@
                 </a:solidFill>
                 <a:latin typeface="Menlo" panose="020B0609030804020204" pitchFamily="49" charset="0"/>
               </a:rPr>
-              <a:t>(num &gt; </a:t>
+              <a:t>(num &gt;= </a:t>
             </a:r>
             <a:r>
               <a:rPr lang="en" altLang="zh-CN" sz="2400" dirty="0">
@@ -9831,40 +10814,6 @@
       </p:sp>
       <p:sp>
         <p:nvSpPr>
-          <p:cNvPr id="3" name="内容占位符 2">
-            <a:extLst>
-              <a:ext uri="{FF2B5EF4-FFF2-40B4-BE49-F238E27FC236}">
-                <a16:creationId xmlns:a16="http://schemas.microsoft.com/office/drawing/2014/main" id="{F9EC1532-2DF6-F741-85BF-003EA171C564}"/>
-              </a:ext>
-            </a:extLst>
-          </p:cNvPr>
-          <p:cNvSpPr>
-            <a:spLocks noGrp="1"/>
-          </p:cNvSpPr>
-          <p:nvPr>
-            <p:ph idx="1"/>
-          </p:nvPr>
-        </p:nvSpPr>
-        <p:spPr>
-          <a:xfrm>
-            <a:off x="726443" y="4365557"/>
-            <a:ext cx="11053879" cy="596808"/>
-          </a:xfrm>
-        </p:spPr>
-        <p:txBody>
-          <a:bodyPr/>
-          <a:lstStyle/>
-          <a:p>
-            <a:r>
-              <a:rPr kumimoji="1" lang="en-US" altLang="zh-CN" dirty="0"/>
-              <a:t>d</a:t>
-            </a:r>
-            <a:endParaRPr kumimoji="1" lang="zh-CN" altLang="en-US" dirty="0"/>
-          </a:p>
-        </p:txBody>
-      </p:sp>
-      <p:sp>
-        <p:nvSpPr>
           <p:cNvPr id="4" name="矩形 3">
             <a:extLst>
               <a:ext uri="{FF2B5EF4-FFF2-40B4-BE49-F238E27FC236}">
@@ -10965,6 +11914,31 @@
           <a:p>
             <a:pPr algn="ctr"/>
             <a:endParaRPr kumimoji="1" lang="zh-CN" altLang="en-US"/>
+          </a:p>
+        </p:txBody>
+      </p:sp>
+      <p:sp>
+        <p:nvSpPr>
+          <p:cNvPr id="12" name="内容占位符 11">
+            <a:extLst>
+              <a:ext uri="{FF2B5EF4-FFF2-40B4-BE49-F238E27FC236}">
+                <a16:creationId xmlns:a16="http://schemas.microsoft.com/office/drawing/2014/main" id="{DD1713F7-07C5-E945-8565-794A333E9BC3}"/>
+              </a:ext>
+            </a:extLst>
+          </p:cNvPr>
+          <p:cNvSpPr>
+            <a:spLocks noGrp="1"/>
+          </p:cNvSpPr>
+          <p:nvPr>
+            <p:ph idx="1"/>
+          </p:nvPr>
+        </p:nvSpPr>
+        <p:spPr/>
+        <p:txBody>
+          <a:bodyPr/>
+          <a:lstStyle/>
+          <a:p>
+            <a:endParaRPr lang="zh-CN" altLang="en-US"/>
           </a:p>
         </p:txBody>
       </p:sp>
@@ -12018,23 +12992,45 @@
             <p:ph type="ctrTitle"/>
           </p:nvPr>
         </p:nvSpPr>
-        <p:spPr/>
+        <p:spPr>
+          <a:xfrm>
+            <a:off x="1079500" y="1534740"/>
+            <a:ext cx="9994900" cy="2387600"/>
+          </a:xfrm>
+        </p:spPr>
         <p:txBody>
           <a:bodyPr/>
           <a:lstStyle/>
           <a:p>
             <a:r>
-              <a:rPr lang="en" altLang="zh-CN" dirty="0">
+              <a:rPr lang="en" altLang="zh-CN" dirty="0" err="1">
                 <a:solidFill>
                   <a:srgbClr val="0000CC"/>
                 </a:solidFill>
                 <a:latin typeface="Courier" pitchFamily="2" charset="0"/>
               </a:rPr>
+              <a:t>goto</a:t>
+            </a:r>
+            <a:r>
+              <a:rPr lang="en" altLang="zh-CN" dirty="0">
+                <a:solidFill>
+                  <a:prstClr val="black"/>
+                </a:solidFill>
+              </a:rPr>
+              <a:t> and </a:t>
+            </a:r>
+            <a:r>
+              <a:rPr lang="en" altLang="zh-CN" dirty="0">
+                <a:solidFill>
+                  <a:srgbClr val="0000CC"/>
+                </a:solidFill>
+                <a:latin typeface="Courier" pitchFamily="2" charset="0"/>
+              </a:rPr>
               <a:t>switch</a:t>
             </a:r>
             <a:r>
               <a:rPr lang="en" altLang="zh-CN" dirty="0"/>
-              <a:t> Statement</a:t>
+              <a:t> Statements</a:t>
             </a:r>
             <a:endParaRPr lang="zh-CN" altLang="en-US" dirty="0"/>
           </a:p>
@@ -12100,7 +13096,7 @@
           <p:cNvPr id="2" name="标题 1">
             <a:extLst>
               <a:ext uri="{FF2B5EF4-FFF2-40B4-BE49-F238E27FC236}">
-                <a16:creationId xmlns:a16="http://schemas.microsoft.com/office/drawing/2014/main" id="{56938CEA-5BE8-1849-A47E-EE4D0D13C116}"/>
+                <a16:creationId xmlns:a16="http://schemas.microsoft.com/office/drawing/2014/main" id="{47129D19-5DFE-5448-8D45-8C702517CAF8}"/>
               </a:ext>
             </a:extLst>
           </p:cNvPr>
@@ -12117,13 +13113,13 @@
           <a:lstStyle/>
           <a:p>
             <a:r>
-              <a:rPr lang="en" altLang="zh-CN" dirty="0">
+              <a:rPr lang="en" altLang="zh-CN" dirty="0" err="1">
                 <a:solidFill>
                   <a:srgbClr val="0000CC"/>
                 </a:solidFill>
                 <a:latin typeface="Courier" pitchFamily="2" charset="0"/>
               </a:rPr>
-              <a:t>switch</a:t>
+              <a:t>goto</a:t>
             </a:r>
             <a:r>
               <a:rPr lang="en" altLang="zh-CN" dirty="0"/>
@@ -12138,7 +13134,7 @@
           <p:cNvPr id="3" name="内容占位符 2">
             <a:extLst>
               <a:ext uri="{FF2B5EF4-FFF2-40B4-BE49-F238E27FC236}">
-                <a16:creationId xmlns:a16="http://schemas.microsoft.com/office/drawing/2014/main" id="{9CA76789-326F-C741-9162-6E23893F3D47}"/>
+                <a16:creationId xmlns:a16="http://schemas.microsoft.com/office/drawing/2014/main" id="{3D8342F1-CA40-CB4D-9A0D-85999CFBF2D2}"/>
               </a:ext>
             </a:extLst>
           </p:cNvPr>
@@ -12149,702 +13145,33 @@
             <p:ph idx="1"/>
           </p:nvPr>
         </p:nvSpPr>
-        <p:spPr/>
+        <p:spPr>
+          <a:xfrm>
+            <a:off x="838199" y="1326995"/>
+            <a:ext cx="11053879" cy="1187605"/>
+          </a:xfrm>
+        </p:spPr>
         <p:txBody>
           <a:bodyPr>
-            <a:normAutofit fontScale="85000" lnSpcReduction="20000"/>
+            <a:normAutofit/>
           </a:bodyPr>
           <a:lstStyle/>
           <a:p>
             <a:r>
               <a:rPr kumimoji="1" lang="en-US" altLang="zh-CN" dirty="0"/>
-              <a:t>Execute one of several statements, depending on the value of a condition</a:t>
-            </a:r>
-          </a:p>
-          <a:p>
-            <a:r>
-              <a:rPr kumimoji="1" lang="en-US" altLang="zh-CN" dirty="0">
-                <a:solidFill>
-                  <a:srgbClr val="0000CC"/>
-                </a:solidFill>
-                <a:latin typeface="Courier" pitchFamily="2" charset="0"/>
-              </a:rPr>
-              <a:t>break</a:t>
-            </a:r>
+              <a:t>Jump </a:t>
+            </a:r>
+            <a:r>
+              <a:rPr lang="en" altLang="zh-CN" dirty="0"/>
+              <a:t>to a desired location</a:t>
+            </a:r>
+            <a:endParaRPr kumimoji="1" lang="en-US" altLang="zh-CN" dirty="0"/>
+          </a:p>
+          <a:p>
             <a:r>
               <a:rPr kumimoji="1" lang="en-US" altLang="zh-CN" dirty="0"/>
-              <a:t> prevents to execute some following statements. </a:t>
-            </a:r>
-            <a:r>
-              <a:rPr kumimoji="1" lang="en-US" altLang="zh-CN" b="1" dirty="0">
-                <a:solidFill>
-                  <a:srgbClr val="FF0000"/>
-                </a:solidFill>
-              </a:rPr>
-              <a:t>Don’t’ forget </a:t>
-            </a:r>
-            <a:r>
-              <a:rPr kumimoji="1" lang="en-US" altLang="zh-CN" b="1" dirty="0">
-                <a:solidFill>
-                  <a:srgbClr val="FF0000"/>
-                </a:solidFill>
-                <a:latin typeface="Courier" pitchFamily="2" charset="0"/>
-              </a:rPr>
-              <a:t>break</a:t>
-            </a:r>
-            <a:r>
-              <a:rPr kumimoji="1" lang="en-US" altLang="zh-CN" b="1" dirty="0">
-                <a:solidFill>
-                  <a:srgbClr val="FF0000"/>
-                </a:solidFill>
-              </a:rPr>
-              <a:t>!</a:t>
-            </a:r>
-          </a:p>
-          <a:p>
-            <a:endParaRPr kumimoji="1" lang="en-US" altLang="zh-CN" dirty="0"/>
-          </a:p>
-          <a:p>
-            <a:endParaRPr kumimoji="1" lang="en-US" altLang="zh-CN" dirty="0"/>
-          </a:p>
-          <a:p>
-            <a:pPr marL="685800" lvl="1" indent="0">
-              <a:buNone/>
-            </a:pPr>
-            <a:r>
-              <a:rPr lang="en" altLang="zh-CN" sz="1900" dirty="0">
-                <a:solidFill>
-                  <a:srgbClr val="AF00DB"/>
-                </a:solidFill>
-                <a:latin typeface="Menlo" panose="020B0609030804020204" pitchFamily="49" charset="0"/>
-              </a:rPr>
-              <a:t>switch</a:t>
-            </a:r>
-            <a:r>
-              <a:rPr lang="en" altLang="zh-CN" sz="1900" dirty="0">
-                <a:solidFill>
-                  <a:srgbClr val="000000"/>
-                </a:solidFill>
-                <a:latin typeface="Menlo" panose="020B0609030804020204" pitchFamily="49" charset="0"/>
-              </a:rPr>
-              <a:t> (</a:t>
-            </a:r>
-            <a:r>
-              <a:rPr lang="en" altLang="zh-CN" sz="1900" dirty="0" err="1">
-                <a:solidFill>
-                  <a:srgbClr val="001080"/>
-                </a:solidFill>
-                <a:latin typeface="Menlo" panose="020B0609030804020204" pitchFamily="49" charset="0"/>
-              </a:rPr>
-              <a:t>input_char</a:t>
-            </a:r>
-            <a:r>
-              <a:rPr lang="en" altLang="zh-CN" sz="1900" dirty="0">
-                <a:solidFill>
-                  <a:srgbClr val="000000"/>
-                </a:solidFill>
-                <a:latin typeface="Menlo" panose="020B0609030804020204" pitchFamily="49" charset="0"/>
-              </a:rPr>
-              <a:t>)</a:t>
-            </a:r>
-          </a:p>
-          <a:p>
-            <a:pPr marL="685800" lvl="1" indent="0">
-              <a:buNone/>
-            </a:pPr>
-            <a:r>
-              <a:rPr lang="en" altLang="zh-CN" sz="1900" dirty="0">
-                <a:solidFill>
-                  <a:srgbClr val="000000"/>
-                </a:solidFill>
-                <a:latin typeface="Menlo" panose="020B0609030804020204" pitchFamily="49" charset="0"/>
-              </a:rPr>
-              <a:t>{</a:t>
-            </a:r>
-          </a:p>
-          <a:p>
-            <a:pPr marL="685800" lvl="1" indent="0">
-              <a:buNone/>
-            </a:pPr>
-            <a:r>
-              <a:rPr lang="en" altLang="zh-CN" sz="1900" dirty="0">
-                <a:solidFill>
-                  <a:srgbClr val="AF00DB"/>
-                </a:solidFill>
-                <a:latin typeface="Menlo" panose="020B0609030804020204" pitchFamily="49" charset="0"/>
-              </a:rPr>
-              <a:t>    case</a:t>
-            </a:r>
-            <a:r>
-              <a:rPr lang="en" altLang="zh-CN" sz="1900" dirty="0">
-                <a:solidFill>
-                  <a:srgbClr val="000000"/>
-                </a:solidFill>
-                <a:latin typeface="Menlo" panose="020B0609030804020204" pitchFamily="49" charset="0"/>
-              </a:rPr>
-              <a:t> </a:t>
-            </a:r>
-            <a:r>
-              <a:rPr lang="en" altLang="zh-CN" sz="1900" dirty="0">
-                <a:solidFill>
-                  <a:srgbClr val="A31515"/>
-                </a:solidFill>
-                <a:latin typeface="Menlo" panose="020B0609030804020204" pitchFamily="49" charset="0"/>
-              </a:rPr>
-              <a:t>'a'</a:t>
-            </a:r>
-            <a:r>
-              <a:rPr lang="en" altLang="zh-CN" sz="1900" dirty="0">
-                <a:solidFill>
-                  <a:srgbClr val="000000"/>
-                </a:solidFill>
-                <a:latin typeface="Menlo" panose="020B0609030804020204" pitchFamily="49" charset="0"/>
-              </a:rPr>
-              <a:t>:</a:t>
-            </a:r>
-          </a:p>
-          <a:p>
-            <a:pPr marL="685800" lvl="1" indent="0">
-              <a:buNone/>
-            </a:pPr>
-            <a:r>
-              <a:rPr lang="en" altLang="zh-CN" sz="1900" dirty="0">
-                <a:solidFill>
-                  <a:srgbClr val="AF00DB"/>
-                </a:solidFill>
-                <a:latin typeface="Menlo" panose="020B0609030804020204" pitchFamily="49" charset="0"/>
-              </a:rPr>
-              <a:t>    case</a:t>
-            </a:r>
-            <a:r>
-              <a:rPr lang="en" altLang="zh-CN" sz="1900" dirty="0">
-                <a:solidFill>
-                  <a:srgbClr val="000000"/>
-                </a:solidFill>
-                <a:latin typeface="Menlo" panose="020B0609030804020204" pitchFamily="49" charset="0"/>
-              </a:rPr>
-              <a:t> </a:t>
-            </a:r>
-            <a:r>
-              <a:rPr lang="en" altLang="zh-CN" sz="1900" dirty="0">
-                <a:solidFill>
-                  <a:srgbClr val="A31515"/>
-                </a:solidFill>
-                <a:latin typeface="Menlo" panose="020B0609030804020204" pitchFamily="49" charset="0"/>
-              </a:rPr>
-              <a:t>'A'</a:t>
-            </a:r>
-            <a:r>
-              <a:rPr lang="en" altLang="zh-CN" sz="1900" dirty="0">
-                <a:solidFill>
-                  <a:srgbClr val="000000"/>
-                </a:solidFill>
-                <a:latin typeface="Menlo" panose="020B0609030804020204" pitchFamily="49" charset="0"/>
-              </a:rPr>
-              <a:t>:</a:t>
-            </a:r>
-          </a:p>
-          <a:p>
-            <a:pPr marL="685800" lvl="1" indent="0">
-              <a:buNone/>
-            </a:pPr>
-            <a:r>
-              <a:rPr lang="en" altLang="zh-CN" sz="1900" dirty="0">
-                <a:solidFill>
-                  <a:srgbClr val="001080"/>
-                </a:solidFill>
-                <a:latin typeface="Menlo" panose="020B0609030804020204" pitchFamily="49" charset="0"/>
-              </a:rPr>
-              <a:t>        </a:t>
-            </a:r>
-            <a:r>
-              <a:rPr lang="en" altLang="zh-CN" sz="1900" dirty="0" err="1">
-                <a:solidFill>
-                  <a:srgbClr val="001080"/>
-                </a:solidFill>
-                <a:latin typeface="Menlo" panose="020B0609030804020204" pitchFamily="49" charset="0"/>
-              </a:rPr>
-              <a:t>cout</a:t>
-            </a:r>
-            <a:r>
-              <a:rPr lang="en" altLang="zh-CN" sz="1900" dirty="0">
-                <a:solidFill>
-                  <a:srgbClr val="000000"/>
-                </a:solidFill>
-                <a:latin typeface="Menlo" panose="020B0609030804020204" pitchFamily="49" charset="0"/>
-              </a:rPr>
-              <a:t> </a:t>
-            </a:r>
-            <a:r>
-              <a:rPr lang="en" altLang="zh-CN" sz="1900" dirty="0">
-                <a:solidFill>
-                  <a:srgbClr val="795E26"/>
-                </a:solidFill>
-                <a:latin typeface="Menlo" panose="020B0609030804020204" pitchFamily="49" charset="0"/>
-              </a:rPr>
-              <a:t>&lt;&lt;</a:t>
-            </a:r>
-            <a:r>
-              <a:rPr lang="en" altLang="zh-CN" sz="1900" dirty="0">
-                <a:solidFill>
-                  <a:srgbClr val="000000"/>
-                </a:solidFill>
-                <a:latin typeface="Menlo" panose="020B0609030804020204" pitchFamily="49" charset="0"/>
-              </a:rPr>
-              <a:t> </a:t>
-            </a:r>
-            <a:r>
-              <a:rPr lang="en" altLang="zh-CN" sz="1900" dirty="0">
-                <a:solidFill>
-                  <a:srgbClr val="A31515"/>
-                </a:solidFill>
-                <a:latin typeface="Menlo" panose="020B0609030804020204" pitchFamily="49" charset="0"/>
-              </a:rPr>
-              <a:t>"Move left."</a:t>
-            </a:r>
-            <a:r>
-              <a:rPr lang="en" altLang="zh-CN" sz="1900" dirty="0">
-                <a:solidFill>
-                  <a:srgbClr val="000000"/>
-                </a:solidFill>
-                <a:latin typeface="Menlo" panose="020B0609030804020204" pitchFamily="49" charset="0"/>
-              </a:rPr>
-              <a:t> </a:t>
-            </a:r>
-            <a:r>
-              <a:rPr lang="en" altLang="zh-CN" sz="1900" dirty="0">
-                <a:solidFill>
-                  <a:srgbClr val="795E26"/>
-                </a:solidFill>
-                <a:latin typeface="Menlo" panose="020B0609030804020204" pitchFamily="49" charset="0"/>
-              </a:rPr>
-              <a:t>&lt;&lt;</a:t>
-            </a:r>
-            <a:r>
-              <a:rPr lang="en" altLang="zh-CN" sz="1900" dirty="0">
-                <a:solidFill>
-                  <a:srgbClr val="000000"/>
-                </a:solidFill>
-                <a:latin typeface="Menlo" panose="020B0609030804020204" pitchFamily="49" charset="0"/>
-              </a:rPr>
-              <a:t> </a:t>
-            </a:r>
-            <a:r>
-              <a:rPr lang="en" altLang="zh-CN" sz="1900" dirty="0" err="1">
-                <a:solidFill>
-                  <a:srgbClr val="795E26"/>
-                </a:solidFill>
-                <a:latin typeface="Menlo" panose="020B0609030804020204" pitchFamily="49" charset="0"/>
-              </a:rPr>
-              <a:t>endl</a:t>
-            </a:r>
-            <a:r>
-              <a:rPr lang="en" altLang="zh-CN" sz="1900" dirty="0">
-                <a:solidFill>
-                  <a:srgbClr val="000000"/>
-                </a:solidFill>
-                <a:latin typeface="Menlo" panose="020B0609030804020204" pitchFamily="49" charset="0"/>
-              </a:rPr>
-              <a:t>;</a:t>
-            </a:r>
-          </a:p>
-          <a:p>
-            <a:pPr marL="685800" lvl="1" indent="0">
-              <a:buNone/>
-            </a:pPr>
-            <a:r>
-              <a:rPr lang="en" altLang="zh-CN" sz="1900" dirty="0">
-                <a:solidFill>
-                  <a:srgbClr val="AF00DB"/>
-                </a:solidFill>
-                <a:latin typeface="Menlo" panose="020B0609030804020204" pitchFamily="49" charset="0"/>
-              </a:rPr>
-              <a:t>        break</a:t>
-            </a:r>
-            <a:r>
-              <a:rPr lang="en" altLang="zh-CN" sz="1900" dirty="0">
-                <a:solidFill>
-                  <a:srgbClr val="000000"/>
-                </a:solidFill>
-                <a:latin typeface="Menlo" panose="020B0609030804020204" pitchFamily="49" charset="0"/>
-              </a:rPr>
-              <a:t>;</a:t>
-            </a:r>
-          </a:p>
-          <a:p>
-            <a:pPr marL="685800" lvl="1" indent="0">
-              <a:buNone/>
-            </a:pPr>
-            <a:r>
-              <a:rPr lang="en" altLang="zh-CN" sz="1900" dirty="0">
-                <a:solidFill>
-                  <a:srgbClr val="AF00DB"/>
-                </a:solidFill>
-                <a:latin typeface="Menlo" panose="020B0609030804020204" pitchFamily="49" charset="0"/>
-              </a:rPr>
-              <a:t>    case</a:t>
-            </a:r>
-            <a:r>
-              <a:rPr lang="en" altLang="zh-CN" sz="1900" dirty="0">
-                <a:solidFill>
-                  <a:srgbClr val="000000"/>
-                </a:solidFill>
-                <a:latin typeface="Menlo" panose="020B0609030804020204" pitchFamily="49" charset="0"/>
-              </a:rPr>
-              <a:t> </a:t>
-            </a:r>
-            <a:r>
-              <a:rPr lang="en" altLang="zh-CN" sz="1900" dirty="0">
-                <a:solidFill>
-                  <a:srgbClr val="A31515"/>
-                </a:solidFill>
-                <a:latin typeface="Menlo" panose="020B0609030804020204" pitchFamily="49" charset="0"/>
-              </a:rPr>
-              <a:t>'d’</a:t>
-            </a:r>
-            <a:r>
-              <a:rPr lang="en" altLang="zh-CN" sz="1900" dirty="0">
-                <a:solidFill>
-                  <a:srgbClr val="000000"/>
-                </a:solidFill>
-                <a:latin typeface="Menlo" panose="020B0609030804020204" pitchFamily="49" charset="0"/>
-              </a:rPr>
-              <a:t>:</a:t>
-            </a:r>
-          </a:p>
-          <a:p>
-            <a:pPr marL="685800" lvl="1" indent="0">
-              <a:buNone/>
-            </a:pPr>
-            <a:r>
-              <a:rPr lang="en" altLang="zh-CN" sz="1900" dirty="0">
-                <a:solidFill>
-                  <a:srgbClr val="AF00DB"/>
-                </a:solidFill>
-                <a:latin typeface="Menlo" panose="020B0609030804020204" pitchFamily="49" charset="0"/>
-              </a:rPr>
-              <a:t>    case</a:t>
-            </a:r>
-            <a:r>
-              <a:rPr lang="en" altLang="zh-CN" sz="1900" dirty="0">
-                <a:solidFill>
-                  <a:srgbClr val="000000"/>
-                </a:solidFill>
-                <a:latin typeface="Menlo" panose="020B0609030804020204" pitchFamily="49" charset="0"/>
-              </a:rPr>
-              <a:t> </a:t>
-            </a:r>
-            <a:r>
-              <a:rPr lang="en" altLang="zh-CN" sz="1900" dirty="0">
-                <a:solidFill>
-                  <a:srgbClr val="A31515"/>
-                </a:solidFill>
-                <a:latin typeface="Menlo" panose="020B0609030804020204" pitchFamily="49" charset="0"/>
-              </a:rPr>
-              <a:t>‘D'</a:t>
-            </a:r>
-            <a:r>
-              <a:rPr lang="en" altLang="zh-CN" sz="1900" dirty="0">
-                <a:solidFill>
-                  <a:srgbClr val="000000"/>
-                </a:solidFill>
-                <a:latin typeface="Menlo" panose="020B0609030804020204" pitchFamily="49" charset="0"/>
-              </a:rPr>
-              <a:t>:</a:t>
-            </a:r>
-          </a:p>
-          <a:p>
-            <a:pPr marL="685800" lvl="1" indent="0">
-              <a:buNone/>
-            </a:pPr>
-            <a:r>
-              <a:rPr lang="en" altLang="zh-CN" sz="1900" dirty="0">
-                <a:solidFill>
-                  <a:srgbClr val="001080"/>
-                </a:solidFill>
-                <a:latin typeface="Menlo" panose="020B0609030804020204" pitchFamily="49" charset="0"/>
-              </a:rPr>
-              <a:t>        </a:t>
-            </a:r>
-            <a:r>
-              <a:rPr lang="en" altLang="zh-CN" sz="1900" dirty="0" err="1">
-                <a:solidFill>
-                  <a:srgbClr val="001080"/>
-                </a:solidFill>
-                <a:latin typeface="Menlo" panose="020B0609030804020204" pitchFamily="49" charset="0"/>
-              </a:rPr>
-              <a:t>cout</a:t>
-            </a:r>
-            <a:r>
-              <a:rPr lang="en" altLang="zh-CN" sz="1900" dirty="0">
-                <a:solidFill>
-                  <a:srgbClr val="000000"/>
-                </a:solidFill>
-                <a:latin typeface="Menlo" panose="020B0609030804020204" pitchFamily="49" charset="0"/>
-              </a:rPr>
-              <a:t> </a:t>
-            </a:r>
-            <a:r>
-              <a:rPr lang="en" altLang="zh-CN" sz="1900" dirty="0">
-                <a:solidFill>
-                  <a:srgbClr val="795E26"/>
-                </a:solidFill>
-                <a:latin typeface="Menlo" panose="020B0609030804020204" pitchFamily="49" charset="0"/>
-              </a:rPr>
-              <a:t>&lt;&lt;</a:t>
-            </a:r>
-            <a:r>
-              <a:rPr lang="en" altLang="zh-CN" sz="1900" dirty="0">
-                <a:solidFill>
-                  <a:srgbClr val="000000"/>
-                </a:solidFill>
-                <a:latin typeface="Menlo" panose="020B0609030804020204" pitchFamily="49" charset="0"/>
-              </a:rPr>
-              <a:t> </a:t>
-            </a:r>
-            <a:r>
-              <a:rPr lang="en" altLang="zh-CN" sz="1900" dirty="0">
-                <a:solidFill>
-                  <a:srgbClr val="A31515"/>
-                </a:solidFill>
-                <a:latin typeface="Menlo" panose="020B0609030804020204" pitchFamily="49" charset="0"/>
-              </a:rPr>
-              <a:t>"Move right."</a:t>
-            </a:r>
-            <a:r>
-              <a:rPr lang="en" altLang="zh-CN" sz="1900" dirty="0">
-                <a:solidFill>
-                  <a:srgbClr val="000000"/>
-                </a:solidFill>
-                <a:latin typeface="Menlo" panose="020B0609030804020204" pitchFamily="49" charset="0"/>
-              </a:rPr>
-              <a:t> </a:t>
-            </a:r>
-            <a:r>
-              <a:rPr lang="en" altLang="zh-CN" sz="1900" dirty="0">
-                <a:solidFill>
-                  <a:srgbClr val="795E26"/>
-                </a:solidFill>
-                <a:latin typeface="Menlo" panose="020B0609030804020204" pitchFamily="49" charset="0"/>
-              </a:rPr>
-              <a:t>&lt;&lt;</a:t>
-            </a:r>
-            <a:r>
-              <a:rPr lang="en" altLang="zh-CN" sz="1900" dirty="0">
-                <a:solidFill>
-                  <a:srgbClr val="000000"/>
-                </a:solidFill>
-                <a:latin typeface="Menlo" panose="020B0609030804020204" pitchFamily="49" charset="0"/>
-              </a:rPr>
-              <a:t> </a:t>
-            </a:r>
-            <a:r>
-              <a:rPr lang="en" altLang="zh-CN" sz="1900" dirty="0" err="1">
-                <a:solidFill>
-                  <a:srgbClr val="795E26"/>
-                </a:solidFill>
-                <a:latin typeface="Menlo" panose="020B0609030804020204" pitchFamily="49" charset="0"/>
-              </a:rPr>
-              <a:t>endl</a:t>
-            </a:r>
-            <a:r>
-              <a:rPr lang="en" altLang="zh-CN" sz="1900" dirty="0">
-                <a:solidFill>
-                  <a:srgbClr val="000000"/>
-                </a:solidFill>
-                <a:latin typeface="Menlo" panose="020B0609030804020204" pitchFamily="49" charset="0"/>
-              </a:rPr>
-              <a:t>;</a:t>
-            </a:r>
-          </a:p>
-          <a:p>
-            <a:pPr marL="685800" lvl="1" indent="0">
-              <a:buNone/>
-            </a:pPr>
-            <a:r>
-              <a:rPr lang="en" altLang="zh-CN" sz="1900" dirty="0">
-                <a:solidFill>
-                  <a:srgbClr val="AF00DB"/>
-                </a:solidFill>
-                <a:latin typeface="Menlo" panose="020B0609030804020204" pitchFamily="49" charset="0"/>
-              </a:rPr>
-              <a:t>        break</a:t>
-            </a:r>
-            <a:r>
-              <a:rPr lang="en" altLang="zh-CN" sz="1900" dirty="0">
-                <a:solidFill>
-                  <a:srgbClr val="000000"/>
-                </a:solidFill>
-                <a:latin typeface="Menlo" panose="020B0609030804020204" pitchFamily="49" charset="0"/>
-              </a:rPr>
-              <a:t>;</a:t>
-            </a:r>
-          </a:p>
-          <a:p>
-            <a:pPr marL="685800" lvl="1" indent="0">
-              <a:buNone/>
-            </a:pPr>
-            <a:r>
-              <a:rPr lang="en" altLang="zh-CN" sz="1900" dirty="0">
-                <a:solidFill>
-                  <a:srgbClr val="AF00DB"/>
-                </a:solidFill>
-                <a:latin typeface="Menlo" panose="020B0609030804020204" pitchFamily="49" charset="0"/>
-              </a:rPr>
-              <a:t>    default</a:t>
-            </a:r>
-            <a:r>
-              <a:rPr lang="en" altLang="zh-CN" sz="1900" dirty="0">
-                <a:solidFill>
-                  <a:srgbClr val="000000"/>
-                </a:solidFill>
-                <a:latin typeface="Menlo" panose="020B0609030804020204" pitchFamily="49" charset="0"/>
-              </a:rPr>
-              <a:t>: </a:t>
-            </a:r>
-          </a:p>
-          <a:p>
-            <a:pPr marL="685800" lvl="1" indent="0">
-              <a:buNone/>
-            </a:pPr>
-            <a:r>
-              <a:rPr lang="en" altLang="zh-CN" sz="1900" dirty="0">
-                <a:solidFill>
-                  <a:srgbClr val="001080"/>
-                </a:solidFill>
-                <a:latin typeface="Menlo" panose="020B0609030804020204" pitchFamily="49" charset="0"/>
-              </a:rPr>
-              <a:t>        </a:t>
-            </a:r>
-            <a:r>
-              <a:rPr lang="en" altLang="zh-CN" sz="1900" dirty="0" err="1">
-                <a:solidFill>
-                  <a:srgbClr val="001080"/>
-                </a:solidFill>
-                <a:latin typeface="Menlo" panose="020B0609030804020204" pitchFamily="49" charset="0"/>
-              </a:rPr>
-              <a:t>cout</a:t>
-            </a:r>
-            <a:r>
-              <a:rPr lang="en" altLang="zh-CN" sz="1900" dirty="0">
-                <a:solidFill>
-                  <a:srgbClr val="000000"/>
-                </a:solidFill>
-                <a:latin typeface="Menlo" panose="020B0609030804020204" pitchFamily="49" charset="0"/>
-              </a:rPr>
-              <a:t> </a:t>
-            </a:r>
-            <a:r>
-              <a:rPr lang="en" altLang="zh-CN" sz="1900" dirty="0">
-                <a:solidFill>
-                  <a:srgbClr val="795E26"/>
-                </a:solidFill>
-                <a:latin typeface="Menlo" panose="020B0609030804020204" pitchFamily="49" charset="0"/>
-              </a:rPr>
-              <a:t>&lt;&lt;</a:t>
-            </a:r>
-            <a:r>
-              <a:rPr lang="en" altLang="zh-CN" sz="1900" dirty="0">
-                <a:solidFill>
-                  <a:srgbClr val="000000"/>
-                </a:solidFill>
-                <a:latin typeface="Menlo" panose="020B0609030804020204" pitchFamily="49" charset="0"/>
-              </a:rPr>
-              <a:t> </a:t>
-            </a:r>
-            <a:r>
-              <a:rPr lang="en" altLang="zh-CN" sz="1900" dirty="0">
-                <a:solidFill>
-                  <a:srgbClr val="A31515"/>
-                </a:solidFill>
-                <a:latin typeface="Menlo" panose="020B0609030804020204" pitchFamily="49" charset="0"/>
-              </a:rPr>
-              <a:t>"Undefined key."</a:t>
-            </a:r>
-            <a:r>
-              <a:rPr lang="en" altLang="zh-CN" sz="1900" dirty="0">
-                <a:solidFill>
-                  <a:srgbClr val="000000"/>
-                </a:solidFill>
-                <a:latin typeface="Menlo" panose="020B0609030804020204" pitchFamily="49" charset="0"/>
-              </a:rPr>
-              <a:t> </a:t>
-            </a:r>
-            <a:r>
-              <a:rPr lang="en" altLang="zh-CN" sz="1900" dirty="0">
-                <a:solidFill>
-                  <a:srgbClr val="795E26"/>
-                </a:solidFill>
-                <a:latin typeface="Menlo" panose="020B0609030804020204" pitchFamily="49" charset="0"/>
-              </a:rPr>
-              <a:t>&lt;&lt;</a:t>
-            </a:r>
-            <a:r>
-              <a:rPr lang="en" altLang="zh-CN" sz="1900" dirty="0">
-                <a:solidFill>
-                  <a:srgbClr val="000000"/>
-                </a:solidFill>
-                <a:latin typeface="Menlo" panose="020B0609030804020204" pitchFamily="49" charset="0"/>
-              </a:rPr>
-              <a:t> </a:t>
-            </a:r>
-            <a:r>
-              <a:rPr lang="en" altLang="zh-CN" sz="1900" dirty="0" err="1">
-                <a:solidFill>
-                  <a:srgbClr val="795E26"/>
-                </a:solidFill>
-                <a:latin typeface="Menlo" panose="020B0609030804020204" pitchFamily="49" charset="0"/>
-              </a:rPr>
-              <a:t>endl</a:t>
-            </a:r>
-            <a:r>
-              <a:rPr lang="en" altLang="zh-CN" sz="1900" dirty="0">
-                <a:solidFill>
-                  <a:srgbClr val="000000"/>
-                </a:solidFill>
-                <a:latin typeface="Menlo" panose="020B0609030804020204" pitchFamily="49" charset="0"/>
-              </a:rPr>
-              <a:t>;</a:t>
-            </a:r>
-          </a:p>
-          <a:p>
-            <a:pPr marL="685800" lvl="1" indent="0">
-              <a:buNone/>
-            </a:pPr>
-            <a:r>
-              <a:rPr lang="en" altLang="zh-CN" sz="1900" dirty="0">
-                <a:solidFill>
-                  <a:srgbClr val="AF00DB"/>
-                </a:solidFill>
-                <a:latin typeface="Menlo" panose="020B0609030804020204" pitchFamily="49" charset="0"/>
-              </a:rPr>
-              <a:t>        break</a:t>
-            </a:r>
-            <a:r>
-              <a:rPr lang="en" altLang="zh-CN" sz="1900" dirty="0">
-                <a:solidFill>
-                  <a:srgbClr val="000000"/>
-                </a:solidFill>
-                <a:latin typeface="Menlo" panose="020B0609030804020204" pitchFamily="49" charset="0"/>
-              </a:rPr>
-              <a:t>;</a:t>
-            </a:r>
-          </a:p>
-          <a:p>
-            <a:pPr marL="685800" lvl="1" indent="0">
-              <a:buNone/>
-            </a:pPr>
-            <a:r>
-              <a:rPr lang="en" altLang="zh-CN" sz="1900" dirty="0">
-                <a:solidFill>
-                  <a:srgbClr val="000000"/>
-                </a:solidFill>
-                <a:latin typeface="Menlo" panose="020B0609030804020204" pitchFamily="49" charset="0"/>
-              </a:rPr>
-              <a:t>}</a:t>
-            </a:r>
-          </a:p>
-          <a:p>
+              <a:t>An unrecommended statement</a:t>
+            </a:r>
             <a:endParaRPr kumimoji="1" lang="zh-CN" altLang="en-US" dirty="0"/>
           </a:p>
         </p:txBody>
@@ -12854,7 +13181,7 @@
           <p:cNvPr id="4" name="矩形 3">
             <a:extLst>
               <a:ext uri="{FF2B5EF4-FFF2-40B4-BE49-F238E27FC236}">
-                <a16:creationId xmlns:a16="http://schemas.microsoft.com/office/drawing/2014/main" id="{AE4BFED2-ACB6-9B44-8648-B166EDFDA697}"/>
+                <a16:creationId xmlns:a16="http://schemas.microsoft.com/office/drawing/2014/main" id="{A4039367-53A4-C947-81C1-A5891A13197D}"/>
               </a:ext>
             </a:extLst>
           </p:cNvPr>
@@ -12863,8 +13190,635 @@
         </p:nvSpPr>
         <p:spPr>
           <a:xfrm>
-            <a:off x="1468405" y="2324348"/>
-            <a:ext cx="1723549" cy="400110"/>
+            <a:off x="1376479" y="2333685"/>
+            <a:ext cx="8339021" cy="4524315"/>
+          </a:xfrm>
+          <a:prstGeom prst="rect">
+            <a:avLst/>
+          </a:prstGeom>
+        </p:spPr>
+        <p:txBody>
+          <a:bodyPr wrap="square">
+            <a:spAutoFit/>
+          </a:bodyPr>
+          <a:lstStyle/>
+          <a:p>
+            <a:r>
+              <a:rPr lang="en" altLang="zh-CN" dirty="0">
+                <a:solidFill>
+                  <a:srgbClr val="0000FF"/>
+                </a:solidFill>
+                <a:latin typeface="Menlo" panose="020B0609030804020204" pitchFamily="49" charset="0"/>
+              </a:rPr>
+              <a:t>float</a:t>
+            </a:r>
+            <a:r>
+              <a:rPr lang="en" altLang="zh-CN" dirty="0">
+                <a:solidFill>
+                  <a:srgbClr val="000000"/>
+                </a:solidFill>
+                <a:latin typeface="Menlo" panose="020B0609030804020204" pitchFamily="49" charset="0"/>
+              </a:rPr>
+              <a:t> </a:t>
+            </a:r>
+            <a:r>
+              <a:rPr lang="en" altLang="zh-CN" dirty="0" err="1">
+                <a:solidFill>
+                  <a:srgbClr val="795E26"/>
+                </a:solidFill>
+                <a:latin typeface="Menlo" panose="020B0609030804020204" pitchFamily="49" charset="0"/>
+              </a:rPr>
+              <a:t>mysquare</a:t>
+            </a:r>
+            <a:r>
+              <a:rPr lang="en" altLang="zh-CN" dirty="0">
+                <a:solidFill>
+                  <a:srgbClr val="000000"/>
+                </a:solidFill>
+                <a:latin typeface="Menlo" panose="020B0609030804020204" pitchFamily="49" charset="0"/>
+              </a:rPr>
+              <a:t>(</a:t>
+            </a:r>
+            <a:r>
+              <a:rPr lang="en" altLang="zh-CN" dirty="0">
+                <a:solidFill>
+                  <a:srgbClr val="0000FF"/>
+                </a:solidFill>
+                <a:latin typeface="Menlo" panose="020B0609030804020204" pitchFamily="49" charset="0"/>
+              </a:rPr>
+              <a:t>float</a:t>
+            </a:r>
+            <a:r>
+              <a:rPr lang="en" altLang="zh-CN" dirty="0">
+                <a:solidFill>
+                  <a:srgbClr val="000000"/>
+                </a:solidFill>
+                <a:latin typeface="Menlo" panose="020B0609030804020204" pitchFamily="49" charset="0"/>
+              </a:rPr>
+              <a:t> </a:t>
+            </a:r>
+            <a:r>
+              <a:rPr lang="en" altLang="zh-CN" dirty="0">
+                <a:solidFill>
+                  <a:srgbClr val="001080"/>
+                </a:solidFill>
+                <a:latin typeface="Menlo" panose="020B0609030804020204" pitchFamily="49" charset="0"/>
+              </a:rPr>
+              <a:t>value</a:t>
+            </a:r>
+            <a:r>
+              <a:rPr lang="en" altLang="zh-CN" dirty="0">
+                <a:solidFill>
+                  <a:srgbClr val="000000"/>
+                </a:solidFill>
+                <a:latin typeface="Menlo" panose="020B0609030804020204" pitchFamily="49" charset="0"/>
+              </a:rPr>
+              <a:t>)</a:t>
+            </a:r>
+          </a:p>
+          <a:p>
+            <a:r>
+              <a:rPr lang="en" altLang="zh-CN" dirty="0">
+                <a:solidFill>
+                  <a:srgbClr val="000000"/>
+                </a:solidFill>
+                <a:latin typeface="Menlo" panose="020B0609030804020204" pitchFamily="49" charset="0"/>
+              </a:rPr>
+              <a:t>{</a:t>
+            </a:r>
+          </a:p>
+          <a:p>
+            <a:r>
+              <a:rPr lang="en" altLang="zh-CN" dirty="0">
+                <a:solidFill>
+                  <a:srgbClr val="0000FF"/>
+                </a:solidFill>
+                <a:latin typeface="Menlo" panose="020B0609030804020204" pitchFamily="49" charset="0"/>
+              </a:rPr>
+              <a:t>    float</a:t>
+            </a:r>
+            <a:r>
+              <a:rPr lang="en" altLang="zh-CN" dirty="0">
+                <a:solidFill>
+                  <a:srgbClr val="000000"/>
+                </a:solidFill>
+                <a:latin typeface="Menlo" panose="020B0609030804020204" pitchFamily="49" charset="0"/>
+              </a:rPr>
+              <a:t> </a:t>
+            </a:r>
+            <a:r>
+              <a:rPr lang="en" altLang="zh-CN" dirty="0">
+                <a:solidFill>
+                  <a:srgbClr val="001080"/>
+                </a:solidFill>
+                <a:latin typeface="Menlo" panose="020B0609030804020204" pitchFamily="49" charset="0"/>
+              </a:rPr>
+              <a:t>result</a:t>
+            </a:r>
+            <a:r>
+              <a:rPr lang="en" altLang="zh-CN" dirty="0">
+                <a:solidFill>
+                  <a:srgbClr val="000000"/>
+                </a:solidFill>
+                <a:latin typeface="Menlo" panose="020B0609030804020204" pitchFamily="49" charset="0"/>
+              </a:rPr>
+              <a:t> = </a:t>
+            </a:r>
+            <a:r>
+              <a:rPr lang="en" altLang="zh-CN" dirty="0">
+                <a:solidFill>
+                  <a:srgbClr val="098658"/>
+                </a:solidFill>
+                <a:latin typeface="Menlo" panose="020B0609030804020204" pitchFamily="49" charset="0"/>
+              </a:rPr>
+              <a:t>0.0f</a:t>
+            </a:r>
+            <a:r>
+              <a:rPr lang="en" altLang="zh-CN" dirty="0">
+                <a:solidFill>
+                  <a:srgbClr val="000000"/>
+                </a:solidFill>
+                <a:latin typeface="Menlo" panose="020B0609030804020204" pitchFamily="49" charset="0"/>
+              </a:rPr>
+              <a:t>;</a:t>
+            </a:r>
+          </a:p>
+          <a:p>
+            <a:br>
+              <a:rPr lang="en" altLang="zh-CN" dirty="0">
+                <a:solidFill>
+                  <a:srgbClr val="000000"/>
+                </a:solidFill>
+                <a:latin typeface="Menlo" panose="020B0609030804020204" pitchFamily="49" charset="0"/>
+              </a:rPr>
+            </a:br>
+            <a:r>
+              <a:rPr lang="en" altLang="zh-CN" dirty="0">
+                <a:solidFill>
+                  <a:srgbClr val="000000"/>
+                </a:solidFill>
+                <a:latin typeface="Menlo" panose="020B0609030804020204" pitchFamily="49" charset="0"/>
+              </a:rPr>
+              <a:t>    </a:t>
+            </a:r>
+            <a:r>
+              <a:rPr lang="en" altLang="zh-CN" dirty="0">
+                <a:solidFill>
+                  <a:srgbClr val="AF00DB"/>
+                </a:solidFill>
+                <a:latin typeface="Menlo" panose="020B0609030804020204" pitchFamily="49" charset="0"/>
+              </a:rPr>
+              <a:t>if</a:t>
+            </a:r>
+            <a:r>
+              <a:rPr lang="en" altLang="zh-CN" dirty="0">
+                <a:solidFill>
+                  <a:srgbClr val="000000"/>
+                </a:solidFill>
+                <a:latin typeface="Menlo" panose="020B0609030804020204" pitchFamily="49" charset="0"/>
+              </a:rPr>
+              <a:t>(</a:t>
+            </a:r>
+            <a:r>
+              <a:rPr lang="en" altLang="zh-CN" dirty="0">
+                <a:solidFill>
+                  <a:srgbClr val="001080"/>
+                </a:solidFill>
+                <a:latin typeface="Menlo" panose="020B0609030804020204" pitchFamily="49" charset="0"/>
+              </a:rPr>
+              <a:t>value</a:t>
+            </a:r>
+            <a:r>
+              <a:rPr lang="en" altLang="zh-CN" dirty="0">
+                <a:solidFill>
+                  <a:srgbClr val="000000"/>
+                </a:solidFill>
+                <a:latin typeface="Menlo" panose="020B0609030804020204" pitchFamily="49" charset="0"/>
+              </a:rPr>
+              <a:t> &gt;= </a:t>
+            </a:r>
+            <a:r>
+              <a:rPr lang="en" altLang="zh-CN" dirty="0">
+                <a:solidFill>
+                  <a:srgbClr val="098658"/>
+                </a:solidFill>
+                <a:latin typeface="Menlo" panose="020B0609030804020204" pitchFamily="49" charset="0"/>
+              </a:rPr>
+              <a:t>1.0f</a:t>
+            </a:r>
+            <a:r>
+              <a:rPr lang="en" altLang="zh-CN" dirty="0">
+                <a:solidFill>
+                  <a:srgbClr val="000000"/>
+                </a:solidFill>
+                <a:latin typeface="Menlo" panose="020B0609030804020204" pitchFamily="49" charset="0"/>
+              </a:rPr>
+              <a:t> || </a:t>
+            </a:r>
+            <a:r>
+              <a:rPr lang="en" altLang="zh-CN" dirty="0">
+                <a:solidFill>
+                  <a:srgbClr val="001080"/>
+                </a:solidFill>
+                <a:latin typeface="Menlo" panose="020B0609030804020204" pitchFamily="49" charset="0"/>
+              </a:rPr>
+              <a:t>value</a:t>
+            </a:r>
+            <a:r>
+              <a:rPr lang="en" altLang="zh-CN" dirty="0">
+                <a:solidFill>
+                  <a:srgbClr val="000000"/>
+                </a:solidFill>
+                <a:latin typeface="Menlo" panose="020B0609030804020204" pitchFamily="49" charset="0"/>
+              </a:rPr>
+              <a:t> &lt;= </a:t>
+            </a:r>
+            <a:r>
+              <a:rPr lang="en" altLang="zh-CN" dirty="0">
+                <a:solidFill>
+                  <a:srgbClr val="098658"/>
+                </a:solidFill>
+                <a:latin typeface="Menlo" panose="020B0609030804020204" pitchFamily="49" charset="0"/>
+              </a:rPr>
+              <a:t>0</a:t>
+            </a:r>
+            <a:r>
+              <a:rPr lang="en" altLang="zh-CN" dirty="0">
+                <a:solidFill>
+                  <a:srgbClr val="000000"/>
+                </a:solidFill>
+                <a:latin typeface="Menlo" panose="020B0609030804020204" pitchFamily="49" charset="0"/>
+              </a:rPr>
+              <a:t>)</a:t>
+            </a:r>
+          </a:p>
+          <a:p>
+            <a:r>
+              <a:rPr lang="en" altLang="zh-CN" dirty="0">
+                <a:solidFill>
+                  <a:srgbClr val="000000"/>
+                </a:solidFill>
+                <a:latin typeface="Menlo" panose="020B0609030804020204" pitchFamily="49" charset="0"/>
+              </a:rPr>
+              <a:t>    {</a:t>
+            </a:r>
+          </a:p>
+          <a:p>
+            <a:r>
+              <a:rPr lang="en" altLang="zh-CN" dirty="0">
+                <a:solidFill>
+                  <a:srgbClr val="001080"/>
+                </a:solidFill>
+                <a:latin typeface="Menlo" panose="020B0609030804020204" pitchFamily="49" charset="0"/>
+              </a:rPr>
+              <a:t>        </a:t>
+            </a:r>
+            <a:r>
+              <a:rPr lang="en" altLang="zh-CN" dirty="0" err="1">
+                <a:solidFill>
+                  <a:srgbClr val="001080"/>
+                </a:solidFill>
+                <a:latin typeface="Menlo" panose="020B0609030804020204" pitchFamily="49" charset="0"/>
+              </a:rPr>
+              <a:t>cerr</a:t>
+            </a:r>
+            <a:r>
+              <a:rPr lang="en" altLang="zh-CN" dirty="0">
+                <a:solidFill>
+                  <a:srgbClr val="000000"/>
+                </a:solidFill>
+                <a:latin typeface="Menlo" panose="020B0609030804020204" pitchFamily="49" charset="0"/>
+              </a:rPr>
+              <a:t> </a:t>
+            </a:r>
+            <a:r>
+              <a:rPr lang="en" altLang="zh-CN" dirty="0">
+                <a:solidFill>
+                  <a:srgbClr val="795E26"/>
+                </a:solidFill>
+                <a:latin typeface="Menlo" panose="020B0609030804020204" pitchFamily="49" charset="0"/>
+              </a:rPr>
+              <a:t>&lt;&lt;</a:t>
+            </a:r>
+            <a:r>
+              <a:rPr lang="en" altLang="zh-CN" dirty="0">
+                <a:solidFill>
+                  <a:srgbClr val="000000"/>
+                </a:solidFill>
+                <a:latin typeface="Menlo" panose="020B0609030804020204" pitchFamily="49" charset="0"/>
+              </a:rPr>
+              <a:t> </a:t>
+            </a:r>
+            <a:r>
+              <a:rPr lang="en" altLang="zh-CN" dirty="0">
+                <a:solidFill>
+                  <a:srgbClr val="A31515"/>
+                </a:solidFill>
+                <a:latin typeface="Menlo" panose="020B0609030804020204" pitchFamily="49" charset="0"/>
+              </a:rPr>
+              <a:t>"The input is out of range."</a:t>
+            </a:r>
+            <a:r>
+              <a:rPr lang="en" altLang="zh-CN" dirty="0">
+                <a:solidFill>
+                  <a:srgbClr val="000000"/>
+                </a:solidFill>
+                <a:latin typeface="Menlo" panose="020B0609030804020204" pitchFamily="49" charset="0"/>
+              </a:rPr>
+              <a:t> </a:t>
+            </a:r>
+            <a:r>
+              <a:rPr lang="en" altLang="zh-CN" dirty="0">
+                <a:solidFill>
+                  <a:srgbClr val="795E26"/>
+                </a:solidFill>
+                <a:latin typeface="Menlo" panose="020B0609030804020204" pitchFamily="49" charset="0"/>
+              </a:rPr>
+              <a:t>&lt;&lt;</a:t>
+            </a:r>
+            <a:r>
+              <a:rPr lang="en" altLang="zh-CN" dirty="0">
+                <a:solidFill>
+                  <a:srgbClr val="000000"/>
+                </a:solidFill>
+                <a:latin typeface="Menlo" panose="020B0609030804020204" pitchFamily="49" charset="0"/>
+              </a:rPr>
+              <a:t> </a:t>
+            </a:r>
+            <a:r>
+              <a:rPr lang="en" altLang="zh-CN" dirty="0" err="1">
+                <a:solidFill>
+                  <a:srgbClr val="795E26"/>
+                </a:solidFill>
+                <a:latin typeface="Menlo" panose="020B0609030804020204" pitchFamily="49" charset="0"/>
+              </a:rPr>
+              <a:t>endl</a:t>
+            </a:r>
+            <a:r>
+              <a:rPr lang="en" altLang="zh-CN" dirty="0">
+                <a:solidFill>
+                  <a:srgbClr val="000000"/>
+                </a:solidFill>
+                <a:latin typeface="Menlo" panose="020B0609030804020204" pitchFamily="49" charset="0"/>
+              </a:rPr>
+              <a:t>;</a:t>
+            </a:r>
+          </a:p>
+          <a:p>
+            <a:r>
+              <a:rPr lang="en" altLang="zh-CN" dirty="0">
+                <a:solidFill>
+                  <a:srgbClr val="AF00DB"/>
+                </a:solidFill>
+                <a:latin typeface="Menlo" panose="020B0609030804020204" pitchFamily="49" charset="0"/>
+              </a:rPr>
+              <a:t>        </a:t>
+            </a:r>
+            <a:r>
+              <a:rPr lang="en" altLang="zh-CN" dirty="0" err="1">
+                <a:solidFill>
+                  <a:srgbClr val="AF00DB"/>
+                </a:solidFill>
+                <a:latin typeface="Menlo" panose="020B0609030804020204" pitchFamily="49" charset="0"/>
+              </a:rPr>
+              <a:t>goto</a:t>
+            </a:r>
+            <a:r>
+              <a:rPr lang="en" altLang="zh-CN" dirty="0">
+                <a:solidFill>
+                  <a:srgbClr val="000000"/>
+                </a:solidFill>
+                <a:latin typeface="Menlo" panose="020B0609030804020204" pitchFamily="49" charset="0"/>
+              </a:rPr>
+              <a:t> EXIT_ERROR;</a:t>
+            </a:r>
+          </a:p>
+          <a:p>
+            <a:r>
+              <a:rPr lang="en" altLang="zh-CN" dirty="0">
+                <a:solidFill>
+                  <a:srgbClr val="000000"/>
+                </a:solidFill>
+                <a:latin typeface="Menlo" panose="020B0609030804020204" pitchFamily="49" charset="0"/>
+              </a:rPr>
+              <a:t>    }</a:t>
+            </a:r>
+          </a:p>
+          <a:p>
+            <a:r>
+              <a:rPr lang="en" altLang="zh-CN" dirty="0">
+                <a:solidFill>
+                  <a:srgbClr val="001080"/>
+                </a:solidFill>
+                <a:latin typeface="Menlo" panose="020B0609030804020204" pitchFamily="49" charset="0"/>
+              </a:rPr>
+              <a:t>    result</a:t>
+            </a:r>
+            <a:r>
+              <a:rPr lang="en" altLang="zh-CN" dirty="0">
+                <a:solidFill>
+                  <a:srgbClr val="000000"/>
+                </a:solidFill>
+                <a:latin typeface="Menlo" panose="020B0609030804020204" pitchFamily="49" charset="0"/>
+              </a:rPr>
+              <a:t> = </a:t>
+            </a:r>
+            <a:r>
+              <a:rPr lang="en" altLang="zh-CN" dirty="0">
+                <a:solidFill>
+                  <a:srgbClr val="001080"/>
+                </a:solidFill>
+                <a:latin typeface="Menlo" panose="020B0609030804020204" pitchFamily="49" charset="0"/>
+              </a:rPr>
+              <a:t>value</a:t>
+            </a:r>
+            <a:r>
+              <a:rPr lang="en" altLang="zh-CN" dirty="0">
+                <a:solidFill>
+                  <a:srgbClr val="000000"/>
+                </a:solidFill>
+                <a:latin typeface="Menlo" panose="020B0609030804020204" pitchFamily="49" charset="0"/>
+              </a:rPr>
+              <a:t> * </a:t>
+            </a:r>
+            <a:r>
+              <a:rPr lang="en" altLang="zh-CN" dirty="0">
+                <a:solidFill>
+                  <a:srgbClr val="001080"/>
+                </a:solidFill>
+                <a:latin typeface="Menlo" panose="020B0609030804020204" pitchFamily="49" charset="0"/>
+              </a:rPr>
+              <a:t>value</a:t>
+            </a:r>
+            <a:r>
+              <a:rPr lang="en" altLang="zh-CN" dirty="0">
+                <a:solidFill>
+                  <a:srgbClr val="000000"/>
+                </a:solidFill>
+                <a:latin typeface="Menlo" panose="020B0609030804020204" pitchFamily="49" charset="0"/>
+              </a:rPr>
+              <a:t>;</a:t>
+            </a:r>
+          </a:p>
+          <a:p>
+            <a:r>
+              <a:rPr lang="en" altLang="zh-CN" dirty="0">
+                <a:solidFill>
+                  <a:srgbClr val="AF00DB"/>
+                </a:solidFill>
+                <a:latin typeface="Menlo" panose="020B0609030804020204" pitchFamily="49" charset="0"/>
+              </a:rPr>
+              <a:t>    return</a:t>
+            </a:r>
+            <a:r>
+              <a:rPr lang="en" altLang="zh-CN" dirty="0">
+                <a:solidFill>
+                  <a:srgbClr val="000000"/>
+                </a:solidFill>
+                <a:latin typeface="Menlo" panose="020B0609030804020204" pitchFamily="49" charset="0"/>
+              </a:rPr>
+              <a:t> </a:t>
+            </a:r>
+            <a:r>
+              <a:rPr lang="en" altLang="zh-CN" dirty="0">
+                <a:solidFill>
+                  <a:srgbClr val="001080"/>
+                </a:solidFill>
+                <a:latin typeface="Menlo" panose="020B0609030804020204" pitchFamily="49" charset="0"/>
+              </a:rPr>
+              <a:t>result</a:t>
+            </a:r>
+            <a:r>
+              <a:rPr lang="en" altLang="zh-CN" dirty="0">
+                <a:solidFill>
+                  <a:srgbClr val="000000"/>
+                </a:solidFill>
+                <a:latin typeface="Menlo" panose="020B0609030804020204" pitchFamily="49" charset="0"/>
+              </a:rPr>
+              <a:t>;</a:t>
+            </a:r>
+          </a:p>
+          <a:p>
+            <a:br>
+              <a:rPr lang="en" altLang="zh-CN" dirty="0">
+                <a:solidFill>
+                  <a:srgbClr val="000000"/>
+                </a:solidFill>
+                <a:latin typeface="Menlo" panose="020B0609030804020204" pitchFamily="49" charset="0"/>
+              </a:rPr>
+            </a:br>
+            <a:r>
+              <a:rPr lang="en" altLang="zh-CN" dirty="0">
+                <a:solidFill>
+                  <a:srgbClr val="000000"/>
+                </a:solidFill>
+                <a:latin typeface="Menlo" panose="020B0609030804020204" pitchFamily="49" charset="0"/>
+              </a:rPr>
+              <a:t>  EXIT_ERROR:</a:t>
+            </a:r>
+          </a:p>
+          <a:p>
+            <a:r>
+              <a:rPr lang="en" altLang="zh-CN" dirty="0">
+                <a:solidFill>
+                  <a:srgbClr val="008000"/>
+                </a:solidFill>
+                <a:latin typeface="Menlo" panose="020B0609030804020204" pitchFamily="49" charset="0"/>
+              </a:rPr>
+              <a:t>    //do </a:t>
+            </a:r>
+            <a:r>
+              <a:rPr lang="en" altLang="zh-CN" dirty="0" err="1">
+                <a:solidFill>
+                  <a:srgbClr val="008000"/>
+                </a:solidFill>
+                <a:latin typeface="Menlo" panose="020B0609030804020204" pitchFamily="49" charset="0"/>
+              </a:rPr>
+              <a:t>sth</a:t>
+            </a:r>
+            <a:r>
+              <a:rPr lang="en" altLang="zh-CN" dirty="0">
+                <a:solidFill>
+                  <a:srgbClr val="008000"/>
+                </a:solidFill>
+                <a:latin typeface="Menlo" panose="020B0609030804020204" pitchFamily="49" charset="0"/>
+              </a:rPr>
+              <a:t> such as closing files here</a:t>
+            </a:r>
+            <a:endParaRPr lang="en" altLang="zh-CN" dirty="0">
+              <a:solidFill>
+                <a:srgbClr val="000000"/>
+              </a:solidFill>
+              <a:latin typeface="Menlo" panose="020B0609030804020204" pitchFamily="49" charset="0"/>
+            </a:endParaRPr>
+          </a:p>
+          <a:p>
+            <a:r>
+              <a:rPr lang="en" altLang="zh-CN" dirty="0">
+                <a:solidFill>
+                  <a:srgbClr val="AF00DB"/>
+                </a:solidFill>
+                <a:latin typeface="Menlo" panose="020B0609030804020204" pitchFamily="49" charset="0"/>
+              </a:rPr>
+              <a:t>    return</a:t>
+            </a:r>
+            <a:r>
+              <a:rPr lang="en" altLang="zh-CN" dirty="0">
+                <a:solidFill>
+                  <a:srgbClr val="000000"/>
+                </a:solidFill>
+                <a:latin typeface="Menlo" panose="020B0609030804020204" pitchFamily="49" charset="0"/>
+              </a:rPr>
+              <a:t> </a:t>
+            </a:r>
+            <a:r>
+              <a:rPr lang="en" altLang="zh-CN" dirty="0">
+                <a:solidFill>
+                  <a:srgbClr val="098658"/>
+                </a:solidFill>
+                <a:latin typeface="Menlo" panose="020B0609030804020204" pitchFamily="49" charset="0"/>
+              </a:rPr>
+              <a:t>0.0f</a:t>
+            </a:r>
+            <a:r>
+              <a:rPr lang="en" altLang="zh-CN" dirty="0">
+                <a:solidFill>
+                  <a:srgbClr val="000000"/>
+                </a:solidFill>
+                <a:latin typeface="Menlo" panose="020B0609030804020204" pitchFamily="49" charset="0"/>
+              </a:rPr>
+              <a:t>;</a:t>
+            </a:r>
+          </a:p>
+          <a:p>
+            <a:r>
+              <a:rPr lang="en" altLang="zh-CN" dirty="0">
+                <a:solidFill>
+                  <a:srgbClr val="000000"/>
+                </a:solidFill>
+                <a:latin typeface="Menlo" panose="020B0609030804020204" pitchFamily="49" charset="0"/>
+              </a:rPr>
+              <a:t>}</a:t>
+            </a:r>
+          </a:p>
+        </p:txBody>
+      </p:sp>
+      <p:sp>
+        <p:nvSpPr>
+          <p:cNvPr id="5" name="矩形 4">
+            <a:extLst>
+              <a:ext uri="{FF2B5EF4-FFF2-40B4-BE49-F238E27FC236}">
+                <a16:creationId xmlns:a16="http://schemas.microsoft.com/office/drawing/2014/main" id="{CE2CDF10-C039-9A4F-98A6-6DC36619D44E}"/>
+              </a:ext>
+            </a:extLst>
+          </p:cNvPr>
+          <p:cNvSpPr/>
+          <p:nvPr/>
+        </p:nvSpPr>
+        <p:spPr>
+          <a:xfrm>
+            <a:off x="207257" y="2314545"/>
+            <a:ext cx="1261884" cy="400110"/>
           </a:xfrm>
           <a:prstGeom prst="rect">
             <a:avLst/>
@@ -12889,7 +13843,7 @@
                 </a:highlight>
                 <a:latin typeface="Menlo" panose="020B0609030804020204" pitchFamily="49" charset="0"/>
               </a:rPr>
-              <a:t>switch.cpp</a:t>
+              <a:t>for.cpp</a:t>
             </a:r>
             <a:endParaRPr lang="zh-CN" altLang="en-US" sz="2000" dirty="0">
               <a:solidFill>
@@ -12905,7 +13859,7 @@
     </p:spTree>
     <p:extLst>
       <p:ext uri="{BB962C8B-B14F-4D97-AF65-F5344CB8AC3E}">
-        <p14:creationId xmlns:p14="http://schemas.microsoft.com/office/powerpoint/2010/main" val="60323519"/>
+        <p14:creationId xmlns:p14="http://schemas.microsoft.com/office/powerpoint/2010/main" val="1821588477"/>
       </p:ext>
     </p:extLst>
   </p:cSld>
@@ -12937,7 +13891,7 @@
           <p:cNvPr id="2" name="标题 1">
             <a:extLst>
               <a:ext uri="{FF2B5EF4-FFF2-40B4-BE49-F238E27FC236}">
-                <a16:creationId xmlns:a16="http://schemas.microsoft.com/office/drawing/2014/main" id="{D730F2EB-6C21-444D-B1EA-13C9A2A83025}"/>
+                <a16:creationId xmlns:a16="http://schemas.microsoft.com/office/drawing/2014/main" id="{56938CEA-5BE8-1849-A47E-EE4D0D13C116}"/>
               </a:ext>
             </a:extLst>
           </p:cNvPr>
@@ -12953,7 +13907,20 @@
           <a:bodyPr/>
           <a:lstStyle/>
           <a:p>
-            <a:endParaRPr kumimoji="1" lang="zh-CN" altLang="en-US"/>
+            <a:r>
+              <a:rPr lang="en" altLang="zh-CN" dirty="0">
+                <a:solidFill>
+                  <a:srgbClr val="0000CC"/>
+                </a:solidFill>
+                <a:latin typeface="Courier" pitchFamily="2" charset="0"/>
+              </a:rPr>
+              <a:t>switch</a:t>
+            </a:r>
+            <a:r>
+              <a:rPr lang="en" altLang="zh-CN" dirty="0"/>
+              <a:t> Statement</a:t>
+            </a:r>
+            <a:endParaRPr kumimoji="1" lang="zh-CN" altLang="en-US" dirty="0"/>
           </a:p>
         </p:txBody>
       </p:sp>
@@ -12962,7 +13929,7 @@
           <p:cNvPr id="3" name="内容占位符 2">
             <a:extLst>
               <a:ext uri="{FF2B5EF4-FFF2-40B4-BE49-F238E27FC236}">
-                <a16:creationId xmlns:a16="http://schemas.microsoft.com/office/drawing/2014/main" id="{30EF4647-250D-3A48-9C2E-76E12C969F33}"/>
+                <a16:creationId xmlns:a16="http://schemas.microsoft.com/office/drawing/2014/main" id="{9CA76789-326F-C741-9162-6E23893F3D47}"/>
               </a:ext>
             </a:extLst>
           </p:cNvPr>
@@ -12973,19 +13940,793 @@
             <p:ph idx="1"/>
           </p:nvPr>
         </p:nvSpPr>
-        <p:spPr/>
+        <p:spPr>
+          <a:xfrm>
+            <a:off x="838199" y="1326994"/>
+            <a:ext cx="11053879" cy="5531005"/>
+          </a:xfrm>
+        </p:spPr>
         <p:txBody>
-          <a:bodyPr/>
+          <a:bodyPr>
+            <a:normAutofit fontScale="92500" lnSpcReduction="20000"/>
+          </a:bodyPr>
           <a:lstStyle/>
           <a:p>
-            <a:endParaRPr kumimoji="1" lang="zh-CN" altLang="en-US"/>
+            <a:r>
+              <a:rPr kumimoji="1" lang="en-US" altLang="zh-CN" dirty="0"/>
+              <a:t>Execute one of several statements, depending on the value of a condition</a:t>
+            </a:r>
+          </a:p>
+          <a:p>
+            <a:r>
+              <a:rPr kumimoji="1" lang="en-US" altLang="zh-CN" dirty="0">
+                <a:solidFill>
+                  <a:srgbClr val="0000CC"/>
+                </a:solidFill>
+                <a:latin typeface="Courier" pitchFamily="2" charset="0"/>
+              </a:rPr>
+              <a:t>break</a:t>
+            </a:r>
+            <a:r>
+              <a:rPr kumimoji="1" lang="en-US" altLang="zh-CN" dirty="0"/>
+              <a:t> prevents to execute some following statements. </a:t>
+            </a:r>
+            <a:r>
+              <a:rPr kumimoji="1" lang="en-US" altLang="zh-CN" b="1" dirty="0">
+                <a:solidFill>
+                  <a:srgbClr val="FF0000"/>
+                </a:solidFill>
+              </a:rPr>
+              <a:t>Don’t’ forget </a:t>
+            </a:r>
+            <a:r>
+              <a:rPr kumimoji="1" lang="en-US" altLang="zh-CN" b="1" dirty="0">
+                <a:solidFill>
+                  <a:srgbClr val="FF0000"/>
+                </a:solidFill>
+                <a:latin typeface="Courier" pitchFamily="2" charset="0"/>
+              </a:rPr>
+              <a:t>break</a:t>
+            </a:r>
+            <a:r>
+              <a:rPr kumimoji="1" lang="en-US" altLang="zh-CN" b="1" dirty="0">
+                <a:solidFill>
+                  <a:srgbClr val="FF0000"/>
+                </a:solidFill>
+              </a:rPr>
+              <a:t>!</a:t>
+            </a:r>
+          </a:p>
+          <a:p>
+            <a:r>
+              <a:rPr kumimoji="1" lang="en-US" altLang="zh-CN" dirty="0"/>
+              <a:t>More similar with </a:t>
+            </a:r>
+            <a:r>
+              <a:rPr kumimoji="1" lang="en-US" altLang="zh-CN" dirty="0" err="1">
+                <a:solidFill>
+                  <a:srgbClr val="0000CC"/>
+                </a:solidFill>
+                <a:latin typeface="Courier" pitchFamily="2" charset="0"/>
+              </a:rPr>
+              <a:t>goto</a:t>
+            </a:r>
+            <a:r>
+              <a:rPr kumimoji="1" lang="en-US" altLang="zh-CN" dirty="0"/>
+              <a:t>, not </a:t>
+            </a:r>
+            <a:r>
+              <a:rPr kumimoji="1" lang="en-US" altLang="zh-CN" dirty="0">
+                <a:solidFill>
+                  <a:srgbClr val="0000CC"/>
+                </a:solidFill>
+                <a:latin typeface="Courier" pitchFamily="2" charset="0"/>
+              </a:rPr>
+              <a:t>if-else if-else</a:t>
+            </a:r>
+          </a:p>
+          <a:p>
+            <a:endParaRPr kumimoji="1" lang="en-US" altLang="zh-CN" dirty="0"/>
+          </a:p>
+          <a:p>
+            <a:pPr marL="685800" lvl="1" indent="0">
+              <a:buNone/>
+            </a:pPr>
+            <a:r>
+              <a:rPr lang="en" altLang="zh-CN" sz="1900" dirty="0">
+                <a:solidFill>
+                  <a:srgbClr val="AF00DB"/>
+                </a:solidFill>
+                <a:latin typeface="Menlo" panose="020B0609030804020204" pitchFamily="49" charset="0"/>
+              </a:rPr>
+              <a:t>switch</a:t>
+            </a:r>
+            <a:r>
+              <a:rPr lang="en" altLang="zh-CN" sz="1900" dirty="0">
+                <a:solidFill>
+                  <a:srgbClr val="000000"/>
+                </a:solidFill>
+                <a:latin typeface="Menlo" panose="020B0609030804020204" pitchFamily="49" charset="0"/>
+              </a:rPr>
+              <a:t> (</a:t>
+            </a:r>
+            <a:r>
+              <a:rPr lang="en" altLang="zh-CN" sz="1900" dirty="0" err="1">
+                <a:solidFill>
+                  <a:srgbClr val="001080"/>
+                </a:solidFill>
+                <a:latin typeface="Menlo" panose="020B0609030804020204" pitchFamily="49" charset="0"/>
+              </a:rPr>
+              <a:t>input_char</a:t>
+            </a:r>
+            <a:r>
+              <a:rPr lang="en" altLang="zh-CN" sz="1900" dirty="0">
+                <a:solidFill>
+                  <a:srgbClr val="000000"/>
+                </a:solidFill>
+                <a:latin typeface="Menlo" panose="020B0609030804020204" pitchFamily="49" charset="0"/>
+              </a:rPr>
+              <a:t>)</a:t>
+            </a:r>
+          </a:p>
+          <a:p>
+            <a:pPr marL="685800" lvl="1" indent="0">
+              <a:buNone/>
+            </a:pPr>
+            <a:r>
+              <a:rPr lang="en" altLang="zh-CN" sz="1900" dirty="0">
+                <a:solidFill>
+                  <a:srgbClr val="000000"/>
+                </a:solidFill>
+                <a:latin typeface="Menlo" panose="020B0609030804020204" pitchFamily="49" charset="0"/>
+              </a:rPr>
+              <a:t>{</a:t>
+            </a:r>
+          </a:p>
+          <a:p>
+            <a:pPr marL="685800" lvl="1" indent="0">
+              <a:buNone/>
+            </a:pPr>
+            <a:r>
+              <a:rPr lang="en" altLang="zh-CN" sz="1900" dirty="0">
+                <a:solidFill>
+                  <a:srgbClr val="AF00DB"/>
+                </a:solidFill>
+                <a:latin typeface="Menlo" panose="020B0609030804020204" pitchFamily="49" charset="0"/>
+              </a:rPr>
+              <a:t>    case</a:t>
+            </a:r>
+            <a:r>
+              <a:rPr lang="en" altLang="zh-CN" sz="1900" dirty="0">
+                <a:solidFill>
+                  <a:srgbClr val="000000"/>
+                </a:solidFill>
+                <a:latin typeface="Menlo" panose="020B0609030804020204" pitchFamily="49" charset="0"/>
+              </a:rPr>
+              <a:t> </a:t>
+            </a:r>
+            <a:r>
+              <a:rPr lang="en" altLang="zh-CN" sz="1900" dirty="0">
+                <a:solidFill>
+                  <a:srgbClr val="A31515"/>
+                </a:solidFill>
+                <a:latin typeface="Menlo" panose="020B0609030804020204" pitchFamily="49" charset="0"/>
+              </a:rPr>
+              <a:t>'a'</a:t>
+            </a:r>
+            <a:r>
+              <a:rPr lang="en" altLang="zh-CN" sz="1900" dirty="0">
+                <a:solidFill>
+                  <a:srgbClr val="000000"/>
+                </a:solidFill>
+                <a:latin typeface="Menlo" panose="020B0609030804020204" pitchFamily="49" charset="0"/>
+              </a:rPr>
+              <a:t>:</a:t>
+            </a:r>
+          </a:p>
+          <a:p>
+            <a:pPr marL="685800" lvl="1" indent="0">
+              <a:buNone/>
+            </a:pPr>
+            <a:r>
+              <a:rPr lang="en" altLang="zh-CN" sz="1900" dirty="0">
+                <a:solidFill>
+                  <a:srgbClr val="AF00DB"/>
+                </a:solidFill>
+                <a:latin typeface="Menlo" panose="020B0609030804020204" pitchFamily="49" charset="0"/>
+              </a:rPr>
+              <a:t>    case</a:t>
+            </a:r>
+            <a:r>
+              <a:rPr lang="en" altLang="zh-CN" sz="1900" dirty="0">
+                <a:solidFill>
+                  <a:srgbClr val="000000"/>
+                </a:solidFill>
+                <a:latin typeface="Menlo" panose="020B0609030804020204" pitchFamily="49" charset="0"/>
+              </a:rPr>
+              <a:t> </a:t>
+            </a:r>
+            <a:r>
+              <a:rPr lang="en" altLang="zh-CN" sz="1900" dirty="0">
+                <a:solidFill>
+                  <a:srgbClr val="A31515"/>
+                </a:solidFill>
+                <a:latin typeface="Menlo" panose="020B0609030804020204" pitchFamily="49" charset="0"/>
+              </a:rPr>
+              <a:t>'A'</a:t>
+            </a:r>
+            <a:r>
+              <a:rPr lang="en" altLang="zh-CN" sz="1900" dirty="0">
+                <a:solidFill>
+                  <a:srgbClr val="000000"/>
+                </a:solidFill>
+                <a:latin typeface="Menlo" panose="020B0609030804020204" pitchFamily="49" charset="0"/>
+              </a:rPr>
+              <a:t>:</a:t>
+            </a:r>
+          </a:p>
+          <a:p>
+            <a:pPr marL="685800" lvl="1" indent="0">
+              <a:buNone/>
+            </a:pPr>
+            <a:r>
+              <a:rPr lang="en" altLang="zh-CN" sz="1900" dirty="0">
+                <a:solidFill>
+                  <a:srgbClr val="001080"/>
+                </a:solidFill>
+                <a:latin typeface="Menlo" panose="020B0609030804020204" pitchFamily="49" charset="0"/>
+              </a:rPr>
+              <a:t>        </a:t>
+            </a:r>
+            <a:r>
+              <a:rPr lang="en" altLang="zh-CN" sz="1900" dirty="0" err="1">
+                <a:solidFill>
+                  <a:srgbClr val="001080"/>
+                </a:solidFill>
+                <a:latin typeface="Menlo" panose="020B0609030804020204" pitchFamily="49" charset="0"/>
+              </a:rPr>
+              <a:t>cout</a:t>
+            </a:r>
+            <a:r>
+              <a:rPr lang="en" altLang="zh-CN" sz="1900" dirty="0">
+                <a:solidFill>
+                  <a:srgbClr val="000000"/>
+                </a:solidFill>
+                <a:latin typeface="Menlo" panose="020B0609030804020204" pitchFamily="49" charset="0"/>
+              </a:rPr>
+              <a:t> </a:t>
+            </a:r>
+            <a:r>
+              <a:rPr lang="en" altLang="zh-CN" sz="1900" dirty="0">
+                <a:solidFill>
+                  <a:srgbClr val="795E26"/>
+                </a:solidFill>
+                <a:latin typeface="Menlo" panose="020B0609030804020204" pitchFamily="49" charset="0"/>
+              </a:rPr>
+              <a:t>&lt;&lt;</a:t>
+            </a:r>
+            <a:r>
+              <a:rPr lang="en" altLang="zh-CN" sz="1900" dirty="0">
+                <a:solidFill>
+                  <a:srgbClr val="000000"/>
+                </a:solidFill>
+                <a:latin typeface="Menlo" panose="020B0609030804020204" pitchFamily="49" charset="0"/>
+              </a:rPr>
+              <a:t> </a:t>
+            </a:r>
+            <a:r>
+              <a:rPr lang="en" altLang="zh-CN" sz="1900" dirty="0">
+                <a:solidFill>
+                  <a:srgbClr val="A31515"/>
+                </a:solidFill>
+                <a:latin typeface="Menlo" panose="020B0609030804020204" pitchFamily="49" charset="0"/>
+              </a:rPr>
+              <a:t>"Move left."</a:t>
+            </a:r>
+            <a:r>
+              <a:rPr lang="en" altLang="zh-CN" sz="1900" dirty="0">
+                <a:solidFill>
+                  <a:srgbClr val="000000"/>
+                </a:solidFill>
+                <a:latin typeface="Menlo" panose="020B0609030804020204" pitchFamily="49" charset="0"/>
+              </a:rPr>
+              <a:t> </a:t>
+            </a:r>
+            <a:r>
+              <a:rPr lang="en" altLang="zh-CN" sz="1900" dirty="0">
+                <a:solidFill>
+                  <a:srgbClr val="795E26"/>
+                </a:solidFill>
+                <a:latin typeface="Menlo" panose="020B0609030804020204" pitchFamily="49" charset="0"/>
+              </a:rPr>
+              <a:t>&lt;&lt;</a:t>
+            </a:r>
+            <a:r>
+              <a:rPr lang="en" altLang="zh-CN" sz="1900" dirty="0">
+                <a:solidFill>
+                  <a:srgbClr val="000000"/>
+                </a:solidFill>
+                <a:latin typeface="Menlo" panose="020B0609030804020204" pitchFamily="49" charset="0"/>
+              </a:rPr>
+              <a:t> </a:t>
+            </a:r>
+            <a:r>
+              <a:rPr lang="en" altLang="zh-CN" sz="1900" dirty="0" err="1">
+                <a:solidFill>
+                  <a:srgbClr val="795E26"/>
+                </a:solidFill>
+                <a:latin typeface="Menlo" panose="020B0609030804020204" pitchFamily="49" charset="0"/>
+              </a:rPr>
+              <a:t>endl</a:t>
+            </a:r>
+            <a:r>
+              <a:rPr lang="en" altLang="zh-CN" sz="1900" dirty="0">
+                <a:solidFill>
+                  <a:srgbClr val="000000"/>
+                </a:solidFill>
+                <a:latin typeface="Menlo" panose="020B0609030804020204" pitchFamily="49" charset="0"/>
+              </a:rPr>
+              <a:t>;</a:t>
+            </a:r>
+          </a:p>
+          <a:p>
+            <a:pPr marL="685800" lvl="1" indent="0">
+              <a:buNone/>
+            </a:pPr>
+            <a:r>
+              <a:rPr lang="en" altLang="zh-CN" sz="1900" dirty="0">
+                <a:solidFill>
+                  <a:srgbClr val="AF00DB"/>
+                </a:solidFill>
+                <a:latin typeface="Menlo" panose="020B0609030804020204" pitchFamily="49" charset="0"/>
+              </a:rPr>
+              <a:t>        break</a:t>
+            </a:r>
+            <a:r>
+              <a:rPr lang="en" altLang="zh-CN" sz="1900" dirty="0">
+                <a:solidFill>
+                  <a:srgbClr val="000000"/>
+                </a:solidFill>
+                <a:latin typeface="Menlo" panose="020B0609030804020204" pitchFamily="49" charset="0"/>
+              </a:rPr>
+              <a:t>;</a:t>
+            </a:r>
+          </a:p>
+          <a:p>
+            <a:pPr marL="685800" lvl="1" indent="0">
+              <a:buNone/>
+            </a:pPr>
+            <a:r>
+              <a:rPr lang="en" altLang="zh-CN" sz="1900" dirty="0">
+                <a:solidFill>
+                  <a:srgbClr val="AF00DB"/>
+                </a:solidFill>
+                <a:latin typeface="Menlo" panose="020B0609030804020204" pitchFamily="49" charset="0"/>
+              </a:rPr>
+              <a:t>    case</a:t>
+            </a:r>
+            <a:r>
+              <a:rPr lang="en" altLang="zh-CN" sz="1900" dirty="0">
+                <a:solidFill>
+                  <a:srgbClr val="000000"/>
+                </a:solidFill>
+                <a:latin typeface="Menlo" panose="020B0609030804020204" pitchFamily="49" charset="0"/>
+              </a:rPr>
+              <a:t> </a:t>
+            </a:r>
+            <a:r>
+              <a:rPr lang="en" altLang="zh-CN" sz="1900" dirty="0">
+                <a:solidFill>
+                  <a:srgbClr val="A31515"/>
+                </a:solidFill>
+                <a:latin typeface="Menlo" panose="020B0609030804020204" pitchFamily="49" charset="0"/>
+              </a:rPr>
+              <a:t>'d’</a:t>
+            </a:r>
+            <a:r>
+              <a:rPr lang="en" altLang="zh-CN" sz="1900" dirty="0">
+                <a:solidFill>
+                  <a:srgbClr val="000000"/>
+                </a:solidFill>
+                <a:latin typeface="Menlo" panose="020B0609030804020204" pitchFamily="49" charset="0"/>
+              </a:rPr>
+              <a:t>:</a:t>
+            </a:r>
+          </a:p>
+          <a:p>
+            <a:pPr marL="685800" lvl="1" indent="0">
+              <a:buNone/>
+            </a:pPr>
+            <a:r>
+              <a:rPr lang="en" altLang="zh-CN" sz="1900" dirty="0">
+                <a:solidFill>
+                  <a:srgbClr val="AF00DB"/>
+                </a:solidFill>
+                <a:latin typeface="Menlo" panose="020B0609030804020204" pitchFamily="49" charset="0"/>
+              </a:rPr>
+              <a:t>    case</a:t>
+            </a:r>
+            <a:r>
+              <a:rPr lang="en" altLang="zh-CN" sz="1900" dirty="0">
+                <a:solidFill>
+                  <a:srgbClr val="000000"/>
+                </a:solidFill>
+                <a:latin typeface="Menlo" panose="020B0609030804020204" pitchFamily="49" charset="0"/>
+              </a:rPr>
+              <a:t> </a:t>
+            </a:r>
+            <a:r>
+              <a:rPr lang="en" altLang="zh-CN" sz="1900" dirty="0">
+                <a:solidFill>
+                  <a:srgbClr val="A31515"/>
+                </a:solidFill>
+                <a:latin typeface="Menlo" panose="020B0609030804020204" pitchFamily="49" charset="0"/>
+              </a:rPr>
+              <a:t>‘D'</a:t>
+            </a:r>
+            <a:r>
+              <a:rPr lang="en" altLang="zh-CN" sz="1900" dirty="0">
+                <a:solidFill>
+                  <a:srgbClr val="000000"/>
+                </a:solidFill>
+                <a:latin typeface="Menlo" panose="020B0609030804020204" pitchFamily="49" charset="0"/>
+              </a:rPr>
+              <a:t>:</a:t>
+            </a:r>
+          </a:p>
+          <a:p>
+            <a:pPr marL="685800" lvl="1" indent="0">
+              <a:buNone/>
+            </a:pPr>
+            <a:r>
+              <a:rPr lang="en" altLang="zh-CN" sz="1900" dirty="0">
+                <a:solidFill>
+                  <a:srgbClr val="001080"/>
+                </a:solidFill>
+                <a:latin typeface="Menlo" panose="020B0609030804020204" pitchFamily="49" charset="0"/>
+              </a:rPr>
+              <a:t>        </a:t>
+            </a:r>
+            <a:r>
+              <a:rPr lang="en" altLang="zh-CN" sz="1900" dirty="0" err="1">
+                <a:solidFill>
+                  <a:srgbClr val="001080"/>
+                </a:solidFill>
+                <a:latin typeface="Menlo" panose="020B0609030804020204" pitchFamily="49" charset="0"/>
+              </a:rPr>
+              <a:t>cout</a:t>
+            </a:r>
+            <a:r>
+              <a:rPr lang="en" altLang="zh-CN" sz="1900" dirty="0">
+                <a:solidFill>
+                  <a:srgbClr val="000000"/>
+                </a:solidFill>
+                <a:latin typeface="Menlo" panose="020B0609030804020204" pitchFamily="49" charset="0"/>
+              </a:rPr>
+              <a:t> </a:t>
+            </a:r>
+            <a:r>
+              <a:rPr lang="en" altLang="zh-CN" sz="1900" dirty="0">
+                <a:solidFill>
+                  <a:srgbClr val="795E26"/>
+                </a:solidFill>
+                <a:latin typeface="Menlo" panose="020B0609030804020204" pitchFamily="49" charset="0"/>
+              </a:rPr>
+              <a:t>&lt;&lt;</a:t>
+            </a:r>
+            <a:r>
+              <a:rPr lang="en" altLang="zh-CN" sz="1900" dirty="0">
+                <a:solidFill>
+                  <a:srgbClr val="000000"/>
+                </a:solidFill>
+                <a:latin typeface="Menlo" panose="020B0609030804020204" pitchFamily="49" charset="0"/>
+              </a:rPr>
+              <a:t> </a:t>
+            </a:r>
+            <a:r>
+              <a:rPr lang="en" altLang="zh-CN" sz="1900" dirty="0">
+                <a:solidFill>
+                  <a:srgbClr val="A31515"/>
+                </a:solidFill>
+                <a:latin typeface="Menlo" panose="020B0609030804020204" pitchFamily="49" charset="0"/>
+              </a:rPr>
+              <a:t>"Move right."</a:t>
+            </a:r>
+            <a:r>
+              <a:rPr lang="en" altLang="zh-CN" sz="1900" dirty="0">
+                <a:solidFill>
+                  <a:srgbClr val="000000"/>
+                </a:solidFill>
+                <a:latin typeface="Menlo" panose="020B0609030804020204" pitchFamily="49" charset="0"/>
+              </a:rPr>
+              <a:t> </a:t>
+            </a:r>
+            <a:r>
+              <a:rPr lang="en" altLang="zh-CN" sz="1900" dirty="0">
+                <a:solidFill>
+                  <a:srgbClr val="795E26"/>
+                </a:solidFill>
+                <a:latin typeface="Menlo" panose="020B0609030804020204" pitchFamily="49" charset="0"/>
+              </a:rPr>
+              <a:t>&lt;&lt;</a:t>
+            </a:r>
+            <a:r>
+              <a:rPr lang="en" altLang="zh-CN" sz="1900" dirty="0">
+                <a:solidFill>
+                  <a:srgbClr val="000000"/>
+                </a:solidFill>
+                <a:latin typeface="Menlo" panose="020B0609030804020204" pitchFamily="49" charset="0"/>
+              </a:rPr>
+              <a:t> </a:t>
+            </a:r>
+            <a:r>
+              <a:rPr lang="en" altLang="zh-CN" sz="1900" dirty="0" err="1">
+                <a:solidFill>
+                  <a:srgbClr val="795E26"/>
+                </a:solidFill>
+                <a:latin typeface="Menlo" panose="020B0609030804020204" pitchFamily="49" charset="0"/>
+              </a:rPr>
+              <a:t>endl</a:t>
+            </a:r>
+            <a:r>
+              <a:rPr lang="en" altLang="zh-CN" sz="1900" dirty="0">
+                <a:solidFill>
+                  <a:srgbClr val="000000"/>
+                </a:solidFill>
+                <a:latin typeface="Menlo" panose="020B0609030804020204" pitchFamily="49" charset="0"/>
+              </a:rPr>
+              <a:t>;</a:t>
+            </a:r>
+          </a:p>
+          <a:p>
+            <a:pPr marL="685800" lvl="1" indent="0">
+              <a:buNone/>
+            </a:pPr>
+            <a:r>
+              <a:rPr lang="en" altLang="zh-CN" sz="1900" dirty="0">
+                <a:solidFill>
+                  <a:srgbClr val="AF00DB"/>
+                </a:solidFill>
+                <a:latin typeface="Menlo" panose="020B0609030804020204" pitchFamily="49" charset="0"/>
+              </a:rPr>
+              <a:t>        break</a:t>
+            </a:r>
+            <a:r>
+              <a:rPr lang="en" altLang="zh-CN" sz="1900" dirty="0">
+                <a:solidFill>
+                  <a:srgbClr val="000000"/>
+                </a:solidFill>
+                <a:latin typeface="Menlo" panose="020B0609030804020204" pitchFamily="49" charset="0"/>
+              </a:rPr>
+              <a:t>;</a:t>
+            </a:r>
+          </a:p>
+          <a:p>
+            <a:pPr marL="685800" lvl="1" indent="0">
+              <a:buNone/>
+            </a:pPr>
+            <a:r>
+              <a:rPr lang="en" altLang="zh-CN" sz="1900" dirty="0">
+                <a:solidFill>
+                  <a:srgbClr val="AF00DB"/>
+                </a:solidFill>
+                <a:latin typeface="Menlo" panose="020B0609030804020204" pitchFamily="49" charset="0"/>
+              </a:rPr>
+              <a:t>    default</a:t>
+            </a:r>
+            <a:r>
+              <a:rPr lang="en" altLang="zh-CN" sz="1900" dirty="0">
+                <a:solidFill>
+                  <a:srgbClr val="000000"/>
+                </a:solidFill>
+                <a:latin typeface="Menlo" panose="020B0609030804020204" pitchFamily="49" charset="0"/>
+              </a:rPr>
+              <a:t>: </a:t>
+            </a:r>
+          </a:p>
+          <a:p>
+            <a:pPr marL="685800" lvl="1" indent="0">
+              <a:buNone/>
+            </a:pPr>
+            <a:r>
+              <a:rPr lang="en" altLang="zh-CN" sz="1900" dirty="0">
+                <a:solidFill>
+                  <a:srgbClr val="001080"/>
+                </a:solidFill>
+                <a:latin typeface="Menlo" panose="020B0609030804020204" pitchFamily="49" charset="0"/>
+              </a:rPr>
+              <a:t>        </a:t>
+            </a:r>
+            <a:r>
+              <a:rPr lang="en" altLang="zh-CN" sz="1900" dirty="0" err="1">
+                <a:solidFill>
+                  <a:srgbClr val="001080"/>
+                </a:solidFill>
+                <a:latin typeface="Menlo" panose="020B0609030804020204" pitchFamily="49" charset="0"/>
+              </a:rPr>
+              <a:t>cout</a:t>
+            </a:r>
+            <a:r>
+              <a:rPr lang="en" altLang="zh-CN" sz="1900" dirty="0">
+                <a:solidFill>
+                  <a:srgbClr val="000000"/>
+                </a:solidFill>
+                <a:latin typeface="Menlo" panose="020B0609030804020204" pitchFamily="49" charset="0"/>
+              </a:rPr>
+              <a:t> </a:t>
+            </a:r>
+            <a:r>
+              <a:rPr lang="en" altLang="zh-CN" sz="1900" dirty="0">
+                <a:solidFill>
+                  <a:srgbClr val="795E26"/>
+                </a:solidFill>
+                <a:latin typeface="Menlo" panose="020B0609030804020204" pitchFamily="49" charset="0"/>
+              </a:rPr>
+              <a:t>&lt;&lt;</a:t>
+            </a:r>
+            <a:r>
+              <a:rPr lang="en" altLang="zh-CN" sz="1900" dirty="0">
+                <a:solidFill>
+                  <a:srgbClr val="000000"/>
+                </a:solidFill>
+                <a:latin typeface="Menlo" panose="020B0609030804020204" pitchFamily="49" charset="0"/>
+              </a:rPr>
+              <a:t> </a:t>
+            </a:r>
+            <a:r>
+              <a:rPr lang="en" altLang="zh-CN" sz="1900" dirty="0">
+                <a:solidFill>
+                  <a:srgbClr val="A31515"/>
+                </a:solidFill>
+                <a:latin typeface="Menlo" panose="020B0609030804020204" pitchFamily="49" charset="0"/>
+              </a:rPr>
+              <a:t>"Undefined key."</a:t>
+            </a:r>
+            <a:r>
+              <a:rPr lang="en" altLang="zh-CN" sz="1900" dirty="0">
+                <a:solidFill>
+                  <a:srgbClr val="000000"/>
+                </a:solidFill>
+                <a:latin typeface="Menlo" panose="020B0609030804020204" pitchFamily="49" charset="0"/>
+              </a:rPr>
+              <a:t> </a:t>
+            </a:r>
+            <a:r>
+              <a:rPr lang="en" altLang="zh-CN" sz="1900" dirty="0">
+                <a:solidFill>
+                  <a:srgbClr val="795E26"/>
+                </a:solidFill>
+                <a:latin typeface="Menlo" panose="020B0609030804020204" pitchFamily="49" charset="0"/>
+              </a:rPr>
+              <a:t>&lt;&lt;</a:t>
+            </a:r>
+            <a:r>
+              <a:rPr lang="en" altLang="zh-CN" sz="1900" dirty="0">
+                <a:solidFill>
+                  <a:srgbClr val="000000"/>
+                </a:solidFill>
+                <a:latin typeface="Menlo" panose="020B0609030804020204" pitchFamily="49" charset="0"/>
+              </a:rPr>
+              <a:t> </a:t>
+            </a:r>
+            <a:r>
+              <a:rPr lang="en" altLang="zh-CN" sz="1900" dirty="0" err="1">
+                <a:solidFill>
+                  <a:srgbClr val="795E26"/>
+                </a:solidFill>
+                <a:latin typeface="Menlo" panose="020B0609030804020204" pitchFamily="49" charset="0"/>
+              </a:rPr>
+              <a:t>endl</a:t>
+            </a:r>
+            <a:r>
+              <a:rPr lang="en" altLang="zh-CN" sz="1900" dirty="0">
+                <a:solidFill>
+                  <a:srgbClr val="000000"/>
+                </a:solidFill>
+                <a:latin typeface="Menlo" panose="020B0609030804020204" pitchFamily="49" charset="0"/>
+              </a:rPr>
+              <a:t>;</a:t>
+            </a:r>
+          </a:p>
+          <a:p>
+            <a:pPr marL="685800" lvl="1" indent="0">
+              <a:buNone/>
+            </a:pPr>
+            <a:r>
+              <a:rPr lang="en" altLang="zh-CN" sz="1900" dirty="0">
+                <a:solidFill>
+                  <a:srgbClr val="AF00DB"/>
+                </a:solidFill>
+                <a:latin typeface="Menlo" panose="020B0609030804020204" pitchFamily="49" charset="0"/>
+              </a:rPr>
+              <a:t>        break</a:t>
+            </a:r>
+            <a:r>
+              <a:rPr lang="en" altLang="zh-CN" sz="1900" dirty="0">
+                <a:solidFill>
+                  <a:srgbClr val="000000"/>
+                </a:solidFill>
+                <a:latin typeface="Menlo" panose="020B0609030804020204" pitchFamily="49" charset="0"/>
+              </a:rPr>
+              <a:t>;</a:t>
+            </a:r>
+          </a:p>
+          <a:p>
+            <a:pPr marL="685800" lvl="1" indent="0">
+              <a:buNone/>
+            </a:pPr>
+            <a:r>
+              <a:rPr lang="en" altLang="zh-CN" sz="1900" dirty="0">
+                <a:solidFill>
+                  <a:srgbClr val="000000"/>
+                </a:solidFill>
+                <a:latin typeface="Menlo" panose="020B0609030804020204" pitchFamily="49" charset="0"/>
+              </a:rPr>
+              <a:t>}</a:t>
+            </a:r>
+          </a:p>
+          <a:p>
+            <a:endParaRPr kumimoji="1" lang="zh-CN" altLang="en-US" dirty="0"/>
+          </a:p>
+        </p:txBody>
+      </p:sp>
+      <p:sp>
+        <p:nvSpPr>
+          <p:cNvPr id="4" name="矩形 3">
+            <a:extLst>
+              <a:ext uri="{FF2B5EF4-FFF2-40B4-BE49-F238E27FC236}">
+                <a16:creationId xmlns:a16="http://schemas.microsoft.com/office/drawing/2014/main" id="{AE4BFED2-ACB6-9B44-8648-B166EDFDA697}"/>
+              </a:ext>
+            </a:extLst>
+          </p:cNvPr>
+          <p:cNvSpPr/>
+          <p:nvPr/>
+        </p:nvSpPr>
+        <p:spPr>
+          <a:xfrm>
+            <a:off x="1468405" y="2514848"/>
+            <a:ext cx="1723549" cy="400110"/>
+          </a:xfrm>
+          <a:prstGeom prst="rect">
+            <a:avLst/>
+          </a:prstGeom>
+          <a:solidFill>
+            <a:schemeClr val="bg1"/>
+          </a:solidFill>
+        </p:spPr>
+        <p:txBody>
+          <a:bodyPr wrap="none">
+            <a:spAutoFit/>
+          </a:bodyPr>
+          <a:lstStyle/>
+          <a:p>
+            <a:r>
+              <a:rPr lang="en" altLang="zh-CN" sz="2000" dirty="0" err="1">
+                <a:solidFill>
+                  <a:srgbClr val="0000CC"/>
+                </a:solidFill>
+                <a:highlight>
+                  <a:srgbClr val="FFFF00"/>
+                </a:highlight>
+                <a:latin typeface="Menlo" panose="020B0609030804020204" pitchFamily="49" charset="0"/>
+              </a:rPr>
+              <a:t>switch.cpp</a:t>
+            </a:r>
+            <a:endParaRPr lang="zh-CN" altLang="en-US" sz="2000" dirty="0">
+              <a:solidFill>
+                <a:srgbClr val="0000CC"/>
+              </a:solidFill>
+              <a:highlight>
+                <a:srgbClr val="FFFF00"/>
+              </a:highlight>
+            </a:endParaRPr>
           </a:p>
         </p:txBody>
       </p:sp>
     </p:spTree>
     <p:extLst>
       <p:ext uri="{BB962C8B-B14F-4D97-AF65-F5344CB8AC3E}">
-        <p14:creationId xmlns:p14="http://schemas.microsoft.com/office/powerpoint/2010/main" val="2695220150"/>
+        <p14:creationId xmlns:p14="http://schemas.microsoft.com/office/powerpoint/2010/main" val="60323519"/>
       </p:ext>
     </p:extLst>
   </p:cSld>
@@ -13616,25 +15357,7 @@
                 </a:solidFill>
                 <a:latin typeface="Menlo" panose="020B0609030804020204" pitchFamily="49" charset="0"/>
               </a:rPr>
-              <a:t>"The number </a:t>
-            </a:r>
-            <a:r>
-              <a:rPr lang="en" altLang="zh-CN">
-                <a:solidFill>
-                  <a:srgbClr val="A31515"/>
-                </a:solidFill>
-                <a:latin typeface="Menlo" panose="020B0609030804020204" pitchFamily="49" charset="0"/>
-              </a:rPr>
-              <a:t>is not 5</a:t>
-            </a:r>
-            <a:r>
-              <a:rPr lang="en" altLang="zh-CN" dirty="0">
-                <a:solidFill>
-                  <a:srgbClr val="A31515"/>
-                </a:solidFill>
-                <a:latin typeface="Menlo" panose="020B0609030804020204" pitchFamily="49" charset="0"/>
-              </a:rPr>
-              <a:t>."</a:t>
+              <a:t>"The number is not 5."</a:t>
             </a:r>
             <a:r>
               <a:rPr lang="en" altLang="zh-CN" dirty="0">
@@ -13694,6 +15417,84 @@
   <p:clrMapOvr>
     <a:masterClrMapping/>
   </p:clrMapOvr>
+  <p:timing>
+    <p:tnLst>
+      <p:par>
+        <p:cTn id="1" dur="indefinite" restart="never" nodeType="tmRoot">
+          <p:childTnLst>
+            <p:seq concurrent="1" nextAc="seek">
+              <p:cTn id="2" dur="indefinite" nodeType="mainSeq">
+                <p:childTnLst>
+                  <p:par>
+                    <p:cTn id="3" fill="hold">
+                      <p:stCondLst>
+                        <p:cond delay="indefinite"/>
+                      </p:stCondLst>
+                      <p:childTnLst>
+                        <p:par>
+                          <p:cTn id="4" fill="hold">
+                            <p:stCondLst>
+                              <p:cond delay="0"/>
+                            </p:stCondLst>
+                            <p:childTnLst>
+                              <p:par>
+                                <p:cTn id="5" presetID="1" presetClass="entr" presetSubtype="0" fill="hold" grpId="0" nodeType="clickEffect">
+                                  <p:stCondLst>
+                                    <p:cond delay="0"/>
+                                  </p:stCondLst>
+                                  <p:childTnLst>
+                                    <p:set>
+                                      <p:cBhvr>
+                                        <p:cTn id="6" dur="1" fill="hold">
+                                          <p:stCondLst>
+                                            <p:cond delay="0"/>
+                                          </p:stCondLst>
+                                        </p:cTn>
+                                        <p:tgtEl>
+                                          <p:spTgt spid="5"/>
+                                        </p:tgtEl>
+                                        <p:attrNameLst>
+                                          <p:attrName>style.visibility</p:attrName>
+                                        </p:attrNameLst>
+                                      </p:cBhvr>
+                                      <p:to>
+                                        <p:strVal val="visible"/>
+                                      </p:to>
+                                    </p:set>
+                                  </p:childTnLst>
+                                </p:cTn>
+                              </p:par>
+                            </p:childTnLst>
+                          </p:cTn>
+                        </p:par>
+                      </p:childTnLst>
+                    </p:cTn>
+                  </p:par>
+                </p:childTnLst>
+              </p:cTn>
+              <p:prevCondLst>
+                <p:cond evt="onPrev" delay="0">
+                  <p:tgtEl>
+                    <p:sldTgt/>
+                  </p:tgtEl>
+                </p:cond>
+              </p:prevCondLst>
+              <p:nextCondLst>
+                <p:cond evt="onNext" delay="0">
+                  <p:tgtEl>
+                    <p:sldTgt/>
+                  </p:tgtEl>
+                </p:cond>
+              </p:nextCondLst>
+            </p:seq>
+          </p:childTnLst>
+        </p:cTn>
+      </p:par>
+    </p:tnLst>
+    <p:bldLst>
+      <p:bldP spid="5" grpId="0"/>
+    </p:bldLst>
+  </p:timing>
 </p:sld>
 </file>
 
@@ -15461,6 +17262,186 @@
   <p:clrMapOvr>
     <a:masterClrMapping/>
   </p:clrMapOvr>
+  <p:timing>
+    <p:tnLst>
+      <p:par>
+        <p:cTn id="1" dur="indefinite" restart="never" nodeType="tmRoot">
+          <p:childTnLst>
+            <p:seq concurrent="1" nextAc="seek">
+              <p:cTn id="2" dur="indefinite" nodeType="mainSeq">
+                <p:childTnLst>
+                  <p:par>
+                    <p:cTn id="3" fill="hold">
+                      <p:stCondLst>
+                        <p:cond delay="indefinite"/>
+                      </p:stCondLst>
+                      <p:childTnLst>
+                        <p:par>
+                          <p:cTn id="4" fill="hold">
+                            <p:stCondLst>
+                              <p:cond delay="0"/>
+                            </p:stCondLst>
+                            <p:childTnLst>
+                              <p:par>
+                                <p:cTn id="5" presetID="1" presetClass="entr" presetSubtype="0" fill="hold" grpId="0" nodeType="clickEffect">
+                                  <p:stCondLst>
+                                    <p:cond delay="0"/>
+                                  </p:stCondLst>
+                                  <p:childTnLst>
+                                    <p:set>
+                                      <p:cBhvr>
+                                        <p:cTn id="6" dur="1" fill="hold">
+                                          <p:stCondLst>
+                                            <p:cond delay="0"/>
+                                          </p:stCondLst>
+                                        </p:cTn>
+                                        <p:tgtEl>
+                                          <p:spTgt spid="7"/>
+                                        </p:tgtEl>
+                                        <p:attrNameLst>
+                                          <p:attrName>style.visibility</p:attrName>
+                                        </p:attrNameLst>
+                                      </p:cBhvr>
+                                      <p:to>
+                                        <p:strVal val="visible"/>
+                                      </p:to>
+                                    </p:set>
+                                  </p:childTnLst>
+                                </p:cTn>
+                              </p:par>
+                              <p:par>
+                                <p:cTn id="7" presetID="1" presetClass="entr" presetSubtype="0" fill="hold" grpId="0" nodeType="withEffect">
+                                  <p:stCondLst>
+                                    <p:cond delay="0"/>
+                                  </p:stCondLst>
+                                  <p:childTnLst>
+                                    <p:set>
+                                      <p:cBhvr>
+                                        <p:cTn id="8" dur="1" fill="hold">
+                                          <p:stCondLst>
+                                            <p:cond delay="0"/>
+                                          </p:stCondLst>
+                                        </p:cTn>
+                                        <p:tgtEl>
+                                          <p:spTgt spid="5"/>
+                                        </p:tgtEl>
+                                        <p:attrNameLst>
+                                          <p:attrName>style.visibility</p:attrName>
+                                        </p:attrNameLst>
+                                      </p:cBhvr>
+                                      <p:to>
+                                        <p:strVal val="visible"/>
+                                      </p:to>
+                                    </p:set>
+                                  </p:childTnLst>
+                                </p:cTn>
+                              </p:par>
+                            </p:childTnLst>
+                          </p:cTn>
+                        </p:par>
+                      </p:childTnLst>
+                    </p:cTn>
+                  </p:par>
+                  <p:par>
+                    <p:cTn id="9" fill="hold">
+                      <p:stCondLst>
+                        <p:cond delay="indefinite"/>
+                      </p:stCondLst>
+                      <p:childTnLst>
+                        <p:par>
+                          <p:cTn id="10" fill="hold">
+                            <p:stCondLst>
+                              <p:cond delay="0"/>
+                            </p:stCondLst>
+                            <p:childTnLst>
+                              <p:par>
+                                <p:cTn id="11" presetID="1" presetClass="entr" presetSubtype="0" fill="hold" grpId="0" nodeType="clickEffect">
+                                  <p:stCondLst>
+                                    <p:cond delay="0"/>
+                                  </p:stCondLst>
+                                  <p:childTnLst>
+                                    <p:set>
+                                      <p:cBhvr>
+                                        <p:cTn id="12" dur="1" fill="hold">
+                                          <p:stCondLst>
+                                            <p:cond delay="0"/>
+                                          </p:stCondLst>
+                                        </p:cTn>
+                                        <p:tgtEl>
+                                          <p:spTgt spid="8"/>
+                                        </p:tgtEl>
+                                        <p:attrNameLst>
+                                          <p:attrName>style.visibility</p:attrName>
+                                        </p:attrNameLst>
+                                      </p:cBhvr>
+                                      <p:to>
+                                        <p:strVal val="visible"/>
+                                      </p:to>
+                                    </p:set>
+                                  </p:childTnLst>
+                                </p:cTn>
+                              </p:par>
+                              <p:par>
+                                <p:cTn id="13" presetID="1" presetClass="entr" presetSubtype="0" fill="hold" grpId="0" nodeType="withEffect">
+                                  <p:stCondLst>
+                                    <p:cond delay="0"/>
+                                  </p:stCondLst>
+                                  <p:childTnLst>
+                                    <p:set>
+                                      <p:cBhvr>
+                                        <p:cTn id="14" dur="1" fill="hold">
+                                          <p:stCondLst>
+                                            <p:cond delay="0"/>
+                                          </p:stCondLst>
+                                        </p:cTn>
+                                        <p:tgtEl>
+                                          <p:spTgt spid="6"/>
+                                        </p:tgtEl>
+                                        <p:attrNameLst>
+                                          <p:attrName>style.visibility</p:attrName>
+                                        </p:attrNameLst>
+                                      </p:cBhvr>
+                                      <p:to>
+                                        <p:strVal val="visible"/>
+                                      </p:to>
+                                    </p:set>
+                                  </p:childTnLst>
+                                </p:cTn>
+                              </p:par>
+                            </p:childTnLst>
+                          </p:cTn>
+                        </p:par>
+                      </p:childTnLst>
+                    </p:cTn>
+                  </p:par>
+                </p:childTnLst>
+              </p:cTn>
+              <p:prevCondLst>
+                <p:cond evt="onPrev" delay="0">
+                  <p:tgtEl>
+                    <p:sldTgt/>
+                  </p:tgtEl>
+                </p:cond>
+              </p:prevCondLst>
+              <p:nextCondLst>
+                <p:cond evt="onNext" delay="0">
+                  <p:tgtEl>
+                    <p:sldTgt/>
+                  </p:tgtEl>
+                </p:cond>
+              </p:nextCondLst>
+            </p:seq>
+          </p:childTnLst>
+        </p:cTn>
+      </p:par>
+    </p:tnLst>
+    <p:bldLst>
+      <p:bldP spid="5" grpId="0" animBg="1"/>
+      <p:bldP spid="6" grpId="0" animBg="1"/>
+      <p:bldP spid="7" grpId="0" animBg="1"/>
+      <p:bldP spid="8" grpId="0" animBg="1"/>
+    </p:bldLst>
+  </p:timing>
 </p:sld>
 </file>
 
@@ -15630,6 +17611,22 @@
             <a:r>
               <a:rPr kumimoji="1" lang="en-US" altLang="zh-CN" dirty="0"/>
               <a:t>The condition should be an expression which is convertible to bool</a:t>
+            </a:r>
+          </a:p>
+          <a:p>
+            <a:pPr lvl="1"/>
+            <a:r>
+              <a:rPr kumimoji="1" lang="en-US" altLang="zh-CN" dirty="0"/>
+              <a:t>Its value can be </a:t>
+            </a:r>
+            <a:r>
+              <a:rPr kumimoji="1" lang="en-US" altLang="zh-CN" dirty="0">
+                <a:solidFill>
+                  <a:srgbClr val="0000CC"/>
+                </a:solidFill>
+                <a:latin typeface="Courier" pitchFamily="2" charset="0"/>
+              </a:rPr>
+              <a:t>bool, char, int, float</a:t>
             </a:r>
           </a:p>
           <a:p>
@@ -16003,6 +18000,116 @@
   <p:clrMapOvr>
     <a:masterClrMapping/>
   </p:clrMapOvr>
+  <p:timing>
+    <p:tnLst>
+      <p:par>
+        <p:cTn id="1" dur="indefinite" restart="never" nodeType="tmRoot">
+          <p:childTnLst>
+            <p:seq concurrent="1" nextAc="seek">
+              <p:cTn id="2" dur="indefinite" nodeType="mainSeq">
+                <p:childTnLst>
+                  <p:par>
+                    <p:cTn id="3" fill="hold">
+                      <p:stCondLst>
+                        <p:cond delay="indefinite"/>
+                      </p:stCondLst>
+                      <p:childTnLst>
+                        <p:par>
+                          <p:cTn id="4" fill="hold">
+                            <p:stCondLst>
+                              <p:cond delay="0"/>
+                            </p:stCondLst>
+                            <p:childTnLst>
+                              <p:par>
+                                <p:cTn id="5" presetID="1" presetClass="entr" presetSubtype="0" fill="hold" nodeType="clickEffect">
+                                  <p:stCondLst>
+                                    <p:cond delay="0"/>
+                                  </p:stCondLst>
+                                  <p:childTnLst>
+                                    <p:set>
+                                      <p:cBhvr>
+                                        <p:cTn id="6" dur="1" fill="hold">
+                                          <p:stCondLst>
+                                            <p:cond delay="0"/>
+                                          </p:stCondLst>
+                                        </p:cTn>
+                                        <p:tgtEl>
+                                          <p:spTgt spid="3">
+                                            <p:txEl>
+                                              <p:pRg st="3" end="3"/>
+                                            </p:txEl>
+                                          </p:spTgt>
+                                        </p:tgtEl>
+                                        <p:attrNameLst>
+                                          <p:attrName>style.visibility</p:attrName>
+                                        </p:attrNameLst>
+                                      </p:cBhvr>
+                                      <p:to>
+                                        <p:strVal val="visible"/>
+                                      </p:to>
+                                    </p:set>
+                                  </p:childTnLst>
+                                </p:cTn>
+                              </p:par>
+                              <p:par>
+                                <p:cTn id="7" presetID="1" presetClass="entr" presetSubtype="0" fill="hold" nodeType="withEffect">
+                                  <p:stCondLst>
+                                    <p:cond delay="0"/>
+                                  </p:stCondLst>
+                                  <p:childTnLst>
+                                    <p:set>
+                                      <p:cBhvr>
+                                        <p:cTn id="8" dur="1" fill="hold">
+                                          <p:stCondLst>
+                                            <p:cond delay="0"/>
+                                          </p:stCondLst>
+                                        </p:cTn>
+                                        <p:tgtEl>
+                                          <p:spTgt spid="3">
+                                            <p:txEl>
+                                              <p:pRg st="4" end="4"/>
+                                            </p:txEl>
+                                          </p:spTgt>
+                                        </p:tgtEl>
+                                        <p:attrNameLst>
+                                          <p:attrName>style.visibility</p:attrName>
+                                        </p:attrNameLst>
+                                      </p:cBhvr>
+                                      <p:to>
+                                        <p:strVal val="visible"/>
+                                      </p:to>
+                                    </p:set>
+                                  </p:childTnLst>
+                                </p:cTn>
+                              </p:par>
+                            </p:childTnLst>
+                          </p:cTn>
+                        </p:par>
+                      </p:childTnLst>
+                    </p:cTn>
+                  </p:par>
+                </p:childTnLst>
+              </p:cTn>
+              <p:prevCondLst>
+                <p:cond evt="onPrev" delay="0">
+                  <p:tgtEl>
+                    <p:sldTgt/>
+                  </p:tgtEl>
+                </p:cond>
+              </p:prevCondLst>
+              <p:nextCondLst>
+                <p:cond evt="onNext" delay="0">
+                  <p:tgtEl>
+                    <p:sldTgt/>
+                  </p:tgtEl>
+                </p:cond>
+              </p:nextCondLst>
+            </p:seq>
+          </p:childTnLst>
+        </p:cTn>
+      </p:par>
+    </p:tnLst>
+  </p:timing>
 </p:sld>
 </file>
 
@@ -17430,4 +19537,299 @@
     </a:ext>
   </a:extLst>
 </a:theme>
+</file>
+
+<file path=ppt/theme/theme2.xml><?xml version="1.0" encoding="utf-8"?>
+<a:theme xmlns:a="http://schemas.openxmlformats.org/drawingml/2006/main" name="Office 主题​​">
+  <a:themeElements>
+    <a:clrScheme name="Office">
+      <a:dk1>
+        <a:sysClr val="windowText" lastClr="000000"/>
+      </a:dk1>
+      <a:lt1>
+        <a:sysClr val="window" lastClr="FFFFFF"/>
+      </a:lt1>
+      <a:dk2>
+        <a:srgbClr val="44546A"/>
+      </a:dk2>
+      <a:lt2>
+        <a:srgbClr val="E7E6E6"/>
+      </a:lt2>
+      <a:accent1>
+        <a:srgbClr val="4472C4"/>
+      </a:accent1>
+      <a:accent2>
+        <a:srgbClr val="ED7D31"/>
+      </a:accent2>
+      <a:accent3>
+        <a:srgbClr val="A5A5A5"/>
+      </a:accent3>
+      <a:accent4>
+        <a:srgbClr val="FFC000"/>
+      </a:accent4>
+      <a:accent5>
+        <a:srgbClr val="5B9BD5"/>
+      </a:accent5>
+      <a:accent6>
+        <a:srgbClr val="70AD47"/>
+      </a:accent6>
+      <a:hlink>
+        <a:srgbClr val="0563C1"/>
+      </a:hlink>
+      <a:folHlink>
+        <a:srgbClr val="954F72"/>
+      </a:folHlink>
+    </a:clrScheme>
+    <a:fontScheme name="Office">
+      <a:majorFont>
+        <a:latin typeface="等线 Light" panose="020F0302020204030204"/>
+        <a:ea typeface=""/>
+        <a:cs typeface=""/>
+        <a:font script="Jpan" typeface="游ゴシック Light"/>
+        <a:font script="Hang" typeface="맑은 고딕"/>
+        <a:font script="Hans" typeface="等线 Light"/>
+        <a:font script="Hant" typeface="新細明體"/>
+        <a:font script="Arab" typeface="Times New Roman"/>
+        <a:font script="Hebr" typeface="Times New Roman"/>
+        <a:font script="Thai" typeface="Angsana New"/>
+        <a:font script="Ethi" typeface="Nyala"/>
+        <a:font script="Beng" typeface="Vrinda"/>
+        <a:font script="Gujr" typeface="Shruti"/>
+        <a:font script="Khmr" typeface="MoolBoran"/>
+        <a:font script="Knda" typeface="Tunga"/>
+        <a:font script="Guru" typeface="Raavi"/>
+        <a:font script="Cans" typeface="Euphemia"/>
+        <a:font script="Cher" typeface="Plantagenet Cherokee"/>
+        <a:font script="Yiii" typeface="Microsoft Yi Baiti"/>
+        <a:font script="Tibt" typeface="Microsoft Himalaya"/>
+        <a:font script="Thaa" typeface="MV Boli"/>
+        <a:font script="Deva" typeface="Mangal"/>
+        <a:font script="Telu" typeface="Gautami"/>
+        <a:font script="Taml" typeface="Latha"/>
+        <a:font script="Syrc" typeface="Estrangelo Edessa"/>
+        <a:font script="Orya" typeface="Kalinga"/>
+        <a:font script="Mlym" typeface="Kartika"/>
+        <a:font script="Laoo" typeface="DokChampa"/>
+        <a:font script="Sinh" typeface="Iskoola Pota"/>
+        <a:font script="Mong" typeface="Mongolian Baiti"/>
+        <a:font script="Viet" typeface="Times New Roman"/>
+        <a:font script="Uigh" typeface="Microsoft Uighur"/>
+        <a:font script="Geor" typeface="Sylfaen"/>
+        <a:font script="Armn" typeface="Arial"/>
+        <a:font script="Bugi" typeface="Leelawadee UI"/>
+        <a:font script="Bopo" typeface="Microsoft JhengHei"/>
+        <a:font script="Java" typeface="Javanese Text"/>
+        <a:font script="Lisu" typeface="Segoe UI"/>
+        <a:font script="Mymr" typeface="Myanmar Text"/>
+        <a:font script="Nkoo" typeface="Ebrima"/>
+        <a:font script="Olck" typeface="Nirmala UI"/>
+        <a:font script="Osma" typeface="Ebrima"/>
+        <a:font script="Phag" typeface="Phagspa"/>
+        <a:font script="Syrn" typeface="Estrangelo Edessa"/>
+        <a:font script="Syrj" typeface="Estrangelo Edessa"/>
+        <a:font script="Syre" typeface="Estrangelo Edessa"/>
+        <a:font script="Sora" typeface="Nirmala UI"/>
+        <a:font script="Tale" typeface="Microsoft Tai Le"/>
+        <a:font script="Talu" typeface="Microsoft New Tai Lue"/>
+        <a:font script="Tfng" typeface="Ebrima"/>
+      </a:majorFont>
+      <a:minorFont>
+        <a:latin typeface="等线" panose="020F0502020204030204"/>
+        <a:ea typeface=""/>
+        <a:cs typeface=""/>
+        <a:font script="Jpan" typeface="游ゴシック"/>
+        <a:font script="Hang" typeface="맑은 고딕"/>
+        <a:font script="Hans" typeface="等线"/>
+        <a:font script="Hant" typeface="新細明體"/>
+        <a:font script="Arab" typeface="Arial"/>
+        <a:font script="Hebr" typeface="Arial"/>
+        <a:font script="Thai" typeface="Cordia New"/>
+        <a:font script="Ethi" typeface="Nyala"/>
+        <a:font script="Beng" typeface="Vrinda"/>
+        <a:font script="Gujr" typeface="Shruti"/>
+        <a:font script="Khmr" typeface="DaunPenh"/>
+        <a:font script="Knda" typeface="Tunga"/>
+        <a:font script="Guru" typeface="Raavi"/>
+        <a:font script="Cans" typeface="Euphemia"/>
+        <a:font script="Cher" typeface="Plantagenet Cherokee"/>
+        <a:font script="Yiii" typeface="Microsoft Yi Baiti"/>
+        <a:font script="Tibt" typeface="Microsoft Himalaya"/>
+        <a:font script="Thaa" typeface="MV Boli"/>
+        <a:font script="Deva" typeface="Mangal"/>
+        <a:font script="Telu" typeface="Gautami"/>
+        <a:font script="Taml" typeface="Latha"/>
+        <a:font script="Syrc" typeface="Estrangelo Edessa"/>
+        <a:font script="Orya" typeface="Kalinga"/>
+        <a:font script="Mlym" typeface="Kartika"/>
+        <a:font script="Laoo" typeface="DokChampa"/>
+        <a:font script="Sinh" typeface="Iskoola Pota"/>
+        <a:font script="Mong" typeface="Mongolian Baiti"/>
+        <a:font script="Viet" typeface="Arial"/>
+        <a:font script="Uigh" typeface="Microsoft Uighur"/>
+        <a:font script="Geor" typeface="Sylfaen"/>
+        <a:font script="Armn" typeface="Arial"/>
+        <a:font script="Bugi" typeface="Leelawadee UI"/>
+        <a:font script="Bopo" typeface="Microsoft JhengHei"/>
+        <a:font script="Java" typeface="Javanese Text"/>
+        <a:font script="Lisu" typeface="Segoe UI"/>
+        <a:font script="Mymr" typeface="Myanmar Text"/>
+        <a:font script="Nkoo" typeface="Ebrima"/>
+        <a:font script="Olck" typeface="Nirmala UI"/>
+        <a:font script="Osma" typeface="Ebrima"/>
+        <a:font script="Phag" typeface="Phagspa"/>
+        <a:font script="Syrn" typeface="Estrangelo Edessa"/>
+        <a:font script="Syrj" typeface="Estrangelo Edessa"/>
+        <a:font script="Syre" typeface="Estrangelo Edessa"/>
+        <a:font script="Sora" typeface="Nirmala UI"/>
+        <a:font script="Tale" typeface="Microsoft Tai Le"/>
+        <a:font script="Talu" typeface="Microsoft New Tai Lue"/>
+        <a:font script="Tfng" typeface="Ebrima"/>
+      </a:minorFont>
+    </a:fontScheme>
+    <a:fmtScheme name="Office">
+      <a:fillStyleLst>
+        <a:solidFill>
+          <a:schemeClr val="phClr"/>
+        </a:solidFill>
+        <a:gradFill rotWithShape="1">
+          <a:gsLst>
+            <a:gs pos="0">
+              <a:schemeClr val="phClr">
+                <a:lumMod val="110000"/>
+                <a:satMod val="105000"/>
+                <a:tint val="67000"/>
+              </a:schemeClr>
+            </a:gs>
+            <a:gs pos="50000">
+              <a:schemeClr val="phClr">
+                <a:lumMod val="105000"/>
+                <a:satMod val="103000"/>
+                <a:tint val="73000"/>
+              </a:schemeClr>
+            </a:gs>
+            <a:gs pos="100000">
+              <a:schemeClr val="phClr">
+                <a:lumMod val="105000"/>
+                <a:satMod val="109000"/>
+                <a:tint val="81000"/>
+              </a:schemeClr>
+            </a:gs>
+          </a:gsLst>
+          <a:lin ang="5400000" scaled="0"/>
+        </a:gradFill>
+        <a:gradFill rotWithShape="1">
+          <a:gsLst>
+            <a:gs pos="0">
+              <a:schemeClr val="phClr">
+                <a:satMod val="103000"/>
+                <a:lumMod val="102000"/>
+                <a:tint val="94000"/>
+              </a:schemeClr>
+            </a:gs>
+            <a:gs pos="50000">
+              <a:schemeClr val="phClr">
+                <a:satMod val="110000"/>
+                <a:lumMod val="100000"/>
+                <a:shade val="100000"/>
+              </a:schemeClr>
+            </a:gs>
+            <a:gs pos="100000">
+              <a:schemeClr val="phClr">
+                <a:lumMod val="99000"/>
+                <a:satMod val="120000"/>
+                <a:shade val="78000"/>
+              </a:schemeClr>
+            </a:gs>
+          </a:gsLst>
+          <a:lin ang="5400000" scaled="0"/>
+        </a:gradFill>
+      </a:fillStyleLst>
+      <a:lnStyleLst>
+        <a:ln w="6350" cap="flat" cmpd="sng" algn="ctr">
+          <a:solidFill>
+            <a:schemeClr val="phClr"/>
+          </a:solidFill>
+          <a:prstDash val="solid"/>
+          <a:miter lim="800000"/>
+        </a:ln>
+        <a:ln w="12700" cap="flat" cmpd="sng" algn="ctr">
+          <a:solidFill>
+            <a:schemeClr val="phClr"/>
+          </a:solidFill>
+          <a:prstDash val="solid"/>
+          <a:miter lim="800000"/>
+        </a:ln>
+        <a:ln w="19050" cap="flat" cmpd="sng" algn="ctr">
+          <a:solidFill>
+            <a:schemeClr val="phClr"/>
+          </a:solidFill>
+          <a:prstDash val="solid"/>
+          <a:miter lim="800000"/>
+        </a:ln>
+      </a:lnStyleLst>
+      <a:effectStyleLst>
+        <a:effectStyle>
+          <a:effectLst/>
+        </a:effectStyle>
+        <a:effectStyle>
+          <a:effectLst/>
+        </a:effectStyle>
+        <a:effectStyle>
+          <a:effectLst>
+            <a:outerShdw blurRad="57150" dist="19050" dir="5400000" algn="ctr" rotWithShape="0">
+              <a:srgbClr val="000000">
+                <a:alpha val="63000"/>
+              </a:srgbClr>
+            </a:outerShdw>
+          </a:effectLst>
+        </a:effectStyle>
+      </a:effectStyleLst>
+      <a:bgFillStyleLst>
+        <a:solidFill>
+          <a:schemeClr val="phClr"/>
+        </a:solidFill>
+        <a:solidFill>
+          <a:schemeClr val="phClr">
+            <a:tint val="95000"/>
+            <a:satMod val="170000"/>
+          </a:schemeClr>
+        </a:solidFill>
+        <a:gradFill rotWithShape="1">
+          <a:gsLst>
+            <a:gs pos="0">
+              <a:schemeClr val="phClr">
+                <a:tint val="93000"/>
+                <a:satMod val="150000"/>
+                <a:shade val="98000"/>
+                <a:lumMod val="102000"/>
+              </a:schemeClr>
+            </a:gs>
+            <a:gs pos="50000">
+              <a:schemeClr val="phClr">
+                <a:tint val="98000"/>
+                <a:satMod val="130000"/>
+                <a:shade val="90000"/>
+                <a:lumMod val="103000"/>
+              </a:schemeClr>
+            </a:gs>
+            <a:gs pos="100000">
+              <a:schemeClr val="phClr">
+                <a:shade val="63000"/>
+                <a:satMod val="120000"/>
+              </a:schemeClr>
+            </a:gs>
+          </a:gsLst>
+          <a:lin ang="5400000" scaled="0"/>
+        </a:gradFill>
+      </a:bgFillStyleLst>
+    </a:fmtScheme>
+  </a:themeElements>
+  <a:objectDefaults/>
+  <a:extraClrSchemeLst/>
+  <a:extLst>
+    <a:ext uri="{05A4C25C-085E-4340-85A3-A5531E510DB2}">
+      <thm15:themeFamily xmlns:thm15="http://schemas.microsoft.com/office/thememl/2012/main" name="Office Theme" id="{62F939B6-93AF-4DB8-9C6B-D6C7DFDC589F}" vid="{4A3C46E8-61CC-4603-A589-7422A47A8E4A}"/>
+    </a:ext>
+  </a:extLst>
+</a:theme>
 </file>
--- a/week03/Lecture03.pptx
+++ b/week03/Lecture03.pptx
@@ -224,7 +224,7 @@
           <a:p>
             <a:fld id="{634F3F22-B4BB-3F48-9180-464A9F2D66D1}" type="datetimeFigureOut">
               <a:rPr kumimoji="1" lang="zh-CN" altLang="en-US" smtClean="0"/>
-              <a:t>2021/9/16</a:t>
+              <a:t>2022/9/14</a:t>
             </a:fld>
             <a:endParaRPr kumimoji="1" lang="zh-CN" altLang="en-US"/>
           </a:p>
@@ -704,7 +704,7 @@
           <a:p>
             <a:fld id="{FC19A4FA-3D9A-4114-B0D5-759CBD56F1AB}" type="datetimeFigureOut">
               <a:rPr lang="zh-CN" altLang="en-US" smtClean="0"/>
-              <a:t>2021/9/16</a:t>
+              <a:t>2022/9/14</a:t>
             </a:fld>
             <a:endParaRPr lang="zh-CN" altLang="en-US"/>
           </a:p>
@@ -907,7 +907,7 @@
           <a:p>
             <a:fld id="{FC19A4FA-3D9A-4114-B0D5-759CBD56F1AB}" type="datetimeFigureOut">
               <a:rPr lang="zh-CN" altLang="en-US" smtClean="0"/>
-              <a:t>2021/9/16</a:t>
+              <a:t>2022/9/14</a:t>
             </a:fld>
             <a:endParaRPr lang="zh-CN" altLang="en-US"/>
           </a:p>
@@ -1085,7 +1085,7 @@
           <a:p>
             <a:fld id="{FC19A4FA-3D9A-4114-B0D5-759CBD56F1AB}" type="datetimeFigureOut">
               <a:rPr lang="zh-CN" altLang="en-US" smtClean="0"/>
-              <a:t>2021/9/16</a:t>
+              <a:t>2022/9/14</a:t>
             </a:fld>
             <a:endParaRPr lang="zh-CN" altLang="en-US"/>
           </a:p>
@@ -1309,7 +1309,7 @@
           <a:p>
             <a:fld id="{FC19A4FA-3D9A-4114-B0D5-759CBD56F1AB}" type="datetimeFigureOut">
               <a:rPr lang="zh-CN" altLang="en-US" smtClean="0"/>
-              <a:t>2021/9/16</a:t>
+              <a:t>2022/9/14</a:t>
             </a:fld>
             <a:endParaRPr lang="zh-CN" altLang="en-US"/>
           </a:p>
@@ -1543,7 +1543,7 @@
           <a:p>
             <a:fld id="{FC19A4FA-3D9A-4114-B0D5-759CBD56F1AB}" type="datetimeFigureOut">
               <a:rPr lang="zh-CN" altLang="en-US" smtClean="0"/>
-              <a:t>2021/9/16</a:t>
+              <a:t>2022/9/14</a:t>
             </a:fld>
             <a:endParaRPr lang="zh-CN" altLang="en-US"/>
           </a:p>
@@ -1942,7 +1942,7 @@
           <a:p>
             <a:fld id="{FC19A4FA-3D9A-4114-B0D5-759CBD56F1AB}" type="datetimeFigureOut">
               <a:rPr lang="zh-CN" altLang="en-US" smtClean="0"/>
-              <a:t>2021/9/16</a:t>
+              <a:t>2022/9/14</a:t>
             </a:fld>
             <a:endParaRPr lang="zh-CN" altLang="en-US"/>
           </a:p>
@@ -2222,7 +2222,7 @@
           <a:p>
             <a:fld id="{FC19A4FA-3D9A-4114-B0D5-759CBD56F1AB}" type="datetimeFigureOut">
               <a:rPr lang="zh-CN" altLang="en-US" smtClean="0"/>
-              <a:t>2021/9/16</a:t>
+              <a:t>2022/9/14</a:t>
             </a:fld>
             <a:endParaRPr lang="zh-CN" altLang="en-US"/>
           </a:p>
@@ -2374,7 +2374,7 @@
           <a:p>
             <a:fld id="{FC19A4FA-3D9A-4114-B0D5-759CBD56F1AB}" type="datetimeFigureOut">
               <a:rPr lang="zh-CN" altLang="en-US" smtClean="0"/>
-              <a:t>2021/9/16</a:t>
+              <a:t>2022/9/14</a:t>
             </a:fld>
             <a:endParaRPr lang="zh-CN" altLang="en-US"/>
           </a:p>
@@ -2504,7 +2504,7 @@
           <a:p>
             <a:fld id="{FC19A4FA-3D9A-4114-B0D5-759CBD56F1AB}" type="datetimeFigureOut">
               <a:rPr lang="zh-CN" altLang="en-US" smtClean="0"/>
-              <a:t>2021/9/16</a:t>
+              <a:t>2022/9/14</a:t>
             </a:fld>
             <a:endParaRPr lang="zh-CN" altLang="en-US"/>
           </a:p>
@@ -2814,7 +2814,7 @@
           <a:p>
             <a:fld id="{FC19A4FA-3D9A-4114-B0D5-759CBD56F1AB}" type="datetimeFigureOut">
               <a:rPr lang="zh-CN" altLang="en-US" smtClean="0"/>
-              <a:t>2021/9/16</a:t>
+              <a:t>2022/9/14</a:t>
             </a:fld>
             <a:endParaRPr lang="zh-CN" altLang="en-US"/>
           </a:p>
@@ -3101,7 +3101,7 @@
           <a:p>
             <a:fld id="{FC19A4FA-3D9A-4114-B0D5-759CBD56F1AB}" type="datetimeFigureOut">
               <a:rPr lang="zh-CN" altLang="en-US" smtClean="0"/>
-              <a:t>2021/9/16</a:t>
+              <a:t>2022/9/14</a:t>
             </a:fld>
             <a:endParaRPr lang="zh-CN" altLang="en-US"/>
           </a:p>
@@ -3394,7 +3394,7 @@
           <a:p>
             <a:fld id="{FC19A4FA-3D9A-4114-B0D5-759CBD56F1AB}" type="datetimeFigureOut">
               <a:rPr lang="zh-CN" altLang="en-US" smtClean="0"/>
-              <a:t>2021/9/16</a:t>
+              <a:t>2022/9/14</a:t>
             </a:fld>
             <a:endParaRPr lang="zh-CN" altLang="en-US"/>
           </a:p>
@@ -4344,7 +4344,7 @@
                 </a:solidFill>
                 <a:latin typeface="Menlo" panose="020B0609030804020204" pitchFamily="49" charset="0"/>
               </a:rPr>
-              <a:t>(!-</a:t>
+              <a:t>(not -</a:t>
             </a:r>
             <a:r>
               <a:rPr lang="en" altLang="zh-CN" sz="2000" dirty="0">
@@ -4489,7 +4489,7 @@
           <p:nvPr>
             <p:extLst>
               <p:ext uri="{D42A27DB-BD31-4B8C-83A1-F6EECF244321}">
-                <p14:modId xmlns:p14="http://schemas.microsoft.com/office/powerpoint/2010/main" val="840706863"/>
+                <p14:modId xmlns:p14="http://schemas.microsoft.com/office/powerpoint/2010/main" val="1169388078"/>
               </p:ext>
             </p:extLst>
           </p:nvPr>
@@ -4652,10 +4652,16 @@
                     <a:p>
                       <a:pPr algn="ctr"/>
                       <a:r>
+                        <a:rPr lang="en" b="1">
+                          <a:effectLst/>
+                        </a:rPr>
+                        <a:t>Keyword-like </a:t>
+                      </a:r>
+                      <a:r>
                         <a:rPr lang="en" b="1" dirty="0">
                           <a:effectLst/>
                         </a:rPr>
-                        <a:t>Keywork like operator</a:t>
+                        <a:t>operator</a:t>
                       </a:r>
                     </a:p>
                   </a:txBody>
@@ -13818,7 +13824,7 @@
         <p:spPr>
           <a:xfrm>
             <a:off x="207257" y="2314545"/>
-            <a:ext cx="1261884" cy="400110"/>
+            <a:ext cx="1415772" cy="400110"/>
           </a:xfrm>
           <a:prstGeom prst="rect">
             <a:avLst/>
@@ -13843,7 +13849,7 @@
                 </a:highlight>
                 <a:latin typeface="Menlo" panose="020B0609030804020204" pitchFamily="49" charset="0"/>
               </a:rPr>
-              <a:t>for.cpp</a:t>
+              <a:t>goto.cpp</a:t>
             </a:r>
             <a:endParaRPr lang="zh-CN" altLang="en-US" sz="2000" dirty="0">
               <a:solidFill>
@@ -16622,328 +16628,8 @@
         </p:nvSpPr>
         <p:spPr>
           <a:xfrm>
-            <a:off x="1115505" y="1907193"/>
-            <a:ext cx="6096000" cy="2308324"/>
-          </a:xfrm>
-          <a:prstGeom prst="rect">
-            <a:avLst/>
-          </a:prstGeom>
-          <a:ln>
-            <a:solidFill>
-              <a:schemeClr val="accent1">
-                <a:shade val="50000"/>
-              </a:schemeClr>
-            </a:solidFill>
-          </a:ln>
-        </p:spPr>
-        <p:txBody>
-          <a:bodyPr>
-            <a:spAutoFit/>
-          </a:bodyPr>
-          <a:lstStyle/>
-          <a:p>
-            <a:r>
-              <a:rPr lang="en" altLang="zh-CN" dirty="0">
-                <a:solidFill>
-                  <a:srgbClr val="0000FF"/>
-                </a:solidFill>
-                <a:latin typeface="Menlo" panose="020B0609030804020204" pitchFamily="49" charset="0"/>
-              </a:rPr>
-              <a:t>bool</a:t>
-            </a:r>
-            <a:r>
-              <a:rPr lang="en" altLang="zh-CN" dirty="0">
-                <a:solidFill>
-                  <a:srgbClr val="000000"/>
-                </a:solidFill>
-                <a:latin typeface="Menlo" panose="020B0609030804020204" pitchFamily="49" charset="0"/>
-              </a:rPr>
-              <a:t> </a:t>
-            </a:r>
-            <a:r>
-              <a:rPr lang="en" altLang="zh-CN" dirty="0" err="1">
-                <a:solidFill>
-                  <a:srgbClr val="001080"/>
-                </a:solidFill>
-                <a:latin typeface="Menlo" panose="020B0609030804020204" pitchFamily="49" charset="0"/>
-              </a:rPr>
-              <a:t>isPositive</a:t>
-            </a:r>
-            <a:r>
-              <a:rPr lang="en" altLang="zh-CN" dirty="0">
-                <a:solidFill>
-                  <a:srgbClr val="000000"/>
-                </a:solidFill>
-                <a:latin typeface="Menlo" panose="020B0609030804020204" pitchFamily="49" charset="0"/>
-              </a:rPr>
-              <a:t> = </a:t>
-            </a:r>
-            <a:r>
-              <a:rPr lang="en" altLang="zh-CN" dirty="0">
-                <a:solidFill>
-                  <a:srgbClr val="0000FF"/>
-                </a:solidFill>
-                <a:latin typeface="Menlo" panose="020B0609030804020204" pitchFamily="49" charset="0"/>
-              </a:rPr>
-              <a:t>true</a:t>
-            </a:r>
-            <a:r>
-              <a:rPr lang="en" altLang="zh-CN" dirty="0">
-                <a:solidFill>
-                  <a:srgbClr val="000000"/>
-                </a:solidFill>
-                <a:latin typeface="Menlo" panose="020B0609030804020204" pitchFamily="49" charset="0"/>
-              </a:rPr>
-              <a:t>;</a:t>
-            </a:r>
-          </a:p>
-          <a:p>
-            <a:r>
-              <a:rPr lang="en" altLang="zh-CN" dirty="0">
-                <a:solidFill>
-                  <a:srgbClr val="0000FF"/>
-                </a:solidFill>
-                <a:latin typeface="Menlo" panose="020B0609030804020204" pitchFamily="49" charset="0"/>
-              </a:rPr>
-              <a:t>int</a:t>
-            </a:r>
-            <a:r>
-              <a:rPr lang="en" altLang="zh-CN" dirty="0">
-                <a:solidFill>
-                  <a:srgbClr val="000000"/>
-                </a:solidFill>
-                <a:latin typeface="Menlo" panose="020B0609030804020204" pitchFamily="49" charset="0"/>
-              </a:rPr>
-              <a:t> </a:t>
-            </a:r>
-            <a:r>
-              <a:rPr lang="en" altLang="zh-CN" dirty="0">
-                <a:solidFill>
-                  <a:srgbClr val="001080"/>
-                </a:solidFill>
-                <a:latin typeface="Menlo" panose="020B0609030804020204" pitchFamily="49" charset="0"/>
-              </a:rPr>
-              <a:t>factor</a:t>
-            </a:r>
-            <a:r>
-              <a:rPr lang="en" altLang="zh-CN" dirty="0">
-                <a:solidFill>
-                  <a:srgbClr val="000000"/>
-                </a:solidFill>
-                <a:latin typeface="Menlo" panose="020B0609030804020204" pitchFamily="49" charset="0"/>
-              </a:rPr>
-              <a:t> = </a:t>
-            </a:r>
-            <a:r>
-              <a:rPr lang="en" altLang="zh-CN" dirty="0">
-                <a:solidFill>
-                  <a:srgbClr val="098658"/>
-                </a:solidFill>
-                <a:latin typeface="Menlo" panose="020B0609030804020204" pitchFamily="49" charset="0"/>
-              </a:rPr>
-              <a:t>0</a:t>
-            </a:r>
-            <a:r>
-              <a:rPr lang="en" altLang="zh-CN" dirty="0">
-                <a:solidFill>
-                  <a:srgbClr val="000000"/>
-                </a:solidFill>
-                <a:latin typeface="Menlo" panose="020B0609030804020204" pitchFamily="49" charset="0"/>
-              </a:rPr>
-              <a:t>;</a:t>
-            </a:r>
-          </a:p>
-          <a:p>
-            <a:r>
-              <a:rPr lang="en" altLang="zh-CN" dirty="0">
-                <a:solidFill>
-                  <a:srgbClr val="008000"/>
-                </a:solidFill>
-                <a:latin typeface="Menlo" panose="020B0609030804020204" pitchFamily="49" charset="0"/>
-              </a:rPr>
-              <a:t>//some operations may change </a:t>
-            </a:r>
-            <a:r>
-              <a:rPr lang="en" altLang="zh-CN" dirty="0" err="1">
-                <a:solidFill>
-                  <a:srgbClr val="008000"/>
-                </a:solidFill>
-                <a:latin typeface="Menlo" panose="020B0609030804020204" pitchFamily="49" charset="0"/>
-              </a:rPr>
-              <a:t>isPositive's</a:t>
-            </a:r>
-            <a:r>
-              <a:rPr lang="en" altLang="zh-CN" dirty="0">
-                <a:solidFill>
-                  <a:srgbClr val="008000"/>
-                </a:solidFill>
-                <a:latin typeface="Menlo" panose="020B0609030804020204" pitchFamily="49" charset="0"/>
-              </a:rPr>
-              <a:t> value</a:t>
-            </a:r>
-            <a:endParaRPr lang="en" altLang="zh-CN" dirty="0">
-              <a:solidFill>
-                <a:srgbClr val="000000"/>
-              </a:solidFill>
-              <a:latin typeface="Menlo" panose="020B0609030804020204" pitchFamily="49" charset="0"/>
-            </a:endParaRPr>
-          </a:p>
-          <a:p>
-            <a:r>
-              <a:rPr lang="en" altLang="zh-CN" dirty="0">
-                <a:solidFill>
-                  <a:srgbClr val="AF00DB"/>
-                </a:solidFill>
-                <a:latin typeface="Menlo" panose="020B0609030804020204" pitchFamily="49" charset="0"/>
-              </a:rPr>
-              <a:t>if</a:t>
-            </a:r>
-            <a:r>
-              <a:rPr lang="en" altLang="zh-CN" dirty="0">
-                <a:solidFill>
-                  <a:srgbClr val="000000"/>
-                </a:solidFill>
-                <a:latin typeface="Menlo" panose="020B0609030804020204" pitchFamily="49" charset="0"/>
-              </a:rPr>
-              <a:t>(</a:t>
-            </a:r>
-            <a:r>
-              <a:rPr lang="en" altLang="zh-CN" dirty="0" err="1">
-                <a:solidFill>
-                  <a:srgbClr val="001080"/>
-                </a:solidFill>
-                <a:latin typeface="Menlo" panose="020B0609030804020204" pitchFamily="49" charset="0"/>
-              </a:rPr>
-              <a:t>isPositive</a:t>
-            </a:r>
-            <a:r>
-              <a:rPr lang="en" altLang="zh-CN" dirty="0">
-                <a:solidFill>
-                  <a:srgbClr val="000000"/>
-                </a:solidFill>
-                <a:latin typeface="Menlo" panose="020B0609030804020204" pitchFamily="49" charset="0"/>
-              </a:rPr>
-              <a:t>)</a:t>
-            </a:r>
-          </a:p>
-          <a:p>
-            <a:r>
-              <a:rPr lang="en" altLang="zh-CN" dirty="0">
-                <a:solidFill>
-                  <a:srgbClr val="001080"/>
-                </a:solidFill>
-                <a:latin typeface="Menlo" panose="020B0609030804020204" pitchFamily="49" charset="0"/>
-              </a:rPr>
-              <a:t>    factor</a:t>
-            </a:r>
-            <a:r>
-              <a:rPr lang="en" altLang="zh-CN" dirty="0">
-                <a:solidFill>
-                  <a:srgbClr val="000000"/>
-                </a:solidFill>
-                <a:latin typeface="Menlo" panose="020B0609030804020204" pitchFamily="49" charset="0"/>
-              </a:rPr>
-              <a:t> = </a:t>
-            </a:r>
-            <a:r>
-              <a:rPr lang="en" altLang="zh-CN" dirty="0">
-                <a:solidFill>
-                  <a:srgbClr val="098658"/>
-                </a:solidFill>
-                <a:latin typeface="Menlo" panose="020B0609030804020204" pitchFamily="49" charset="0"/>
-              </a:rPr>
-              <a:t>1</a:t>
-            </a:r>
-            <a:r>
-              <a:rPr lang="en" altLang="zh-CN" dirty="0">
-                <a:solidFill>
-                  <a:srgbClr val="000000"/>
-                </a:solidFill>
-                <a:latin typeface="Menlo" panose="020B0609030804020204" pitchFamily="49" charset="0"/>
-              </a:rPr>
-              <a:t>;</a:t>
-            </a:r>
-          </a:p>
-          <a:p>
-            <a:r>
-              <a:rPr lang="en" altLang="zh-CN" dirty="0">
-                <a:solidFill>
-                  <a:srgbClr val="AF00DB"/>
-                </a:solidFill>
-                <a:latin typeface="Menlo" panose="020B0609030804020204" pitchFamily="49" charset="0"/>
-              </a:rPr>
-              <a:t>else</a:t>
-            </a:r>
-            <a:endParaRPr lang="en" altLang="zh-CN" dirty="0">
-              <a:solidFill>
-                <a:srgbClr val="000000"/>
-              </a:solidFill>
-              <a:latin typeface="Menlo" panose="020B0609030804020204" pitchFamily="49" charset="0"/>
-            </a:endParaRPr>
-          </a:p>
-          <a:p>
-            <a:r>
-              <a:rPr lang="en" altLang="zh-CN" dirty="0">
-                <a:solidFill>
-                  <a:srgbClr val="001080"/>
-                </a:solidFill>
-                <a:latin typeface="Menlo" panose="020B0609030804020204" pitchFamily="49" charset="0"/>
-              </a:rPr>
-              <a:t>    factor</a:t>
-            </a:r>
-            <a:r>
-              <a:rPr lang="en" altLang="zh-CN" dirty="0">
-                <a:solidFill>
-                  <a:srgbClr val="000000"/>
-                </a:solidFill>
-                <a:latin typeface="Menlo" panose="020B0609030804020204" pitchFamily="49" charset="0"/>
-              </a:rPr>
-              <a:t> = -</a:t>
-            </a:r>
-            <a:r>
-              <a:rPr lang="en" altLang="zh-CN" dirty="0">
-                <a:solidFill>
-                  <a:srgbClr val="098658"/>
-                </a:solidFill>
-                <a:latin typeface="Menlo" panose="020B0609030804020204" pitchFamily="49" charset="0"/>
-              </a:rPr>
-              <a:t>1</a:t>
-            </a:r>
-            <a:r>
-              <a:rPr lang="en" altLang="zh-CN" dirty="0">
-                <a:solidFill>
-                  <a:srgbClr val="000000"/>
-                </a:solidFill>
-                <a:latin typeface="Menlo" panose="020B0609030804020204" pitchFamily="49" charset="0"/>
-              </a:rPr>
-              <a:t>;</a:t>
-            </a:r>
-            <a:endParaRPr lang="en" altLang="zh-CN" b="0" dirty="0">
-              <a:solidFill>
-                <a:srgbClr val="000000"/>
-              </a:solidFill>
-              <a:effectLst/>
-              <a:latin typeface="Menlo" panose="020B0609030804020204" pitchFamily="49" charset="0"/>
-            </a:endParaRPr>
-          </a:p>
-        </p:txBody>
-      </p:sp>
-      <p:sp>
-        <p:nvSpPr>
-          <p:cNvPr id="5" name="矩形 4">
-            <a:extLst>
-              <a:ext uri="{FF2B5EF4-FFF2-40B4-BE49-F238E27FC236}">
-                <a16:creationId xmlns:a16="http://schemas.microsoft.com/office/drawing/2014/main" id="{9B0A5B86-AF15-1542-B13B-10F8B85B921D}"/>
-              </a:ext>
-            </a:extLst>
-          </p:cNvPr>
-          <p:cNvSpPr/>
-          <p:nvPr/>
-        </p:nvSpPr>
-        <p:spPr>
-          <a:xfrm>
-            <a:off x="1115504" y="4842776"/>
-            <a:ext cx="6096000" cy="369332"/>
+            <a:off x="1115504" y="1907193"/>
+            <a:ext cx="6891357" cy="2031325"/>
           </a:xfrm>
           <a:prstGeom prst="rect">
             <a:avLst/>
@@ -16965,6 +16651,326 @@
             <a:r>
               <a:rPr lang="en" altLang="zh-CN" dirty="0">
                 <a:solidFill>
+                  <a:srgbClr val="0000FF"/>
+                </a:solidFill>
+                <a:latin typeface="Menlo" panose="020B0609030804020204" pitchFamily="49" charset="0"/>
+              </a:rPr>
+              <a:t>bool</a:t>
+            </a:r>
+            <a:r>
+              <a:rPr lang="en" altLang="zh-CN" dirty="0">
+                <a:solidFill>
+                  <a:srgbClr val="000000"/>
+                </a:solidFill>
+                <a:latin typeface="Menlo" panose="020B0609030804020204" pitchFamily="49" charset="0"/>
+              </a:rPr>
+              <a:t> </a:t>
+            </a:r>
+            <a:r>
+              <a:rPr lang="en" altLang="zh-CN" dirty="0" err="1">
+                <a:solidFill>
+                  <a:srgbClr val="001080"/>
+                </a:solidFill>
+                <a:latin typeface="Menlo" panose="020B0609030804020204" pitchFamily="49" charset="0"/>
+              </a:rPr>
+              <a:t>isPositive</a:t>
+            </a:r>
+            <a:r>
+              <a:rPr lang="en" altLang="zh-CN" dirty="0">
+                <a:solidFill>
+                  <a:srgbClr val="000000"/>
+                </a:solidFill>
+                <a:latin typeface="Menlo" panose="020B0609030804020204" pitchFamily="49" charset="0"/>
+              </a:rPr>
+              <a:t> = </a:t>
+            </a:r>
+            <a:r>
+              <a:rPr lang="en" altLang="zh-CN" dirty="0">
+                <a:solidFill>
+                  <a:srgbClr val="0000FF"/>
+                </a:solidFill>
+                <a:latin typeface="Menlo" panose="020B0609030804020204" pitchFamily="49" charset="0"/>
+              </a:rPr>
+              <a:t>true</a:t>
+            </a:r>
+            <a:r>
+              <a:rPr lang="en" altLang="zh-CN" dirty="0">
+                <a:solidFill>
+                  <a:srgbClr val="000000"/>
+                </a:solidFill>
+                <a:latin typeface="Menlo" panose="020B0609030804020204" pitchFamily="49" charset="0"/>
+              </a:rPr>
+              <a:t>;</a:t>
+            </a:r>
+          </a:p>
+          <a:p>
+            <a:r>
+              <a:rPr lang="en" altLang="zh-CN" dirty="0">
+                <a:solidFill>
+                  <a:srgbClr val="0000FF"/>
+                </a:solidFill>
+                <a:latin typeface="Menlo" panose="020B0609030804020204" pitchFamily="49" charset="0"/>
+              </a:rPr>
+              <a:t>int</a:t>
+            </a:r>
+            <a:r>
+              <a:rPr lang="en" altLang="zh-CN" dirty="0">
+                <a:solidFill>
+                  <a:srgbClr val="000000"/>
+                </a:solidFill>
+                <a:latin typeface="Menlo" panose="020B0609030804020204" pitchFamily="49" charset="0"/>
+              </a:rPr>
+              <a:t> </a:t>
+            </a:r>
+            <a:r>
+              <a:rPr lang="en" altLang="zh-CN" dirty="0">
+                <a:solidFill>
+                  <a:srgbClr val="001080"/>
+                </a:solidFill>
+                <a:latin typeface="Menlo" panose="020B0609030804020204" pitchFamily="49" charset="0"/>
+              </a:rPr>
+              <a:t>factor</a:t>
+            </a:r>
+            <a:r>
+              <a:rPr lang="en" altLang="zh-CN" dirty="0">
+                <a:solidFill>
+                  <a:srgbClr val="000000"/>
+                </a:solidFill>
+                <a:latin typeface="Menlo" panose="020B0609030804020204" pitchFamily="49" charset="0"/>
+              </a:rPr>
+              <a:t> = </a:t>
+            </a:r>
+            <a:r>
+              <a:rPr lang="en" altLang="zh-CN" dirty="0">
+                <a:solidFill>
+                  <a:srgbClr val="098658"/>
+                </a:solidFill>
+                <a:latin typeface="Menlo" panose="020B0609030804020204" pitchFamily="49" charset="0"/>
+              </a:rPr>
+              <a:t>0</a:t>
+            </a:r>
+            <a:r>
+              <a:rPr lang="en" altLang="zh-CN" dirty="0">
+                <a:solidFill>
+                  <a:srgbClr val="000000"/>
+                </a:solidFill>
+                <a:latin typeface="Menlo" panose="020B0609030804020204" pitchFamily="49" charset="0"/>
+              </a:rPr>
+              <a:t>;</a:t>
+            </a:r>
+          </a:p>
+          <a:p>
+            <a:r>
+              <a:rPr lang="en" altLang="zh-CN" dirty="0">
+                <a:solidFill>
+                  <a:srgbClr val="008000"/>
+                </a:solidFill>
+                <a:latin typeface="Menlo" panose="020B0609030804020204" pitchFamily="49" charset="0"/>
+              </a:rPr>
+              <a:t>//some operations may change </a:t>
+            </a:r>
+            <a:r>
+              <a:rPr lang="en" altLang="zh-CN" dirty="0" err="1">
+                <a:solidFill>
+                  <a:srgbClr val="008000"/>
+                </a:solidFill>
+                <a:latin typeface="Menlo" panose="020B0609030804020204" pitchFamily="49" charset="0"/>
+              </a:rPr>
+              <a:t>isPositive's</a:t>
+            </a:r>
+            <a:r>
+              <a:rPr lang="en" altLang="zh-CN" dirty="0">
+                <a:solidFill>
+                  <a:srgbClr val="008000"/>
+                </a:solidFill>
+                <a:latin typeface="Menlo" panose="020B0609030804020204" pitchFamily="49" charset="0"/>
+              </a:rPr>
+              <a:t> value</a:t>
+            </a:r>
+            <a:endParaRPr lang="en" altLang="zh-CN" dirty="0">
+              <a:solidFill>
+                <a:srgbClr val="000000"/>
+              </a:solidFill>
+              <a:latin typeface="Menlo" panose="020B0609030804020204" pitchFamily="49" charset="0"/>
+            </a:endParaRPr>
+          </a:p>
+          <a:p>
+            <a:r>
+              <a:rPr lang="en" altLang="zh-CN" dirty="0">
+                <a:solidFill>
+                  <a:srgbClr val="AF00DB"/>
+                </a:solidFill>
+                <a:latin typeface="Menlo" panose="020B0609030804020204" pitchFamily="49" charset="0"/>
+              </a:rPr>
+              <a:t>if</a:t>
+            </a:r>
+            <a:r>
+              <a:rPr lang="en" altLang="zh-CN" dirty="0">
+                <a:solidFill>
+                  <a:srgbClr val="000000"/>
+                </a:solidFill>
+                <a:latin typeface="Menlo" panose="020B0609030804020204" pitchFamily="49" charset="0"/>
+              </a:rPr>
+              <a:t>(</a:t>
+            </a:r>
+            <a:r>
+              <a:rPr lang="en" altLang="zh-CN" dirty="0" err="1">
+                <a:solidFill>
+                  <a:srgbClr val="001080"/>
+                </a:solidFill>
+                <a:latin typeface="Menlo" panose="020B0609030804020204" pitchFamily="49" charset="0"/>
+              </a:rPr>
+              <a:t>isPositive</a:t>
+            </a:r>
+            <a:r>
+              <a:rPr lang="en" altLang="zh-CN" dirty="0">
+                <a:solidFill>
+                  <a:srgbClr val="000000"/>
+                </a:solidFill>
+                <a:latin typeface="Menlo" panose="020B0609030804020204" pitchFamily="49" charset="0"/>
+              </a:rPr>
+              <a:t>)</a:t>
+            </a:r>
+          </a:p>
+          <a:p>
+            <a:r>
+              <a:rPr lang="en" altLang="zh-CN" dirty="0">
+                <a:solidFill>
+                  <a:srgbClr val="001080"/>
+                </a:solidFill>
+                <a:latin typeface="Menlo" panose="020B0609030804020204" pitchFamily="49" charset="0"/>
+              </a:rPr>
+              <a:t>    factor</a:t>
+            </a:r>
+            <a:r>
+              <a:rPr lang="en" altLang="zh-CN" dirty="0">
+                <a:solidFill>
+                  <a:srgbClr val="000000"/>
+                </a:solidFill>
+                <a:latin typeface="Menlo" panose="020B0609030804020204" pitchFamily="49" charset="0"/>
+              </a:rPr>
+              <a:t> = </a:t>
+            </a:r>
+            <a:r>
+              <a:rPr lang="en" altLang="zh-CN" dirty="0">
+                <a:solidFill>
+                  <a:srgbClr val="098658"/>
+                </a:solidFill>
+                <a:latin typeface="Menlo" panose="020B0609030804020204" pitchFamily="49" charset="0"/>
+              </a:rPr>
+              <a:t>1</a:t>
+            </a:r>
+            <a:r>
+              <a:rPr lang="en" altLang="zh-CN" dirty="0">
+                <a:solidFill>
+                  <a:srgbClr val="000000"/>
+                </a:solidFill>
+                <a:latin typeface="Menlo" panose="020B0609030804020204" pitchFamily="49" charset="0"/>
+              </a:rPr>
+              <a:t>;</a:t>
+            </a:r>
+          </a:p>
+          <a:p>
+            <a:r>
+              <a:rPr lang="en" altLang="zh-CN" dirty="0">
+                <a:solidFill>
+                  <a:srgbClr val="AF00DB"/>
+                </a:solidFill>
+                <a:latin typeface="Menlo" panose="020B0609030804020204" pitchFamily="49" charset="0"/>
+              </a:rPr>
+              <a:t>else</a:t>
+            </a:r>
+            <a:endParaRPr lang="en" altLang="zh-CN" dirty="0">
+              <a:solidFill>
+                <a:srgbClr val="000000"/>
+              </a:solidFill>
+              <a:latin typeface="Menlo" panose="020B0609030804020204" pitchFamily="49" charset="0"/>
+            </a:endParaRPr>
+          </a:p>
+          <a:p>
+            <a:r>
+              <a:rPr lang="en" altLang="zh-CN" dirty="0">
+                <a:solidFill>
+                  <a:srgbClr val="001080"/>
+                </a:solidFill>
+                <a:latin typeface="Menlo" panose="020B0609030804020204" pitchFamily="49" charset="0"/>
+              </a:rPr>
+              <a:t>    factor</a:t>
+            </a:r>
+            <a:r>
+              <a:rPr lang="en" altLang="zh-CN" dirty="0">
+                <a:solidFill>
+                  <a:srgbClr val="000000"/>
+                </a:solidFill>
+                <a:latin typeface="Menlo" panose="020B0609030804020204" pitchFamily="49" charset="0"/>
+              </a:rPr>
+              <a:t> = -</a:t>
+            </a:r>
+            <a:r>
+              <a:rPr lang="en" altLang="zh-CN" dirty="0">
+                <a:solidFill>
+                  <a:srgbClr val="098658"/>
+                </a:solidFill>
+                <a:latin typeface="Menlo" panose="020B0609030804020204" pitchFamily="49" charset="0"/>
+              </a:rPr>
+              <a:t>1</a:t>
+            </a:r>
+            <a:r>
+              <a:rPr lang="en" altLang="zh-CN" dirty="0">
+                <a:solidFill>
+                  <a:srgbClr val="000000"/>
+                </a:solidFill>
+                <a:latin typeface="Menlo" panose="020B0609030804020204" pitchFamily="49" charset="0"/>
+              </a:rPr>
+              <a:t>;</a:t>
+            </a:r>
+            <a:endParaRPr lang="en" altLang="zh-CN" b="0" dirty="0">
+              <a:solidFill>
+                <a:srgbClr val="000000"/>
+              </a:solidFill>
+              <a:effectLst/>
+              <a:latin typeface="Menlo" panose="020B0609030804020204" pitchFamily="49" charset="0"/>
+            </a:endParaRPr>
+          </a:p>
+        </p:txBody>
+      </p:sp>
+      <p:sp>
+        <p:nvSpPr>
+          <p:cNvPr id="5" name="矩形 4">
+            <a:extLst>
+              <a:ext uri="{FF2B5EF4-FFF2-40B4-BE49-F238E27FC236}">
+                <a16:creationId xmlns:a16="http://schemas.microsoft.com/office/drawing/2014/main" id="{9B0A5B86-AF15-1542-B13B-10F8B85B921D}"/>
+              </a:ext>
+            </a:extLst>
+          </p:cNvPr>
+          <p:cNvSpPr/>
+          <p:nvPr/>
+        </p:nvSpPr>
+        <p:spPr>
+          <a:xfrm>
+            <a:off x="1115503" y="4842776"/>
+            <a:ext cx="6891357" cy="369332"/>
+          </a:xfrm>
+          <a:prstGeom prst="rect">
+            <a:avLst/>
+          </a:prstGeom>
+          <a:ln>
+            <a:solidFill>
+              <a:schemeClr val="accent1">
+                <a:shade val="50000"/>
+              </a:schemeClr>
+            </a:solidFill>
+          </a:ln>
+        </p:spPr>
+        <p:txBody>
+          <a:bodyPr wrap="square">
+            <a:spAutoFit/>
+          </a:bodyPr>
+          <a:lstStyle/>
+          <a:p>
+            <a:r>
+              <a:rPr lang="en" altLang="zh-CN" dirty="0">
+                <a:solidFill>
                   <a:srgbClr val="001080"/>
                 </a:solidFill>
                 <a:latin typeface="Menlo" panose="020B0609030804020204" pitchFamily="49" charset="0"/>
@@ -17059,7 +17065,7 @@
         <p:spPr>
           <a:xfrm>
             <a:off x="1115505" y="5839365"/>
-            <a:ext cx="6095999" cy="369332"/>
+            <a:ext cx="6891355" cy="369332"/>
           </a:xfrm>
           <a:prstGeom prst="rect">
             <a:avLst/>
@@ -17895,7 +17901,7 @@
         </p:nvSpPr>
         <p:spPr>
           <a:xfrm>
-            <a:off x="1746738" y="2157046"/>
+            <a:off x="1746738" y="2133600"/>
             <a:ext cx="996462" cy="339969"/>
           </a:xfrm>
           <a:prstGeom prst="rect">

--- a/week03/Lecture03.pptx
+++ b/week03/Lecture03.pptx
@@ -224,7 +224,7 @@
           <a:p>
             <a:fld id="{634F3F22-B4BB-3F48-9180-464A9F2D66D1}" type="datetimeFigureOut">
               <a:rPr kumimoji="1" lang="zh-CN" altLang="en-US" smtClean="0"/>
-              <a:t>2022/9/14</a:t>
+              <a:t>2022/9/16</a:t>
             </a:fld>
             <a:endParaRPr kumimoji="1" lang="zh-CN" altLang="en-US"/>
           </a:p>
@@ -704,7 +704,7 @@
           <a:p>
             <a:fld id="{FC19A4FA-3D9A-4114-B0D5-759CBD56F1AB}" type="datetimeFigureOut">
               <a:rPr lang="zh-CN" altLang="en-US" smtClean="0"/>
-              <a:t>2022/9/14</a:t>
+              <a:t>2022/9/16</a:t>
             </a:fld>
             <a:endParaRPr lang="zh-CN" altLang="en-US"/>
           </a:p>
@@ -907,7 +907,7 @@
           <a:p>
             <a:fld id="{FC19A4FA-3D9A-4114-B0D5-759CBD56F1AB}" type="datetimeFigureOut">
               <a:rPr lang="zh-CN" altLang="en-US" smtClean="0"/>
-              <a:t>2022/9/14</a:t>
+              <a:t>2022/9/16</a:t>
             </a:fld>
             <a:endParaRPr lang="zh-CN" altLang="en-US"/>
           </a:p>
@@ -1085,7 +1085,7 @@
           <a:p>
             <a:fld id="{FC19A4FA-3D9A-4114-B0D5-759CBD56F1AB}" type="datetimeFigureOut">
               <a:rPr lang="zh-CN" altLang="en-US" smtClean="0"/>
-              <a:t>2022/9/14</a:t>
+              <a:t>2022/9/16</a:t>
             </a:fld>
             <a:endParaRPr lang="zh-CN" altLang="en-US"/>
           </a:p>
@@ -1309,7 +1309,7 @@
           <a:p>
             <a:fld id="{FC19A4FA-3D9A-4114-B0D5-759CBD56F1AB}" type="datetimeFigureOut">
               <a:rPr lang="zh-CN" altLang="en-US" smtClean="0"/>
-              <a:t>2022/9/14</a:t>
+              <a:t>2022/9/16</a:t>
             </a:fld>
             <a:endParaRPr lang="zh-CN" altLang="en-US"/>
           </a:p>
@@ -1543,7 +1543,7 @@
           <a:p>
             <a:fld id="{FC19A4FA-3D9A-4114-B0D5-759CBD56F1AB}" type="datetimeFigureOut">
               <a:rPr lang="zh-CN" altLang="en-US" smtClean="0"/>
-              <a:t>2022/9/14</a:t>
+              <a:t>2022/9/16</a:t>
             </a:fld>
             <a:endParaRPr lang="zh-CN" altLang="en-US"/>
           </a:p>
@@ -1942,7 +1942,7 @@
           <a:p>
             <a:fld id="{FC19A4FA-3D9A-4114-B0D5-759CBD56F1AB}" type="datetimeFigureOut">
               <a:rPr lang="zh-CN" altLang="en-US" smtClean="0"/>
-              <a:t>2022/9/14</a:t>
+              <a:t>2022/9/16</a:t>
             </a:fld>
             <a:endParaRPr lang="zh-CN" altLang="en-US"/>
           </a:p>
@@ -2222,7 +2222,7 @@
           <a:p>
             <a:fld id="{FC19A4FA-3D9A-4114-B0D5-759CBD56F1AB}" type="datetimeFigureOut">
               <a:rPr lang="zh-CN" altLang="en-US" smtClean="0"/>
-              <a:t>2022/9/14</a:t>
+              <a:t>2022/9/16</a:t>
             </a:fld>
             <a:endParaRPr lang="zh-CN" altLang="en-US"/>
           </a:p>
@@ -2374,7 +2374,7 @@
           <a:p>
             <a:fld id="{FC19A4FA-3D9A-4114-B0D5-759CBD56F1AB}" type="datetimeFigureOut">
               <a:rPr lang="zh-CN" altLang="en-US" smtClean="0"/>
-              <a:t>2022/9/14</a:t>
+              <a:t>2022/9/16</a:t>
             </a:fld>
             <a:endParaRPr lang="zh-CN" altLang="en-US"/>
           </a:p>
@@ -2504,7 +2504,7 @@
           <a:p>
             <a:fld id="{FC19A4FA-3D9A-4114-B0D5-759CBD56F1AB}" type="datetimeFigureOut">
               <a:rPr lang="zh-CN" altLang="en-US" smtClean="0"/>
-              <a:t>2022/9/14</a:t>
+              <a:t>2022/9/16</a:t>
             </a:fld>
             <a:endParaRPr lang="zh-CN" altLang="en-US"/>
           </a:p>
@@ -2814,7 +2814,7 @@
           <a:p>
             <a:fld id="{FC19A4FA-3D9A-4114-B0D5-759CBD56F1AB}" type="datetimeFigureOut">
               <a:rPr lang="zh-CN" altLang="en-US" smtClean="0"/>
-              <a:t>2022/9/14</a:t>
+              <a:t>2022/9/16</a:t>
             </a:fld>
             <a:endParaRPr lang="zh-CN" altLang="en-US"/>
           </a:p>
@@ -3101,7 +3101,7 @@
           <a:p>
             <a:fld id="{FC19A4FA-3D9A-4114-B0D5-759CBD56F1AB}" type="datetimeFigureOut">
               <a:rPr lang="zh-CN" altLang="en-US" smtClean="0"/>
-              <a:t>2022/9/14</a:t>
+              <a:t>2022/9/16</a:t>
             </a:fld>
             <a:endParaRPr lang="zh-CN" altLang="en-US"/>
           </a:p>
@@ -3394,7 +3394,7 @@
           <a:p>
             <a:fld id="{FC19A4FA-3D9A-4114-B0D5-759CBD56F1AB}" type="datetimeFigureOut">
               <a:rPr lang="zh-CN" altLang="en-US" smtClean="0"/>
-              <a:t>2022/9/14</a:t>
+              <a:t>2022/9/16</a:t>
             </a:fld>
             <a:endParaRPr lang="zh-CN" altLang="en-US"/>
           </a:p>
@@ -13169,7 +13169,7 @@
             </a:r>
             <a:r>
               <a:rPr lang="en" altLang="zh-CN" dirty="0"/>
-              <a:t>to a desired location</a:t>
+              <a:t>to the desired location</a:t>
             </a:r>
             <a:endParaRPr kumimoji="1" lang="en-US" altLang="zh-CN" dirty="0"/>
           </a:p>
@@ -13823,7 +13823,7 @@
         </p:nvSpPr>
         <p:spPr>
           <a:xfrm>
-            <a:off x="207257" y="2314545"/>
+            <a:off x="0" y="2314545"/>
             <a:ext cx="1415772" cy="400110"/>
           </a:xfrm>
           <a:prstGeom prst="rect">
@@ -13960,7 +13960,7 @@
           <a:p>
             <a:r>
               <a:rPr kumimoji="1" lang="en-US" altLang="zh-CN" dirty="0"/>
-              <a:t>Execute one of several statements, depending on the value of a condition</a:t>
+              <a:t>Execute one of several statements, depending on the value of an expression.</a:t>
             </a:r>
           </a:p>
           <a:p>
@@ -13975,7 +13975,7 @@
             </a:r>
             <a:r>
               <a:rPr kumimoji="1" lang="en-US" altLang="zh-CN" dirty="0"/>
-              <a:t> prevents to execute some following statements. </a:t>
+              <a:t> prevents executing some following statements. </a:t>
             </a:r>
             <a:r>
               <a:rPr kumimoji="1" lang="en-US" altLang="zh-CN" b="1" dirty="0">
@@ -14006,7 +14006,11 @@
           <a:p>
             <a:r>
               <a:rPr kumimoji="1" lang="en-US" altLang="zh-CN" dirty="0"/>
-              <a:t>More similar with </a:t>
+              <a:t>More </a:t>
+            </a:r>
+            <a:r>
+              <a:rPr kumimoji="1" lang="en-US" altLang="zh-CN"/>
+              <a:t>similar to </a:t>
             </a:r>
             <a:r>
               <a:rPr kumimoji="1" lang="en-US" altLang="zh-CN" dirty="0" err="1">
@@ -14327,7 +14331,7 @@
                 </a:solidFill>
                 <a:latin typeface="Menlo" panose="020B0609030804020204" pitchFamily="49" charset="0"/>
               </a:rPr>
-              <a:t>'d’</a:t>
+              <a:t>'d'</a:t>
             </a:r>
             <a:r>
               <a:rPr lang="en" altLang="zh-CN" sz="1900" dirty="0">
@@ -14368,7 +14372,7 @@
                 </a:solidFill>
                 <a:latin typeface="Menlo" panose="020B0609030804020204" pitchFamily="49" charset="0"/>
               </a:rPr>
-              <a:t>‘D'</a:t>
+              <a:t>'D'</a:t>
             </a:r>
             <a:r>
               <a:rPr lang="en" altLang="zh-CN" sz="1900" dirty="0">

--- a/week03/Lecture03.pptx
+++ b/week03/Lecture03.pptx
@@ -224,7 +224,7 @@
           <a:p>
             <a:fld id="{634F3F22-B4BB-3F48-9180-464A9F2D66D1}" type="datetimeFigureOut">
               <a:rPr kumimoji="1" lang="zh-CN" altLang="en-US" smtClean="0"/>
-              <a:t>2022/9/16</a:t>
+              <a:t>2022/9/22</a:t>
             </a:fld>
             <a:endParaRPr kumimoji="1" lang="zh-CN" altLang="en-US"/>
           </a:p>
@@ -704,7 +704,7 @@
           <a:p>
             <a:fld id="{FC19A4FA-3D9A-4114-B0D5-759CBD56F1AB}" type="datetimeFigureOut">
               <a:rPr lang="zh-CN" altLang="en-US" smtClean="0"/>
-              <a:t>2022/9/16</a:t>
+              <a:t>2022/9/22</a:t>
             </a:fld>
             <a:endParaRPr lang="zh-CN" altLang="en-US"/>
           </a:p>
@@ -907,7 +907,7 @@
           <a:p>
             <a:fld id="{FC19A4FA-3D9A-4114-B0D5-759CBD56F1AB}" type="datetimeFigureOut">
               <a:rPr lang="zh-CN" altLang="en-US" smtClean="0"/>
-              <a:t>2022/9/16</a:t>
+              <a:t>2022/9/22</a:t>
             </a:fld>
             <a:endParaRPr lang="zh-CN" altLang="en-US"/>
           </a:p>
@@ -1085,7 +1085,7 @@
           <a:p>
             <a:fld id="{FC19A4FA-3D9A-4114-B0D5-759CBD56F1AB}" type="datetimeFigureOut">
               <a:rPr lang="zh-CN" altLang="en-US" smtClean="0"/>
-              <a:t>2022/9/16</a:t>
+              <a:t>2022/9/22</a:t>
             </a:fld>
             <a:endParaRPr lang="zh-CN" altLang="en-US"/>
           </a:p>
@@ -1309,7 +1309,7 @@
           <a:p>
             <a:fld id="{FC19A4FA-3D9A-4114-B0D5-759CBD56F1AB}" type="datetimeFigureOut">
               <a:rPr lang="zh-CN" altLang="en-US" smtClean="0"/>
-              <a:t>2022/9/16</a:t>
+              <a:t>2022/9/22</a:t>
             </a:fld>
             <a:endParaRPr lang="zh-CN" altLang="en-US"/>
           </a:p>
@@ -1543,7 +1543,7 @@
           <a:p>
             <a:fld id="{FC19A4FA-3D9A-4114-B0D5-759CBD56F1AB}" type="datetimeFigureOut">
               <a:rPr lang="zh-CN" altLang="en-US" smtClean="0"/>
-              <a:t>2022/9/16</a:t>
+              <a:t>2022/9/22</a:t>
             </a:fld>
             <a:endParaRPr lang="zh-CN" altLang="en-US"/>
           </a:p>
@@ -1942,7 +1942,7 @@
           <a:p>
             <a:fld id="{FC19A4FA-3D9A-4114-B0D5-759CBD56F1AB}" type="datetimeFigureOut">
               <a:rPr lang="zh-CN" altLang="en-US" smtClean="0"/>
-              <a:t>2022/9/16</a:t>
+              <a:t>2022/9/22</a:t>
             </a:fld>
             <a:endParaRPr lang="zh-CN" altLang="en-US"/>
           </a:p>
@@ -2222,7 +2222,7 @@
           <a:p>
             <a:fld id="{FC19A4FA-3D9A-4114-B0D5-759CBD56F1AB}" type="datetimeFigureOut">
               <a:rPr lang="zh-CN" altLang="en-US" smtClean="0"/>
-              <a:t>2022/9/16</a:t>
+              <a:t>2022/9/22</a:t>
             </a:fld>
             <a:endParaRPr lang="zh-CN" altLang="en-US"/>
           </a:p>
@@ -2374,7 +2374,7 @@
           <a:p>
             <a:fld id="{FC19A4FA-3D9A-4114-B0D5-759CBD56F1AB}" type="datetimeFigureOut">
               <a:rPr lang="zh-CN" altLang="en-US" smtClean="0"/>
-              <a:t>2022/9/16</a:t>
+              <a:t>2022/9/22</a:t>
             </a:fld>
             <a:endParaRPr lang="zh-CN" altLang="en-US"/>
           </a:p>
@@ -2504,7 +2504,7 @@
           <a:p>
             <a:fld id="{FC19A4FA-3D9A-4114-B0D5-759CBD56F1AB}" type="datetimeFigureOut">
               <a:rPr lang="zh-CN" altLang="en-US" smtClean="0"/>
-              <a:t>2022/9/16</a:t>
+              <a:t>2022/9/22</a:t>
             </a:fld>
             <a:endParaRPr lang="zh-CN" altLang="en-US"/>
           </a:p>
@@ -2814,7 +2814,7 @@
           <a:p>
             <a:fld id="{FC19A4FA-3D9A-4114-B0D5-759CBD56F1AB}" type="datetimeFigureOut">
               <a:rPr lang="zh-CN" altLang="en-US" smtClean="0"/>
-              <a:t>2022/9/16</a:t>
+              <a:t>2022/9/22</a:t>
             </a:fld>
             <a:endParaRPr lang="zh-CN" altLang="en-US"/>
           </a:p>
@@ -3101,7 +3101,7 @@
           <a:p>
             <a:fld id="{FC19A4FA-3D9A-4114-B0D5-759CBD56F1AB}" type="datetimeFigureOut">
               <a:rPr lang="zh-CN" altLang="en-US" smtClean="0"/>
-              <a:t>2022/9/16</a:t>
+              <a:t>2022/9/22</a:t>
             </a:fld>
             <a:endParaRPr lang="zh-CN" altLang="en-US"/>
           </a:p>
@@ -3394,7 +3394,7 @@
           <a:p>
             <a:fld id="{FC19A4FA-3D9A-4114-B0D5-759CBD56F1AB}" type="datetimeFigureOut">
               <a:rPr lang="zh-CN" altLang="en-US" smtClean="0"/>
-              <a:t>2022/9/16</a:t>
+              <a:t>2022/9/22</a:t>
             </a:fld>
             <a:endParaRPr lang="zh-CN" altLang="en-US"/>
           </a:p>
@@ -13978,12 +13978,20 @@
               <a:t> prevents executing some following statements. </a:t>
             </a:r>
             <a:r>
+              <a:rPr kumimoji="1" lang="en-US" altLang="zh-CN" b="1">
+                <a:solidFill>
+                  <a:srgbClr val="FF0000"/>
+                </a:solidFill>
+              </a:rPr>
+              <a:t>Don’t </a:t>
+            </a:r>
+            <a:r>
               <a:rPr kumimoji="1" lang="en-US" altLang="zh-CN" b="1" dirty="0">
                 <a:solidFill>
                   <a:srgbClr val="FF0000"/>
                 </a:solidFill>
               </a:rPr>
-              <a:t>Don’t’ forget </a:t>
+              <a:t>forget </a:t>
             </a:r>
             <a:r>
               <a:rPr kumimoji="1" lang="en-US" altLang="zh-CN" b="1" dirty="0">
@@ -14006,11 +14014,7 @@
           <a:p>
             <a:r>
               <a:rPr kumimoji="1" lang="en-US" altLang="zh-CN" dirty="0"/>
-              <a:t>More </a:t>
-            </a:r>
-            <a:r>
-              <a:rPr kumimoji="1" lang="en-US" altLang="zh-CN"/>
-              <a:t>similar to </a:t>
+              <a:t>More similar to </a:t>
             </a:r>
             <a:r>
               <a:rPr kumimoji="1" lang="en-US" altLang="zh-CN" dirty="0" err="1">

--- a/week03/Lecture03.pptx
+++ b/week03/Lecture03.pptx
@@ -224,7 +224,7 @@
           <a:p>
             <a:fld id="{634F3F22-B4BB-3F48-9180-464A9F2D66D1}" type="datetimeFigureOut">
               <a:rPr kumimoji="1" lang="zh-CN" altLang="en-US" smtClean="0"/>
-              <a:t>2022/9/22</a:t>
+              <a:t>2025/3/3</a:t>
             </a:fld>
             <a:endParaRPr kumimoji="1" lang="zh-CN" altLang="en-US"/>
           </a:p>
@@ -704,7 +704,7 @@
           <a:p>
             <a:fld id="{FC19A4FA-3D9A-4114-B0D5-759CBD56F1AB}" type="datetimeFigureOut">
               <a:rPr lang="zh-CN" altLang="en-US" smtClean="0"/>
-              <a:t>2022/9/22</a:t>
+              <a:t>2025/3/3</a:t>
             </a:fld>
             <a:endParaRPr lang="zh-CN" altLang="en-US"/>
           </a:p>
@@ -907,7 +907,7 @@
           <a:p>
             <a:fld id="{FC19A4FA-3D9A-4114-B0D5-759CBD56F1AB}" type="datetimeFigureOut">
               <a:rPr lang="zh-CN" altLang="en-US" smtClean="0"/>
-              <a:t>2022/9/22</a:t>
+              <a:t>2025/3/3</a:t>
             </a:fld>
             <a:endParaRPr lang="zh-CN" altLang="en-US"/>
           </a:p>
@@ -1085,7 +1085,7 @@
           <a:p>
             <a:fld id="{FC19A4FA-3D9A-4114-B0D5-759CBD56F1AB}" type="datetimeFigureOut">
               <a:rPr lang="zh-CN" altLang="en-US" smtClean="0"/>
-              <a:t>2022/9/22</a:t>
+              <a:t>2025/3/3</a:t>
             </a:fld>
             <a:endParaRPr lang="zh-CN" altLang="en-US"/>
           </a:p>
@@ -1309,7 +1309,7 @@
           <a:p>
             <a:fld id="{FC19A4FA-3D9A-4114-B0D5-759CBD56F1AB}" type="datetimeFigureOut">
               <a:rPr lang="zh-CN" altLang="en-US" smtClean="0"/>
-              <a:t>2022/9/22</a:t>
+              <a:t>2025/3/3</a:t>
             </a:fld>
             <a:endParaRPr lang="zh-CN" altLang="en-US"/>
           </a:p>
@@ -1543,7 +1543,7 @@
           <a:p>
             <a:fld id="{FC19A4FA-3D9A-4114-B0D5-759CBD56F1AB}" type="datetimeFigureOut">
               <a:rPr lang="zh-CN" altLang="en-US" smtClean="0"/>
-              <a:t>2022/9/22</a:t>
+              <a:t>2025/3/3</a:t>
             </a:fld>
             <a:endParaRPr lang="zh-CN" altLang="en-US"/>
           </a:p>
@@ -1942,7 +1942,7 @@
           <a:p>
             <a:fld id="{FC19A4FA-3D9A-4114-B0D5-759CBD56F1AB}" type="datetimeFigureOut">
               <a:rPr lang="zh-CN" altLang="en-US" smtClean="0"/>
-              <a:t>2022/9/22</a:t>
+              <a:t>2025/3/3</a:t>
             </a:fld>
             <a:endParaRPr lang="zh-CN" altLang="en-US"/>
           </a:p>
@@ -2222,7 +2222,7 @@
           <a:p>
             <a:fld id="{FC19A4FA-3D9A-4114-B0D5-759CBD56F1AB}" type="datetimeFigureOut">
               <a:rPr lang="zh-CN" altLang="en-US" smtClean="0"/>
-              <a:t>2022/9/22</a:t>
+              <a:t>2025/3/3</a:t>
             </a:fld>
             <a:endParaRPr lang="zh-CN" altLang="en-US"/>
           </a:p>
@@ -2374,7 +2374,7 @@
           <a:p>
             <a:fld id="{FC19A4FA-3D9A-4114-B0D5-759CBD56F1AB}" type="datetimeFigureOut">
               <a:rPr lang="zh-CN" altLang="en-US" smtClean="0"/>
-              <a:t>2022/9/22</a:t>
+              <a:t>2025/3/3</a:t>
             </a:fld>
             <a:endParaRPr lang="zh-CN" altLang="en-US"/>
           </a:p>
@@ -2504,7 +2504,7 @@
           <a:p>
             <a:fld id="{FC19A4FA-3D9A-4114-B0D5-759CBD56F1AB}" type="datetimeFigureOut">
               <a:rPr lang="zh-CN" altLang="en-US" smtClean="0"/>
-              <a:t>2022/9/22</a:t>
+              <a:t>2025/3/3</a:t>
             </a:fld>
             <a:endParaRPr lang="zh-CN" altLang="en-US"/>
           </a:p>
@@ -2814,7 +2814,7 @@
           <a:p>
             <a:fld id="{FC19A4FA-3D9A-4114-B0D5-759CBD56F1AB}" type="datetimeFigureOut">
               <a:rPr lang="zh-CN" altLang="en-US" smtClean="0"/>
-              <a:t>2022/9/22</a:t>
+              <a:t>2025/3/3</a:t>
             </a:fld>
             <a:endParaRPr lang="zh-CN" altLang="en-US"/>
           </a:p>
@@ -3101,7 +3101,7 @@
           <a:p>
             <a:fld id="{FC19A4FA-3D9A-4114-B0D5-759CBD56F1AB}" type="datetimeFigureOut">
               <a:rPr lang="zh-CN" altLang="en-US" smtClean="0"/>
-              <a:t>2022/9/22</a:t>
+              <a:t>2025/3/3</a:t>
             </a:fld>
             <a:endParaRPr lang="zh-CN" altLang="en-US"/>
           </a:p>
@@ -3394,7 +3394,7 @@
           <a:p>
             <a:fld id="{FC19A4FA-3D9A-4114-B0D5-759CBD56F1AB}" type="datetimeFigureOut">
               <a:rPr lang="zh-CN" altLang="en-US" smtClean="0"/>
-              <a:t>2022/9/22</a:t>
+              <a:t>2025/3/3</a:t>
             </a:fld>
             <a:endParaRPr lang="zh-CN" altLang="en-US"/>
           </a:p>
@@ -3825,19 +3825,7 @@
               <a:rPr lang="en-US" altLang="zh-CN" b="1" dirty="0">
                 <a:latin typeface="Franklin Gothic Demi" panose="020B0703020102020204" pitchFamily="34" charset="0"/>
               </a:rPr>
-              <a:t>C/C++</a:t>
-            </a:r>
-            <a:r>
-              <a:rPr lang="zh-CN" altLang="en-US" b="1" dirty="0">
-                <a:latin typeface="Franklin Gothic Demi" panose="020B0703020102020204" pitchFamily="34" charset="0"/>
-              </a:rPr>
-              <a:t> </a:t>
-            </a:r>
-            <a:r>
-              <a:rPr lang="en-US" altLang="zh-CN" b="1" dirty="0">
-                <a:latin typeface="Franklin Gothic Demi" panose="020B0703020102020204" pitchFamily="34" charset="0"/>
-              </a:rPr>
-              <a:t>Program Design</a:t>
+              <a:t>Advanced Programming </a:t>
             </a:r>
             <a:endParaRPr lang="zh-CN" altLang="en-US" b="1" dirty="0">
               <a:latin typeface="Franklin Gothic Demi" panose="020B0703020102020204" pitchFamily="34" charset="0"/>
@@ -3866,14 +3854,6 @@
             <a:normAutofit/>
           </a:bodyPr>
           <a:lstStyle/>
-          <a:p>
-            <a:r>
-              <a:rPr lang="en-US" altLang="zh-CN" sz="3600" dirty="0">
-                <a:latin typeface="Franklin Gothic Medium" panose="020B0603020102020204" pitchFamily="34" charset="0"/>
-              </a:rPr>
-              <a:t>CS205</a:t>
-            </a:r>
-          </a:p>
           <a:p>
             <a:endParaRPr lang="en-US" altLang="zh-CN" dirty="0">
               <a:latin typeface="Franklin Gothic Medium" panose="020B0603020102020204" pitchFamily="34" charset="0"/>
